--- a/lecture_note/Lecture8.pptx
+++ b/lecture_note/Lecture8.pptx
@@ -13,56 +13,55 @@
     <p:sldId id="374" r:id="rId7"/>
     <p:sldId id="375" r:id="rId8"/>
     <p:sldId id="376" r:id="rId9"/>
-    <p:sldId id="377" r:id="rId10"/>
-    <p:sldId id="378" r:id="rId11"/>
-    <p:sldId id="381" r:id="rId12"/>
-    <p:sldId id="382" r:id="rId13"/>
-    <p:sldId id="383" r:id="rId14"/>
-    <p:sldId id="384" r:id="rId15"/>
-    <p:sldId id="379" r:id="rId16"/>
-    <p:sldId id="385" r:id="rId17"/>
-    <p:sldId id="386" r:id="rId18"/>
-    <p:sldId id="387" r:id="rId19"/>
-    <p:sldId id="388" r:id="rId20"/>
-    <p:sldId id="389" r:id="rId21"/>
-    <p:sldId id="380" r:id="rId22"/>
-    <p:sldId id="391" r:id="rId23"/>
-    <p:sldId id="392" r:id="rId24"/>
-    <p:sldId id="393" r:id="rId25"/>
-    <p:sldId id="394" r:id="rId26"/>
-    <p:sldId id="395" r:id="rId27"/>
-    <p:sldId id="403" r:id="rId28"/>
-    <p:sldId id="398" r:id="rId29"/>
-    <p:sldId id="399" r:id="rId30"/>
-    <p:sldId id="400" r:id="rId31"/>
-    <p:sldId id="401" r:id="rId32"/>
-    <p:sldId id="402" r:id="rId33"/>
-    <p:sldId id="409" r:id="rId34"/>
-    <p:sldId id="408" r:id="rId35"/>
-    <p:sldId id="407" r:id="rId36"/>
-    <p:sldId id="406" r:id="rId37"/>
-    <p:sldId id="405" r:id="rId38"/>
-    <p:sldId id="404" r:id="rId39"/>
-    <p:sldId id="413" r:id="rId40"/>
-    <p:sldId id="397" r:id="rId41"/>
-    <p:sldId id="410" r:id="rId42"/>
-    <p:sldId id="411" r:id="rId43"/>
-    <p:sldId id="418" r:id="rId44"/>
-    <p:sldId id="417" r:id="rId45"/>
-    <p:sldId id="416" r:id="rId46"/>
-    <p:sldId id="415" r:id="rId47"/>
-    <p:sldId id="412" r:id="rId48"/>
-    <p:sldId id="414" r:id="rId49"/>
-    <p:sldId id="419" r:id="rId50"/>
-    <p:sldId id="420" r:id="rId51"/>
-    <p:sldId id="421" r:id="rId52"/>
-    <p:sldId id="422" r:id="rId53"/>
-    <p:sldId id="423" r:id="rId54"/>
-    <p:sldId id="424" r:id="rId55"/>
-    <p:sldId id="425" r:id="rId56"/>
-    <p:sldId id="427" r:id="rId57"/>
-    <p:sldId id="428" r:id="rId58"/>
-    <p:sldId id="429" r:id="rId59"/>
+    <p:sldId id="378" r:id="rId10"/>
+    <p:sldId id="381" r:id="rId11"/>
+    <p:sldId id="382" r:id="rId12"/>
+    <p:sldId id="383" r:id="rId13"/>
+    <p:sldId id="384" r:id="rId14"/>
+    <p:sldId id="379" r:id="rId15"/>
+    <p:sldId id="385" r:id="rId16"/>
+    <p:sldId id="386" r:id="rId17"/>
+    <p:sldId id="387" r:id="rId18"/>
+    <p:sldId id="388" r:id="rId19"/>
+    <p:sldId id="389" r:id="rId20"/>
+    <p:sldId id="380" r:id="rId21"/>
+    <p:sldId id="391" r:id="rId22"/>
+    <p:sldId id="392" r:id="rId23"/>
+    <p:sldId id="393" r:id="rId24"/>
+    <p:sldId id="394" r:id="rId25"/>
+    <p:sldId id="395" r:id="rId26"/>
+    <p:sldId id="403" r:id="rId27"/>
+    <p:sldId id="398" r:id="rId28"/>
+    <p:sldId id="399" r:id="rId29"/>
+    <p:sldId id="400" r:id="rId30"/>
+    <p:sldId id="401" r:id="rId31"/>
+    <p:sldId id="402" r:id="rId32"/>
+    <p:sldId id="409" r:id="rId33"/>
+    <p:sldId id="408" r:id="rId34"/>
+    <p:sldId id="407" r:id="rId35"/>
+    <p:sldId id="406" r:id="rId36"/>
+    <p:sldId id="405" r:id="rId37"/>
+    <p:sldId id="404" r:id="rId38"/>
+    <p:sldId id="413" r:id="rId39"/>
+    <p:sldId id="397" r:id="rId40"/>
+    <p:sldId id="410" r:id="rId41"/>
+    <p:sldId id="411" r:id="rId42"/>
+    <p:sldId id="418" r:id="rId43"/>
+    <p:sldId id="417" r:id="rId44"/>
+    <p:sldId id="416" r:id="rId45"/>
+    <p:sldId id="415" r:id="rId46"/>
+    <p:sldId id="412" r:id="rId47"/>
+    <p:sldId id="414" r:id="rId48"/>
+    <p:sldId id="419" r:id="rId49"/>
+    <p:sldId id="420" r:id="rId50"/>
+    <p:sldId id="421" r:id="rId51"/>
+    <p:sldId id="422" r:id="rId52"/>
+    <p:sldId id="423" r:id="rId53"/>
+    <p:sldId id="424" r:id="rId54"/>
+    <p:sldId id="425" r:id="rId55"/>
+    <p:sldId id="427" r:id="rId56"/>
+    <p:sldId id="428" r:id="rId57"/>
+    <p:sldId id="429" r:id="rId58"/>
   </p:sldIdLst>
   <p:sldSz cx="12192000" cy="6858000"/>
   <p:notesSz cx="6858000" cy="9144000"/>
@@ -316,7 +315,7 @@
           <a:p>
             <a:fld id="{B639CDD4-7E16-7047-830C-DD1AB18545EE}" type="datetimeFigureOut">
               <a:rPr kumimoji="1" lang="ko-KR" altLang="en-US" smtClean="0"/>
-              <a:t>2020. 2. 22.</a:t>
+              <a:t>2020-03-14</a:t>
             </a:fld>
             <a:endParaRPr kumimoji="1" lang="ko-KR" altLang="en-US"/>
           </a:p>
@@ -514,7 +513,7 @@
           <a:p>
             <a:fld id="{B639CDD4-7E16-7047-830C-DD1AB18545EE}" type="datetimeFigureOut">
               <a:rPr kumimoji="1" lang="ko-KR" altLang="en-US" smtClean="0"/>
-              <a:t>2020. 2. 22.</a:t>
+              <a:t>2020-03-14</a:t>
             </a:fld>
             <a:endParaRPr kumimoji="1" lang="ko-KR" altLang="en-US"/>
           </a:p>
@@ -722,7 +721,7 @@
           <a:p>
             <a:fld id="{B639CDD4-7E16-7047-830C-DD1AB18545EE}" type="datetimeFigureOut">
               <a:rPr kumimoji="1" lang="ko-KR" altLang="en-US" smtClean="0"/>
-              <a:t>2020. 2. 22.</a:t>
+              <a:t>2020-03-14</a:t>
             </a:fld>
             <a:endParaRPr kumimoji="1" lang="ko-KR" altLang="en-US"/>
           </a:p>
@@ -920,7 +919,7 @@
           <a:p>
             <a:fld id="{B639CDD4-7E16-7047-830C-DD1AB18545EE}" type="datetimeFigureOut">
               <a:rPr kumimoji="1" lang="ko-KR" altLang="en-US" smtClean="0"/>
-              <a:t>2020. 2. 22.</a:t>
+              <a:t>2020-03-14</a:t>
             </a:fld>
             <a:endParaRPr kumimoji="1" lang="ko-KR" altLang="en-US"/>
           </a:p>
@@ -1195,7 +1194,7 @@
           <a:p>
             <a:fld id="{B639CDD4-7E16-7047-830C-DD1AB18545EE}" type="datetimeFigureOut">
               <a:rPr kumimoji="1" lang="ko-KR" altLang="en-US" smtClean="0"/>
-              <a:t>2020. 2. 22.</a:t>
+              <a:t>2020-03-14</a:t>
             </a:fld>
             <a:endParaRPr kumimoji="1" lang="ko-KR" altLang="en-US"/>
           </a:p>
@@ -1460,7 +1459,7 @@
           <a:p>
             <a:fld id="{B639CDD4-7E16-7047-830C-DD1AB18545EE}" type="datetimeFigureOut">
               <a:rPr kumimoji="1" lang="ko-KR" altLang="en-US" smtClean="0"/>
-              <a:t>2020. 2. 22.</a:t>
+              <a:t>2020-03-14</a:t>
             </a:fld>
             <a:endParaRPr kumimoji="1" lang="ko-KR" altLang="en-US"/>
           </a:p>
@@ -1872,7 +1871,7 @@
           <a:p>
             <a:fld id="{B639CDD4-7E16-7047-830C-DD1AB18545EE}" type="datetimeFigureOut">
               <a:rPr kumimoji="1" lang="ko-KR" altLang="en-US" smtClean="0"/>
-              <a:t>2020. 2. 22.</a:t>
+              <a:t>2020-03-14</a:t>
             </a:fld>
             <a:endParaRPr kumimoji="1" lang="ko-KR" altLang="en-US"/>
           </a:p>
@@ -2013,7 +2012,7 @@
           <a:p>
             <a:fld id="{B639CDD4-7E16-7047-830C-DD1AB18545EE}" type="datetimeFigureOut">
               <a:rPr kumimoji="1" lang="ko-KR" altLang="en-US" smtClean="0"/>
-              <a:t>2020. 2. 22.</a:t>
+              <a:t>2020-03-14</a:t>
             </a:fld>
             <a:endParaRPr kumimoji="1" lang="ko-KR" altLang="en-US"/>
           </a:p>
@@ -2126,7 +2125,7 @@
           <a:p>
             <a:fld id="{B639CDD4-7E16-7047-830C-DD1AB18545EE}" type="datetimeFigureOut">
               <a:rPr kumimoji="1" lang="ko-KR" altLang="en-US" smtClean="0"/>
-              <a:t>2020. 2. 22.</a:t>
+              <a:t>2020-03-14</a:t>
             </a:fld>
             <a:endParaRPr kumimoji="1" lang="ko-KR" altLang="en-US"/>
           </a:p>
@@ -2437,7 +2436,7 @@
           <a:p>
             <a:fld id="{B639CDD4-7E16-7047-830C-DD1AB18545EE}" type="datetimeFigureOut">
               <a:rPr kumimoji="1" lang="ko-KR" altLang="en-US" smtClean="0"/>
-              <a:t>2020. 2. 22.</a:t>
+              <a:t>2020-03-14</a:t>
             </a:fld>
             <a:endParaRPr kumimoji="1" lang="ko-KR" altLang="en-US"/>
           </a:p>
@@ -2725,7 +2724,7 @@
           <a:p>
             <a:fld id="{B639CDD4-7E16-7047-830C-DD1AB18545EE}" type="datetimeFigureOut">
               <a:rPr kumimoji="1" lang="ko-KR" altLang="en-US" smtClean="0"/>
-              <a:t>2020. 2. 22.</a:t>
+              <a:t>2020-03-14</a:t>
             </a:fld>
             <a:endParaRPr kumimoji="1" lang="ko-KR" altLang="en-US"/>
           </a:p>
@@ -2966,7 +2965,7 @@
           <a:p>
             <a:fld id="{B639CDD4-7E16-7047-830C-DD1AB18545EE}" type="datetimeFigureOut">
               <a:rPr kumimoji="1" lang="ko-KR" altLang="en-US" smtClean="0"/>
-              <a:t>2020. 2. 22.</a:t>
+              <a:t>2020-03-14</a:t>
             </a:fld>
             <a:endParaRPr kumimoji="1" lang="ko-KR" altLang="en-US"/>
           </a:p>
@@ -3561,6 +3560,70 @@
       </p:sp>
       <p:sp>
         <p:nvSpPr>
+          <p:cNvPr id="8" name="TextBox 7">
+            <a:extLst>
+              <a:ext uri="{FF2B5EF4-FFF2-40B4-BE49-F238E27FC236}">
+                <a16:creationId xmlns:a16="http://schemas.microsoft.com/office/drawing/2014/main" id="{23A8A441-390F-5540-A633-D6AB35B78EA1}"/>
+              </a:ext>
+            </a:extLst>
+          </p:cNvPr>
+          <p:cNvSpPr txBox="1"/>
+          <p:nvPr/>
+        </p:nvSpPr>
+        <p:spPr>
+          <a:xfrm>
+            <a:off x="339557" y="1848678"/>
+            <a:ext cx="4954561" cy="1152751"/>
+          </a:xfrm>
+          <a:prstGeom prst="rect">
+            <a:avLst/>
+          </a:prstGeom>
+          <a:noFill/>
+        </p:spPr>
+        <p:txBody>
+          <a:bodyPr wrap="none" rtlCol="0">
+            <a:spAutoFit/>
+          </a:bodyPr>
+          <a:lstStyle/>
+          <a:p>
+            <a:pPr marL="285750" indent="-285750">
+              <a:lnSpc>
+                <a:spcPct val="150000"/>
+              </a:lnSpc>
+              <a:buFont typeface="Arial" panose="020B0604020202020204" pitchFamily="34" charset="0"/>
+              <a:buChar char="•"/>
+            </a:pPr>
+            <a:r>
+              <a:rPr kumimoji="1" lang="en-US" altLang="ko-KR" sz="1600" dirty="0"/>
+              <a:t>Pre-trained language representation</a:t>
+            </a:r>
+            <a:r>
+              <a:rPr kumimoji="1" lang="ko-KR" altLang="en-US" sz="1600" dirty="0"/>
+              <a:t>을 적용하는</a:t>
+            </a:r>
+            <a:br>
+              <a:rPr kumimoji="1" lang="en-US" altLang="ko-KR" sz="1600" dirty="0"/>
+            </a:br>
+            <a:r>
+              <a:rPr kumimoji="1" lang="ko-KR" altLang="en-US" sz="1600" dirty="0"/>
+              <a:t>기존의 두가지 방법이 존재</a:t>
+            </a:r>
+            <a:endParaRPr kumimoji="1" lang="en-US" altLang="ko-KR" sz="1600" dirty="0"/>
+          </a:p>
+          <a:p>
+            <a:pPr marL="742950" lvl="1" indent="-285750">
+              <a:lnSpc>
+                <a:spcPct val="150000"/>
+              </a:lnSpc>
+              <a:buFont typeface="Arial" panose="020B0604020202020204" pitchFamily="34" charset="0"/>
+              <a:buChar char="•"/>
+            </a:pPr>
+            <a:endParaRPr kumimoji="1" lang="en-US" altLang="ko-KR" sz="1600" dirty="0"/>
+          </a:p>
+        </p:txBody>
+      </p:sp>
+      <p:sp>
+        <p:nvSpPr>
           <p:cNvPr id="9" name="TextBox 8">
             <a:extLst>
               <a:ext uri="{FF2B5EF4-FFF2-40B4-BE49-F238E27FC236}">
@@ -3657,7 +3720,7 @@
     </p:spTree>
     <p:extLst>
       <p:ext uri="{BB962C8B-B14F-4D97-AF65-F5344CB8AC3E}">
-        <p14:creationId xmlns:p14="http://schemas.microsoft.com/office/powerpoint/2010/main" val="324258613"/>
+        <p14:creationId xmlns:p14="http://schemas.microsoft.com/office/powerpoint/2010/main" val="790883381"/>
       </p:ext>
     </p:extLst>
   </p:cSld>
@@ -3748,7 +3811,7 @@
         <p:spPr>
           <a:xfrm>
             <a:off x="339557" y="1848678"/>
-            <a:ext cx="4954561" cy="1152751"/>
+            <a:ext cx="4954561" cy="2999411"/>
           </a:xfrm>
           <a:prstGeom prst="rect">
             <a:avLst/>
@@ -3793,7 +3856,59 @@
               <a:buFont typeface="Arial" panose="020B0604020202020204" pitchFamily="34" charset="0"/>
               <a:buChar char="•"/>
             </a:pPr>
+            <a:r>
+              <a:rPr kumimoji="1" lang="en-US" altLang="ko-KR" sz="1600" dirty="0"/>
+              <a:t>feature-based</a:t>
+            </a:r>
+          </a:p>
+          <a:p>
+            <a:pPr marL="1200150" lvl="2" indent="-285750">
+              <a:lnSpc>
+                <a:spcPct val="150000"/>
+              </a:lnSpc>
+              <a:buFont typeface="Arial" panose="020B0604020202020204" pitchFamily="34" charset="0"/>
+              <a:buChar char="•"/>
+            </a:pPr>
             <a:endParaRPr kumimoji="1" lang="en-US" altLang="ko-KR" sz="1600" dirty="0"/>
+          </a:p>
+          <a:p>
+            <a:pPr lvl="2">
+              <a:lnSpc>
+                <a:spcPct val="150000"/>
+              </a:lnSpc>
+            </a:pPr>
+            <a:endParaRPr kumimoji="1" lang="en-US" altLang="ko-KR" sz="1600" dirty="0"/>
+          </a:p>
+          <a:p>
+            <a:pPr lvl="2">
+              <a:lnSpc>
+                <a:spcPct val="150000"/>
+              </a:lnSpc>
+            </a:pPr>
+            <a:endParaRPr lang="en" altLang="ko-Kore-KR" sz="1600" dirty="0"/>
+          </a:p>
+          <a:p>
+            <a:pPr marL="1200150" lvl="2" indent="-285750">
+              <a:lnSpc>
+                <a:spcPct val="150000"/>
+              </a:lnSpc>
+              <a:buFont typeface="Arial" panose="020B0604020202020204" pitchFamily="34" charset="0"/>
+              <a:buChar char="•"/>
+            </a:pPr>
+            <a:endParaRPr kumimoji="1" lang="en-US" altLang="ko-KR" sz="1600" dirty="0"/>
+          </a:p>
+          <a:p>
+            <a:pPr marL="742950" lvl="1" indent="-285750">
+              <a:lnSpc>
+                <a:spcPct val="150000"/>
+              </a:lnSpc>
+              <a:buFont typeface="Arial" panose="020B0604020202020204" pitchFamily="34" charset="0"/>
+              <a:buChar char="•"/>
+            </a:pPr>
+            <a:r>
+              <a:rPr kumimoji="1" lang="en-US" altLang="ko-KR" sz="1600" dirty="0"/>
+              <a:t>fine-tuning</a:t>
+            </a:r>
           </a:p>
         </p:txBody>
       </p:sp>
@@ -3895,7 +4010,7 @@
     </p:spTree>
     <p:extLst>
       <p:ext uri="{BB962C8B-B14F-4D97-AF65-F5344CB8AC3E}">
-        <p14:creationId xmlns:p14="http://schemas.microsoft.com/office/powerpoint/2010/main" val="790883381"/>
+        <p14:creationId xmlns:p14="http://schemas.microsoft.com/office/powerpoint/2010/main" val="2940138447"/>
       </p:ext>
     </p:extLst>
   </p:cSld>
@@ -4044,23 +4159,11 @@
               <a:buFont typeface="Arial" panose="020B0604020202020204" pitchFamily="34" charset="0"/>
               <a:buChar char="•"/>
             </a:pPr>
+            <a:r>
+              <a:rPr kumimoji="1" lang="en-US" altLang="ko-KR" sz="1600" dirty="0" err="1"/>
+              <a:t>ELMo</a:t>
+            </a:r>
             <a:endParaRPr kumimoji="1" lang="en-US" altLang="ko-KR" sz="1600" dirty="0"/>
-          </a:p>
-          <a:p>
-            <a:pPr lvl="2">
-              <a:lnSpc>
-                <a:spcPct val="150000"/>
-              </a:lnSpc>
-            </a:pPr>
-            <a:endParaRPr kumimoji="1" lang="en-US" altLang="ko-KR" sz="1600" dirty="0"/>
-          </a:p>
-          <a:p>
-            <a:pPr lvl="2">
-              <a:lnSpc>
-                <a:spcPct val="150000"/>
-              </a:lnSpc>
-            </a:pPr>
-            <a:endParaRPr lang="en" altLang="ko-Kore-KR" sz="1600" dirty="0"/>
           </a:p>
           <a:p>
             <a:pPr marL="1200150" lvl="2" indent="-285750">
@@ -4070,6 +4173,41 @@
               <a:buFont typeface="Arial" panose="020B0604020202020204" pitchFamily="34" charset="0"/>
               <a:buChar char="•"/>
             </a:pPr>
+            <a:r>
+              <a:rPr kumimoji="1" lang="en-US" altLang="ko-KR" sz="1600" dirty="0"/>
+              <a:t>w2v, glove, </a:t>
+            </a:r>
+            <a:r>
+              <a:rPr kumimoji="1" lang="en-US" altLang="ko-KR" sz="1600" dirty="0" err="1"/>
+              <a:t>fasttext</a:t>
+            </a:r>
+            <a:endParaRPr kumimoji="1" lang="en-US" altLang="ko-KR" sz="1600" dirty="0"/>
+          </a:p>
+          <a:p>
+            <a:pPr marL="1200150" lvl="2" indent="-285750">
+              <a:lnSpc>
+                <a:spcPct val="150000"/>
+              </a:lnSpc>
+              <a:buFont typeface="Arial" panose="020B0604020202020204" pitchFamily="34" charset="0"/>
+              <a:buChar char="•"/>
+            </a:pPr>
+            <a:r>
+              <a:rPr lang="en" altLang="ko-Kore-KR" sz="1600" dirty="0"/>
+              <a:t>Skip-thought vectors</a:t>
+            </a:r>
+          </a:p>
+          <a:p>
+            <a:pPr marL="1200150" lvl="2" indent="-285750">
+              <a:lnSpc>
+                <a:spcPct val="150000"/>
+              </a:lnSpc>
+              <a:buFont typeface="Arial" panose="020B0604020202020204" pitchFamily="34" charset="0"/>
+              <a:buChar char="•"/>
+            </a:pPr>
+            <a:r>
+              <a:rPr kumimoji="1" lang="en" altLang="ko-KR" sz="1600" dirty="0" err="1"/>
+              <a:t>etc</a:t>
+            </a:r>
             <a:endParaRPr kumimoji="1" lang="en-US" altLang="ko-KR" sz="1600" dirty="0"/>
           </a:p>
           <a:p>
@@ -4185,7 +4323,7 @@
     </p:spTree>
     <p:extLst>
       <p:ext uri="{BB962C8B-B14F-4D97-AF65-F5344CB8AC3E}">
-        <p14:creationId xmlns:p14="http://schemas.microsoft.com/office/powerpoint/2010/main" val="2940138447"/>
+        <p14:creationId xmlns:p14="http://schemas.microsoft.com/office/powerpoint/2010/main" val="792415375"/>
       </p:ext>
     </p:extLst>
   </p:cSld>
@@ -4276,7 +4414,7 @@
         <p:spPr>
           <a:xfrm>
             <a:off x="339557" y="1848678"/>
-            <a:ext cx="4954561" cy="2999411"/>
+            <a:ext cx="4954561" cy="3738075"/>
           </a:xfrm>
           <a:prstGeom prst="rect">
             <a:avLst/>
@@ -4397,6 +4535,33 @@
               <a:rPr kumimoji="1" lang="en-US" altLang="ko-KR" sz="1600" dirty="0"/>
               <a:t>fine-tuning</a:t>
             </a:r>
+          </a:p>
+          <a:p>
+            <a:pPr marL="1200150" lvl="2" indent="-285750">
+              <a:lnSpc>
+                <a:spcPct val="150000"/>
+              </a:lnSpc>
+              <a:buFont typeface="Arial" panose="020B0604020202020204" pitchFamily="34" charset="0"/>
+              <a:buChar char="•"/>
+            </a:pPr>
+            <a:r>
+              <a:rPr kumimoji="1" lang="en-US" altLang="ko-KR" sz="1600" dirty="0"/>
+              <a:t>GPT</a:t>
+            </a:r>
+          </a:p>
+          <a:p>
+            <a:pPr marL="1200150" lvl="2" indent="-285750">
+              <a:lnSpc>
+                <a:spcPct val="150000"/>
+              </a:lnSpc>
+              <a:buFont typeface="Arial" panose="020B0604020202020204" pitchFamily="34" charset="0"/>
+              <a:buChar char="•"/>
+            </a:pPr>
+            <a:r>
+              <a:rPr kumimoji="1" lang="en-US" altLang="ko-KR" sz="1600" dirty="0" err="1"/>
+              <a:t>UMLFiT</a:t>
+            </a:r>
+            <a:endParaRPr kumimoji="1" lang="en-US" altLang="ko-KR" sz="1600" dirty="0"/>
           </a:p>
         </p:txBody>
       </p:sp>
@@ -4498,7 +4663,7 @@
     </p:spTree>
     <p:extLst>
       <p:ext uri="{BB962C8B-B14F-4D97-AF65-F5344CB8AC3E}">
-        <p14:creationId xmlns:p14="http://schemas.microsoft.com/office/powerpoint/2010/main" val="792415375"/>
+        <p14:creationId xmlns:p14="http://schemas.microsoft.com/office/powerpoint/2010/main" val="1297983293"/>
       </p:ext>
     </p:extLst>
   </p:cSld>
@@ -4576,172 +4741,6 @@
       </p:sp>
       <p:sp>
         <p:nvSpPr>
-          <p:cNvPr id="8" name="TextBox 7">
-            <a:extLst>
-              <a:ext uri="{FF2B5EF4-FFF2-40B4-BE49-F238E27FC236}">
-                <a16:creationId xmlns:a16="http://schemas.microsoft.com/office/drawing/2014/main" id="{23A8A441-390F-5540-A633-D6AB35B78EA1}"/>
-              </a:ext>
-            </a:extLst>
-          </p:cNvPr>
-          <p:cNvSpPr txBox="1"/>
-          <p:nvPr/>
-        </p:nvSpPr>
-        <p:spPr>
-          <a:xfrm>
-            <a:off x="339557" y="1848678"/>
-            <a:ext cx="4954561" cy="3738075"/>
-          </a:xfrm>
-          <a:prstGeom prst="rect">
-            <a:avLst/>
-          </a:prstGeom>
-          <a:noFill/>
-        </p:spPr>
-        <p:txBody>
-          <a:bodyPr wrap="none" rtlCol="0">
-            <a:spAutoFit/>
-          </a:bodyPr>
-          <a:lstStyle/>
-          <a:p>
-            <a:pPr marL="285750" indent="-285750">
-              <a:lnSpc>
-                <a:spcPct val="150000"/>
-              </a:lnSpc>
-              <a:buFont typeface="Arial" panose="020B0604020202020204" pitchFamily="34" charset="0"/>
-              <a:buChar char="•"/>
-            </a:pPr>
-            <a:r>
-              <a:rPr kumimoji="1" lang="en-US" altLang="ko-KR" sz="1600" dirty="0"/>
-              <a:t>Pre-trained language representation</a:t>
-            </a:r>
-            <a:r>
-              <a:rPr kumimoji="1" lang="ko-KR" altLang="en-US" sz="1600" dirty="0"/>
-              <a:t>을 적용하는</a:t>
-            </a:r>
-            <a:br>
-              <a:rPr kumimoji="1" lang="en-US" altLang="ko-KR" sz="1600" dirty="0"/>
-            </a:br>
-            <a:r>
-              <a:rPr kumimoji="1" lang="ko-KR" altLang="en-US" sz="1600" dirty="0"/>
-              <a:t>기존의 두가지 방법이 존재</a:t>
-            </a:r>
-            <a:endParaRPr kumimoji="1" lang="en-US" altLang="ko-KR" sz="1600" dirty="0"/>
-          </a:p>
-          <a:p>
-            <a:pPr marL="742950" lvl="1" indent="-285750">
-              <a:lnSpc>
-                <a:spcPct val="150000"/>
-              </a:lnSpc>
-              <a:buFont typeface="Arial" panose="020B0604020202020204" pitchFamily="34" charset="0"/>
-              <a:buChar char="•"/>
-            </a:pPr>
-            <a:r>
-              <a:rPr kumimoji="1" lang="en-US" altLang="ko-KR" sz="1600" dirty="0"/>
-              <a:t>feature-based</a:t>
-            </a:r>
-          </a:p>
-          <a:p>
-            <a:pPr marL="1200150" lvl="2" indent="-285750">
-              <a:lnSpc>
-                <a:spcPct val="150000"/>
-              </a:lnSpc>
-              <a:buFont typeface="Arial" panose="020B0604020202020204" pitchFamily="34" charset="0"/>
-              <a:buChar char="•"/>
-            </a:pPr>
-            <a:r>
-              <a:rPr kumimoji="1" lang="en-US" altLang="ko-KR" sz="1600" dirty="0" err="1"/>
-              <a:t>ELMo</a:t>
-            </a:r>
-            <a:endParaRPr kumimoji="1" lang="en-US" altLang="ko-KR" sz="1600" dirty="0"/>
-          </a:p>
-          <a:p>
-            <a:pPr marL="1200150" lvl="2" indent="-285750">
-              <a:lnSpc>
-                <a:spcPct val="150000"/>
-              </a:lnSpc>
-              <a:buFont typeface="Arial" panose="020B0604020202020204" pitchFamily="34" charset="0"/>
-              <a:buChar char="•"/>
-            </a:pPr>
-            <a:r>
-              <a:rPr kumimoji="1" lang="en-US" altLang="ko-KR" sz="1600" dirty="0"/>
-              <a:t>w2v, glove, </a:t>
-            </a:r>
-            <a:r>
-              <a:rPr kumimoji="1" lang="en-US" altLang="ko-KR" sz="1600" dirty="0" err="1"/>
-              <a:t>fasttext</a:t>
-            </a:r>
-            <a:endParaRPr kumimoji="1" lang="en-US" altLang="ko-KR" sz="1600" dirty="0"/>
-          </a:p>
-          <a:p>
-            <a:pPr marL="1200150" lvl="2" indent="-285750">
-              <a:lnSpc>
-                <a:spcPct val="150000"/>
-              </a:lnSpc>
-              <a:buFont typeface="Arial" panose="020B0604020202020204" pitchFamily="34" charset="0"/>
-              <a:buChar char="•"/>
-            </a:pPr>
-            <a:r>
-              <a:rPr lang="en" altLang="ko-Kore-KR" sz="1600" dirty="0"/>
-              <a:t>Skip-thought vectors</a:t>
-            </a:r>
-          </a:p>
-          <a:p>
-            <a:pPr marL="1200150" lvl="2" indent="-285750">
-              <a:lnSpc>
-                <a:spcPct val="150000"/>
-              </a:lnSpc>
-              <a:buFont typeface="Arial" panose="020B0604020202020204" pitchFamily="34" charset="0"/>
-              <a:buChar char="•"/>
-            </a:pPr>
-            <a:r>
-              <a:rPr kumimoji="1" lang="en" altLang="ko-KR" sz="1600" dirty="0" err="1"/>
-              <a:t>etc</a:t>
-            </a:r>
-            <a:endParaRPr kumimoji="1" lang="en-US" altLang="ko-KR" sz="1600" dirty="0"/>
-          </a:p>
-          <a:p>
-            <a:pPr marL="742950" lvl="1" indent="-285750">
-              <a:lnSpc>
-                <a:spcPct val="150000"/>
-              </a:lnSpc>
-              <a:buFont typeface="Arial" panose="020B0604020202020204" pitchFamily="34" charset="0"/>
-              <a:buChar char="•"/>
-            </a:pPr>
-            <a:r>
-              <a:rPr kumimoji="1" lang="en-US" altLang="ko-KR" sz="1600" dirty="0"/>
-              <a:t>fine-tuning</a:t>
-            </a:r>
-          </a:p>
-          <a:p>
-            <a:pPr marL="1200150" lvl="2" indent="-285750">
-              <a:lnSpc>
-                <a:spcPct val="150000"/>
-              </a:lnSpc>
-              <a:buFont typeface="Arial" panose="020B0604020202020204" pitchFamily="34" charset="0"/>
-              <a:buChar char="•"/>
-            </a:pPr>
-            <a:r>
-              <a:rPr kumimoji="1" lang="en-US" altLang="ko-KR" sz="1600" dirty="0"/>
-              <a:t>GPT</a:t>
-            </a:r>
-          </a:p>
-          <a:p>
-            <a:pPr marL="1200150" lvl="2" indent="-285750">
-              <a:lnSpc>
-                <a:spcPct val="150000"/>
-              </a:lnSpc>
-              <a:buFont typeface="Arial" panose="020B0604020202020204" pitchFamily="34" charset="0"/>
-              <a:buChar char="•"/>
-            </a:pPr>
-            <a:r>
-              <a:rPr kumimoji="1" lang="en-US" altLang="ko-KR" sz="1600" dirty="0" err="1"/>
-              <a:t>UMLFiT</a:t>
-            </a:r>
-            <a:endParaRPr kumimoji="1" lang="en-US" altLang="ko-KR" sz="1600" dirty="0"/>
-          </a:p>
-        </p:txBody>
-      </p:sp>
-      <p:sp>
-        <p:nvSpPr>
           <p:cNvPr id="9" name="TextBox 8">
             <a:extLst>
               <a:ext uri="{FF2B5EF4-FFF2-40B4-BE49-F238E27FC236}">
@@ -4838,7 +4837,7 @@
     </p:spTree>
     <p:extLst>
       <p:ext uri="{BB962C8B-B14F-4D97-AF65-F5344CB8AC3E}">
-        <p14:creationId xmlns:p14="http://schemas.microsoft.com/office/powerpoint/2010/main" val="1297983293"/>
+        <p14:creationId xmlns:p14="http://schemas.microsoft.com/office/powerpoint/2010/main" val="602299445"/>
       </p:ext>
     </p:extLst>
   </p:cSld>
@@ -4916,6 +4915,75 @@
       </p:sp>
       <p:sp>
         <p:nvSpPr>
+          <p:cNvPr id="8" name="TextBox 7">
+            <a:extLst>
+              <a:ext uri="{FF2B5EF4-FFF2-40B4-BE49-F238E27FC236}">
+                <a16:creationId xmlns:a16="http://schemas.microsoft.com/office/drawing/2014/main" id="{23A8A441-390F-5540-A633-D6AB35B78EA1}"/>
+              </a:ext>
+            </a:extLst>
+          </p:cNvPr>
+          <p:cNvSpPr txBox="1"/>
+          <p:nvPr/>
+        </p:nvSpPr>
+        <p:spPr>
+          <a:xfrm>
+            <a:off x="339557" y="1848678"/>
+            <a:ext cx="6743193" cy="783420"/>
+          </a:xfrm>
+          <a:prstGeom prst="rect">
+            <a:avLst/>
+          </a:prstGeom>
+          <a:noFill/>
+        </p:spPr>
+        <p:txBody>
+          <a:bodyPr wrap="none" rtlCol="0">
+            <a:spAutoFit/>
+          </a:bodyPr>
+          <a:lstStyle/>
+          <a:p>
+            <a:pPr marL="285750" indent="-285750">
+              <a:lnSpc>
+                <a:spcPct val="150000"/>
+              </a:lnSpc>
+              <a:buFont typeface="Arial" panose="020B0604020202020204" pitchFamily="34" charset="0"/>
+              <a:buChar char="•"/>
+            </a:pPr>
+            <a:r>
+              <a:rPr kumimoji="1" lang="ko-Kore-KR" altLang="en-US" sz="1600" dirty="0"/>
+              <a:t>기존의 </a:t>
+            </a:r>
+            <a:r>
+              <a:rPr kumimoji="1" lang="en-US" altLang="ko-Kore-KR" sz="1600" dirty="0"/>
+              <a:t>pre-trained </a:t>
+            </a:r>
+            <a:r>
+              <a:rPr kumimoji="1" lang="ko-KR" altLang="en-US" sz="1600" dirty="0"/>
+              <a:t>방법들은 제한적으로 </a:t>
+            </a:r>
+            <a:r>
+              <a:rPr kumimoji="1" lang="en-US" altLang="ko-KR" sz="1600" dirty="0"/>
+              <a:t>pre-training </a:t>
+            </a:r>
+            <a:r>
+              <a:rPr kumimoji="1" lang="ko-KR" altLang="en-US" sz="1600" dirty="0"/>
+              <a:t>방법을 활용함</a:t>
+            </a:r>
+            <a:endParaRPr kumimoji="1" lang="en-US" altLang="ko-KR" sz="1600" dirty="0"/>
+          </a:p>
+          <a:p>
+            <a:pPr marL="285750" indent="-285750">
+              <a:lnSpc>
+                <a:spcPct val="150000"/>
+              </a:lnSpc>
+              <a:buFont typeface="Arial" panose="020B0604020202020204" pitchFamily="34" charset="0"/>
+              <a:buChar char="•"/>
+            </a:pPr>
+            <a:endParaRPr kumimoji="1" lang="en-US" altLang="ko-KR" sz="1600" dirty="0"/>
+          </a:p>
+        </p:txBody>
+      </p:sp>
+      <p:sp>
+        <p:nvSpPr>
           <p:cNvPr id="9" name="TextBox 8">
             <a:extLst>
               <a:ext uri="{FF2B5EF4-FFF2-40B4-BE49-F238E27FC236}">
@@ -5012,7 +5080,7 @@
     </p:spTree>
     <p:extLst>
       <p:ext uri="{BB962C8B-B14F-4D97-AF65-F5344CB8AC3E}">
-        <p14:creationId xmlns:p14="http://schemas.microsoft.com/office/powerpoint/2010/main" val="602299445"/>
+        <p14:creationId xmlns:p14="http://schemas.microsoft.com/office/powerpoint/2010/main" val="3173237922"/>
       </p:ext>
     </p:extLst>
   </p:cSld>
@@ -5146,13 +5214,29 @@
             <a:endParaRPr kumimoji="1" lang="en-US" altLang="ko-KR" sz="1600" dirty="0"/>
           </a:p>
           <a:p>
-            <a:pPr marL="285750" indent="-285750">
+            <a:pPr marL="742950" lvl="1" indent="-285750">
               <a:lnSpc>
                 <a:spcPct val="150000"/>
               </a:lnSpc>
               <a:buFont typeface="Arial" panose="020B0604020202020204" pitchFamily="34" charset="0"/>
               <a:buChar char="•"/>
             </a:pPr>
+            <a:r>
+              <a:rPr kumimoji="1" lang="ko-KR" altLang="en-US" sz="1600" dirty="0"/>
+              <a:t>기존의 방법들을 모두 </a:t>
+            </a:r>
+            <a:r>
+              <a:rPr kumimoji="1" lang="en-US" altLang="ko-KR" sz="1600" dirty="0" err="1"/>
+              <a:t>uni</a:t>
+            </a:r>
+            <a:r>
+              <a:rPr kumimoji="1" lang="en-US" altLang="ko-KR" sz="1600" dirty="0"/>
+              <a:t>-directional language model</a:t>
+            </a:r>
+            <a:r>
+              <a:rPr kumimoji="1" lang="ko-KR" altLang="en-US" sz="1600" dirty="0"/>
+              <a:t>을 사용</a:t>
+            </a:r>
             <a:endParaRPr kumimoji="1" lang="en-US" altLang="ko-KR" sz="1600" dirty="0"/>
           </a:p>
         </p:txBody>
@@ -5255,7 +5339,7 @@
     </p:spTree>
     <p:extLst>
       <p:ext uri="{BB962C8B-B14F-4D97-AF65-F5344CB8AC3E}">
-        <p14:creationId xmlns:p14="http://schemas.microsoft.com/office/powerpoint/2010/main" val="3173237922"/>
+        <p14:creationId xmlns:p14="http://schemas.microsoft.com/office/powerpoint/2010/main" val="3845509342"/>
       </p:ext>
     </p:extLst>
   </p:cSld>
@@ -5346,7 +5430,7 @@
         <p:spPr>
           <a:xfrm>
             <a:off x="339557" y="1848678"/>
-            <a:ext cx="6743193" cy="783420"/>
+            <a:ext cx="6743193" cy="1891415"/>
           </a:xfrm>
           <a:prstGeom prst="rect">
             <a:avLst/>
@@ -5412,6 +5496,60 @@
               <a:rPr kumimoji="1" lang="ko-KR" altLang="en-US" sz="1600" dirty="0"/>
               <a:t>을 사용</a:t>
             </a:r>
+            <a:endParaRPr kumimoji="1" lang="en-US" altLang="ko-KR" sz="1600" dirty="0"/>
+          </a:p>
+          <a:p>
+            <a:pPr marL="742950" lvl="1" indent="-285750">
+              <a:lnSpc>
+                <a:spcPct val="150000"/>
+              </a:lnSpc>
+              <a:buFont typeface="Arial" panose="020B0604020202020204" pitchFamily="34" charset="0"/>
+              <a:buChar char="•"/>
+            </a:pPr>
+            <a:r>
+              <a:rPr kumimoji="1" lang="ko-KR" altLang="en-US" sz="1600" dirty="0"/>
+              <a:t>이러한 </a:t>
+            </a:r>
+            <a:r>
+              <a:rPr kumimoji="1" lang="en-US" altLang="ko-KR" sz="1600" dirty="0" err="1"/>
+              <a:t>uni</a:t>
+            </a:r>
+            <a:r>
+              <a:rPr kumimoji="1" lang="en-US" altLang="ko-KR" sz="1600" dirty="0"/>
+              <a:t>-directional LM</a:t>
+            </a:r>
+            <a:r>
+              <a:rPr kumimoji="1" lang="ko-KR" altLang="en-US" sz="1600" dirty="0"/>
+              <a:t>은 </a:t>
+            </a:r>
+            <a:r>
+              <a:rPr kumimoji="1" lang="en-US" altLang="ko-KR" sz="1600" dirty="0"/>
+              <a:t>sentence level task</a:t>
+            </a:r>
+            <a:r>
+              <a:rPr kumimoji="1" lang="ko-KR" altLang="en-US" sz="1600" dirty="0"/>
+              <a:t>에서 성능을</a:t>
+            </a:r>
+            <a:br>
+              <a:rPr kumimoji="1" lang="en-US" altLang="ko-KR" sz="1600" dirty="0"/>
+            </a:br>
+            <a:r>
+              <a:rPr kumimoji="1" lang="ko-KR" altLang="en-US" sz="1600" dirty="0"/>
+              <a:t>저하시킨다</a:t>
+            </a:r>
+            <a:r>
+              <a:rPr kumimoji="1" lang="en-US" altLang="ko-KR" sz="1600" dirty="0"/>
+              <a:t>.</a:t>
+            </a:r>
+          </a:p>
+          <a:p>
+            <a:pPr marL="285750" indent="-285750">
+              <a:lnSpc>
+                <a:spcPct val="150000"/>
+              </a:lnSpc>
+              <a:buFont typeface="Arial" panose="020B0604020202020204" pitchFamily="34" charset="0"/>
+              <a:buChar char="•"/>
+            </a:pPr>
             <a:endParaRPr kumimoji="1" lang="en-US" altLang="ko-KR" sz="1600" dirty="0"/>
           </a:p>
         </p:txBody>
@@ -5514,7 +5652,7 @@
     </p:spTree>
     <p:extLst>
       <p:ext uri="{BB962C8B-B14F-4D97-AF65-F5344CB8AC3E}">
-        <p14:creationId xmlns:p14="http://schemas.microsoft.com/office/powerpoint/2010/main" val="3845509342"/>
+        <p14:creationId xmlns:p14="http://schemas.microsoft.com/office/powerpoint/2010/main" val="1426863867"/>
       </p:ext>
     </p:extLst>
   </p:cSld>
@@ -5605,7 +5743,7 @@
         <p:spPr>
           <a:xfrm>
             <a:off x="339557" y="1848678"/>
-            <a:ext cx="6743193" cy="1891415"/>
+            <a:ext cx="6749092" cy="2630079"/>
           </a:xfrm>
           <a:prstGeom prst="rect">
             <a:avLst/>
@@ -5711,6 +5849,50 @@
             <a:r>
               <a:rPr kumimoji="1" lang="ko-KR" altLang="en-US" sz="1600" dirty="0"/>
               <a:t>저하시킨다</a:t>
+            </a:r>
+            <a:r>
+              <a:rPr kumimoji="1" lang="en-US" altLang="ko-KR" sz="1600" dirty="0"/>
+              <a:t>.</a:t>
+            </a:r>
+          </a:p>
+          <a:p>
+            <a:pPr marL="285750" indent="-285750">
+              <a:lnSpc>
+                <a:spcPct val="150000"/>
+              </a:lnSpc>
+              <a:buFont typeface="Arial" panose="020B0604020202020204" pitchFamily="34" charset="0"/>
+              <a:buChar char="•"/>
+            </a:pPr>
+            <a:r>
+              <a:rPr kumimoji="1" lang="en-US" altLang="ko-KR" sz="1600" dirty="0"/>
+              <a:t>BERT</a:t>
+            </a:r>
+            <a:r>
+              <a:rPr kumimoji="1" lang="ko-KR" altLang="en-US" sz="1600" dirty="0"/>
+              <a:t>는 </a:t>
+            </a:r>
+            <a:r>
+              <a:rPr kumimoji="1" lang="en-US" altLang="ko-KR" sz="1600" dirty="0"/>
+              <a:t>Masked Language Modeling(MLM) pre-training objective</a:t>
+            </a:r>
+            <a:r>
+              <a:rPr kumimoji="1" lang="ko-KR" altLang="en-US" sz="1600" dirty="0" err="1"/>
+              <a:t>를</a:t>
+            </a:r>
+            <a:br>
+              <a:rPr kumimoji="1" lang="en-US" altLang="ko-KR" sz="1600" dirty="0"/>
+            </a:br>
+            <a:r>
+              <a:rPr kumimoji="1" lang="ko-KR" altLang="en-US" sz="1600" dirty="0"/>
+              <a:t>활용해서 </a:t>
+            </a:r>
+            <a:r>
+              <a:rPr kumimoji="1" lang="ko-KR" altLang="en-US" sz="1600" dirty="0" err="1"/>
+              <a:t>단방향의</a:t>
+            </a:r>
+            <a:r>
+              <a:rPr kumimoji="1" lang="ko-KR" altLang="en-US" sz="1600" dirty="0"/>
+              <a:t> 제약을 제거한다</a:t>
             </a:r>
             <a:r>
               <a:rPr kumimoji="1" lang="en-US" altLang="ko-KR" sz="1600" dirty="0"/>
@@ -5827,7 +6009,7 @@
     </p:spTree>
     <p:extLst>
       <p:ext uri="{BB962C8B-B14F-4D97-AF65-F5344CB8AC3E}">
-        <p14:creationId xmlns:p14="http://schemas.microsoft.com/office/powerpoint/2010/main" val="1426863867"/>
+        <p14:creationId xmlns:p14="http://schemas.microsoft.com/office/powerpoint/2010/main" val="1366874964"/>
       </p:ext>
     </p:extLst>
   </p:cSld>
@@ -5918,7 +6100,7 @@
         <p:spPr>
           <a:xfrm>
             <a:off x="339557" y="1848678"/>
-            <a:ext cx="6749092" cy="2630079"/>
+            <a:ext cx="7417608" cy="2999411"/>
           </a:xfrm>
           <a:prstGeom prst="rect">
             <a:avLst/>
@@ -6068,6 +6250,47 @@
             <a:r>
               <a:rPr kumimoji="1" lang="ko-KR" altLang="en-US" sz="1600" dirty="0"/>
               <a:t> 제약을 제거한다</a:t>
+            </a:r>
+            <a:r>
+              <a:rPr kumimoji="1" lang="en-US" altLang="ko-KR" sz="1600" dirty="0"/>
+              <a:t>.</a:t>
+            </a:r>
+          </a:p>
+          <a:p>
+            <a:pPr marL="285750" indent="-285750">
+              <a:lnSpc>
+                <a:spcPct val="150000"/>
+              </a:lnSpc>
+              <a:buFont typeface="Arial" panose="020B0604020202020204" pitchFamily="34" charset="0"/>
+              <a:buChar char="•"/>
+            </a:pPr>
+            <a:r>
+              <a:rPr kumimoji="1" lang="en-US" altLang="ko-KR" sz="1600" dirty="0"/>
+              <a:t>MLM</a:t>
+            </a:r>
+            <a:r>
+              <a:rPr kumimoji="1" lang="ko-KR" altLang="en-US" sz="1600" dirty="0"/>
+              <a:t>과 더불어 </a:t>
+            </a:r>
+            <a:r>
+              <a:rPr kumimoji="1" lang="en-US" altLang="ko-KR" sz="1600" dirty="0"/>
+              <a:t>Next Sentence Prediction(NSP) task</a:t>
+            </a:r>
+            <a:r>
+              <a:rPr kumimoji="1" lang="ko-KR" altLang="en-US" sz="1600" dirty="0" err="1"/>
+              <a:t>를</a:t>
+            </a:r>
+            <a:r>
+              <a:rPr kumimoji="1" lang="ko-KR" altLang="en-US" sz="1600" dirty="0"/>
+              <a:t> </a:t>
+            </a:r>
+            <a:r>
+              <a:rPr kumimoji="1" lang="en-US" altLang="ko-KR" sz="1600" dirty="0"/>
+              <a:t>jointly</a:t>
+            </a:r>
+            <a:r>
+              <a:rPr kumimoji="1" lang="ko-KR" altLang="en-US" sz="1600" dirty="0"/>
+              <a:t>하게 학습한다</a:t>
             </a:r>
             <a:r>
               <a:rPr kumimoji="1" lang="en-US" altLang="ko-KR" sz="1600" dirty="0"/>
@@ -6184,7 +6407,7 @@
     </p:spTree>
     <p:extLst>
       <p:ext uri="{BB962C8B-B14F-4D97-AF65-F5344CB8AC3E}">
-        <p14:creationId xmlns:p14="http://schemas.microsoft.com/office/powerpoint/2010/main" val="1366874964"/>
+        <p14:creationId xmlns:p14="http://schemas.microsoft.com/office/powerpoint/2010/main" val="3351157002"/>
       </p:ext>
     </p:extLst>
   </p:cSld>
@@ -6291,7 +6514,7 @@
         <p:spPr>
           <a:xfrm>
             <a:off x="269341" y="1262269"/>
-            <a:ext cx="3466013" cy="454292"/>
+            <a:ext cx="737446" cy="454292"/>
           </a:xfrm>
           <a:prstGeom prst="rect">
             <a:avLst/>
@@ -6315,7 +6538,7 @@
                   <a:schemeClr val="accent1"/>
                 </a:solidFill>
               </a:rPr>
-              <a:t>Introduction &amp; Related works</a:t>
+              <a:t>BERT</a:t>
             </a:r>
             <a:endParaRPr kumimoji="1" lang="ko-KR" altLang="en-US" b="1" dirty="0">
               <a:solidFill>
@@ -6327,10 +6550,10 @@
       </p:sp>
       <p:sp>
         <p:nvSpPr>
-          <p:cNvPr id="8" name="TextBox 7">
-            <a:extLst>
-              <a:ext uri="{FF2B5EF4-FFF2-40B4-BE49-F238E27FC236}">
-                <a16:creationId xmlns:a16="http://schemas.microsoft.com/office/drawing/2014/main" id="{23A8A441-390F-5540-A633-D6AB35B78EA1}"/>
+          <p:cNvPr id="9" name="TextBox 8">
+            <a:extLst>
+              <a:ext uri="{FF2B5EF4-FFF2-40B4-BE49-F238E27FC236}">
+                <a16:creationId xmlns:a16="http://schemas.microsoft.com/office/drawing/2014/main" id="{66C3E04F-439D-0447-B8C6-9AA603D46DA9}"/>
               </a:ext>
             </a:extLst>
           </p:cNvPr>
@@ -6339,8 +6562,8 @@
         </p:nvSpPr>
         <p:spPr>
           <a:xfrm>
-            <a:off x="339557" y="1848678"/>
-            <a:ext cx="7417608" cy="2999411"/>
+            <a:off x="269341" y="545812"/>
+            <a:ext cx="982577" cy="523220"/>
           </a:xfrm>
           <a:prstGeom prst="rect">
             <a:avLst/>
@@ -6353,230 +6576,6 @@
           </a:bodyPr>
           <a:lstStyle/>
           <a:p>
-            <a:pPr marL="285750" indent="-285750">
-              <a:lnSpc>
-                <a:spcPct val="150000"/>
-              </a:lnSpc>
-              <a:buFont typeface="Arial" panose="020B0604020202020204" pitchFamily="34" charset="0"/>
-              <a:buChar char="•"/>
-            </a:pPr>
-            <a:r>
-              <a:rPr kumimoji="1" lang="ko-Kore-KR" altLang="en-US" sz="1600" dirty="0"/>
-              <a:t>기존의 </a:t>
-            </a:r>
-            <a:r>
-              <a:rPr kumimoji="1" lang="en-US" altLang="ko-Kore-KR" sz="1600" dirty="0"/>
-              <a:t>pre-trained </a:t>
-            </a:r>
-            <a:r>
-              <a:rPr kumimoji="1" lang="ko-KR" altLang="en-US" sz="1600" dirty="0"/>
-              <a:t>방법들은 제한적으로 </a:t>
-            </a:r>
-            <a:r>
-              <a:rPr kumimoji="1" lang="en-US" altLang="ko-KR" sz="1600" dirty="0"/>
-              <a:t>pre-training </a:t>
-            </a:r>
-            <a:r>
-              <a:rPr kumimoji="1" lang="ko-KR" altLang="en-US" sz="1600" dirty="0"/>
-              <a:t>방법을 활용함</a:t>
-            </a:r>
-            <a:endParaRPr kumimoji="1" lang="en-US" altLang="ko-KR" sz="1600" dirty="0"/>
-          </a:p>
-          <a:p>
-            <a:pPr marL="742950" lvl="1" indent="-285750">
-              <a:lnSpc>
-                <a:spcPct val="150000"/>
-              </a:lnSpc>
-              <a:buFont typeface="Arial" panose="020B0604020202020204" pitchFamily="34" charset="0"/>
-              <a:buChar char="•"/>
-            </a:pPr>
-            <a:r>
-              <a:rPr kumimoji="1" lang="ko-KR" altLang="en-US" sz="1600" dirty="0"/>
-              <a:t>기존의 방법들을 모두 </a:t>
-            </a:r>
-            <a:r>
-              <a:rPr kumimoji="1" lang="en-US" altLang="ko-KR" sz="1600" dirty="0" err="1"/>
-              <a:t>uni</a:t>
-            </a:r>
-            <a:r>
-              <a:rPr kumimoji="1" lang="en-US" altLang="ko-KR" sz="1600" dirty="0"/>
-              <a:t>-directional language model</a:t>
-            </a:r>
-            <a:r>
-              <a:rPr kumimoji="1" lang="ko-KR" altLang="en-US" sz="1600" dirty="0"/>
-              <a:t>을 사용</a:t>
-            </a:r>
-            <a:endParaRPr kumimoji="1" lang="en-US" altLang="ko-KR" sz="1600" dirty="0"/>
-          </a:p>
-          <a:p>
-            <a:pPr marL="742950" lvl="1" indent="-285750">
-              <a:lnSpc>
-                <a:spcPct val="150000"/>
-              </a:lnSpc>
-              <a:buFont typeface="Arial" panose="020B0604020202020204" pitchFamily="34" charset="0"/>
-              <a:buChar char="•"/>
-            </a:pPr>
-            <a:r>
-              <a:rPr kumimoji="1" lang="ko-KR" altLang="en-US" sz="1600" dirty="0"/>
-              <a:t>이러한 </a:t>
-            </a:r>
-            <a:r>
-              <a:rPr kumimoji="1" lang="en-US" altLang="ko-KR" sz="1600" dirty="0" err="1"/>
-              <a:t>uni</a:t>
-            </a:r>
-            <a:r>
-              <a:rPr kumimoji="1" lang="en-US" altLang="ko-KR" sz="1600" dirty="0"/>
-              <a:t>-directional LM</a:t>
-            </a:r>
-            <a:r>
-              <a:rPr kumimoji="1" lang="ko-KR" altLang="en-US" sz="1600" dirty="0"/>
-              <a:t>은 </a:t>
-            </a:r>
-            <a:r>
-              <a:rPr kumimoji="1" lang="en-US" altLang="ko-KR" sz="1600" dirty="0"/>
-              <a:t>sentence level task</a:t>
-            </a:r>
-            <a:r>
-              <a:rPr kumimoji="1" lang="ko-KR" altLang="en-US" sz="1600" dirty="0"/>
-              <a:t>에서 성능을</a:t>
-            </a:r>
-            <a:br>
-              <a:rPr kumimoji="1" lang="en-US" altLang="ko-KR" sz="1600" dirty="0"/>
-            </a:br>
-            <a:r>
-              <a:rPr kumimoji="1" lang="ko-KR" altLang="en-US" sz="1600" dirty="0"/>
-              <a:t>저하시킨다</a:t>
-            </a:r>
-            <a:r>
-              <a:rPr kumimoji="1" lang="en-US" altLang="ko-KR" sz="1600" dirty="0"/>
-              <a:t>.</a:t>
-            </a:r>
-          </a:p>
-          <a:p>
-            <a:pPr marL="285750" indent="-285750">
-              <a:lnSpc>
-                <a:spcPct val="150000"/>
-              </a:lnSpc>
-              <a:buFont typeface="Arial" panose="020B0604020202020204" pitchFamily="34" charset="0"/>
-              <a:buChar char="•"/>
-            </a:pPr>
-            <a:r>
-              <a:rPr kumimoji="1" lang="en-US" altLang="ko-KR" sz="1600" dirty="0"/>
-              <a:t>BERT</a:t>
-            </a:r>
-            <a:r>
-              <a:rPr kumimoji="1" lang="ko-KR" altLang="en-US" sz="1600" dirty="0"/>
-              <a:t>는 </a:t>
-            </a:r>
-            <a:r>
-              <a:rPr kumimoji="1" lang="en-US" altLang="ko-KR" sz="1600" dirty="0"/>
-              <a:t>Masked Language Modeling(MLM) pre-training objective</a:t>
-            </a:r>
-            <a:r>
-              <a:rPr kumimoji="1" lang="ko-KR" altLang="en-US" sz="1600" dirty="0" err="1"/>
-              <a:t>를</a:t>
-            </a:r>
-            <a:br>
-              <a:rPr kumimoji="1" lang="en-US" altLang="ko-KR" sz="1600" dirty="0"/>
-            </a:br>
-            <a:r>
-              <a:rPr kumimoji="1" lang="ko-KR" altLang="en-US" sz="1600" dirty="0"/>
-              <a:t>활용해서 </a:t>
-            </a:r>
-            <a:r>
-              <a:rPr kumimoji="1" lang="ko-KR" altLang="en-US" sz="1600" dirty="0" err="1"/>
-              <a:t>단방향의</a:t>
-            </a:r>
-            <a:r>
-              <a:rPr kumimoji="1" lang="ko-KR" altLang="en-US" sz="1600" dirty="0"/>
-              <a:t> 제약을 제거한다</a:t>
-            </a:r>
-            <a:r>
-              <a:rPr kumimoji="1" lang="en-US" altLang="ko-KR" sz="1600" dirty="0"/>
-              <a:t>.</a:t>
-            </a:r>
-          </a:p>
-          <a:p>
-            <a:pPr marL="285750" indent="-285750">
-              <a:lnSpc>
-                <a:spcPct val="150000"/>
-              </a:lnSpc>
-              <a:buFont typeface="Arial" panose="020B0604020202020204" pitchFamily="34" charset="0"/>
-              <a:buChar char="•"/>
-            </a:pPr>
-            <a:r>
-              <a:rPr kumimoji="1" lang="en-US" altLang="ko-KR" sz="1600" dirty="0"/>
-              <a:t>MLM</a:t>
-            </a:r>
-            <a:r>
-              <a:rPr kumimoji="1" lang="ko-KR" altLang="en-US" sz="1600" dirty="0"/>
-              <a:t>과 더불어 </a:t>
-            </a:r>
-            <a:r>
-              <a:rPr kumimoji="1" lang="en-US" altLang="ko-KR" sz="1600" dirty="0"/>
-              <a:t>Next Sentence Prediction(NSP) task</a:t>
-            </a:r>
-            <a:r>
-              <a:rPr kumimoji="1" lang="ko-KR" altLang="en-US" sz="1600" dirty="0" err="1"/>
-              <a:t>를</a:t>
-            </a:r>
-            <a:r>
-              <a:rPr kumimoji="1" lang="ko-KR" altLang="en-US" sz="1600" dirty="0"/>
-              <a:t> </a:t>
-            </a:r>
-            <a:r>
-              <a:rPr kumimoji="1" lang="en-US" altLang="ko-KR" sz="1600" dirty="0"/>
-              <a:t>jointly</a:t>
-            </a:r>
-            <a:r>
-              <a:rPr kumimoji="1" lang="ko-KR" altLang="en-US" sz="1600" dirty="0"/>
-              <a:t>하게 학습한다</a:t>
-            </a:r>
-            <a:r>
-              <a:rPr kumimoji="1" lang="en-US" altLang="ko-KR" sz="1600" dirty="0"/>
-              <a:t>.</a:t>
-            </a:r>
-          </a:p>
-          <a:p>
-            <a:pPr marL="285750" indent="-285750">
-              <a:lnSpc>
-                <a:spcPct val="150000"/>
-              </a:lnSpc>
-              <a:buFont typeface="Arial" panose="020B0604020202020204" pitchFamily="34" charset="0"/>
-              <a:buChar char="•"/>
-            </a:pPr>
-            <a:endParaRPr kumimoji="1" lang="en-US" altLang="ko-KR" sz="1600" dirty="0"/>
-          </a:p>
-        </p:txBody>
-      </p:sp>
-      <p:sp>
-        <p:nvSpPr>
-          <p:cNvPr id="9" name="TextBox 8">
-            <a:extLst>
-              <a:ext uri="{FF2B5EF4-FFF2-40B4-BE49-F238E27FC236}">
-                <a16:creationId xmlns:a16="http://schemas.microsoft.com/office/drawing/2014/main" id="{66C3E04F-439D-0447-B8C6-9AA603D46DA9}"/>
-              </a:ext>
-            </a:extLst>
-          </p:cNvPr>
-          <p:cNvSpPr txBox="1"/>
-          <p:nvPr/>
-        </p:nvSpPr>
-        <p:spPr>
-          <a:xfrm>
-            <a:off x="269341" y="545812"/>
-            <a:ext cx="982577" cy="523220"/>
-          </a:xfrm>
-          <a:prstGeom prst="rect">
-            <a:avLst/>
-          </a:prstGeom>
-          <a:noFill/>
-        </p:spPr>
-        <p:txBody>
-          <a:bodyPr wrap="none" rtlCol="0">
-            <a:spAutoFit/>
-          </a:bodyPr>
-          <a:lstStyle/>
-          <a:p>
             <a:r>
               <a:rPr kumimoji="1" lang="en-US" altLang="ko-KR" sz="2800" dirty="0"/>
               <a:t>BERT</a:t>
@@ -6586,10 +6585,10 @@
       </p:sp>
       <p:pic>
         <p:nvPicPr>
-          <p:cNvPr id="2" name="그림 1">
-            <a:extLst>
-              <a:ext uri="{FF2B5EF4-FFF2-40B4-BE49-F238E27FC236}">
-                <a16:creationId xmlns:a16="http://schemas.microsoft.com/office/drawing/2014/main" id="{ADACDE66-EAB0-CC48-B7C7-916CC4361C0A}"/>
+          <p:cNvPr id="4" name="그림 3">
+            <a:extLst>
+              <a:ext uri="{FF2B5EF4-FFF2-40B4-BE49-F238E27FC236}">
+                <a16:creationId xmlns:a16="http://schemas.microsoft.com/office/drawing/2014/main" id="{4F314F38-7DEE-6843-ABA2-529258A4E764}"/>
               </a:ext>
             </a:extLst>
           </p:cNvPr>
@@ -6606,48 +6605,183 @@
         </p:blipFill>
         <p:spPr>
           <a:xfrm>
-            <a:off x="7927741" y="214730"/>
-            <a:ext cx="2972203" cy="2783865"/>
+            <a:off x="8128231" y="1746077"/>
+            <a:ext cx="3307025" cy="3365846"/>
           </a:xfrm>
           <a:prstGeom prst="rect">
             <a:avLst/>
           </a:prstGeom>
         </p:spPr>
       </p:pic>
-      <p:pic>
-        <p:nvPicPr>
-          <p:cNvPr id="3" name="그림 2">
-            <a:extLst>
-              <a:ext uri="{FF2B5EF4-FFF2-40B4-BE49-F238E27FC236}">
-                <a16:creationId xmlns:a16="http://schemas.microsoft.com/office/drawing/2014/main" id="{B075280A-6C0A-5743-93F2-626D9712019A}"/>
-              </a:ext>
-            </a:extLst>
-          </p:cNvPr>
-          <p:cNvPicPr>
-            <a:picLocks noChangeAspect="1"/>
-          </p:cNvPicPr>
-          <p:nvPr/>
-        </p:nvPicPr>
-        <p:blipFill>
-          <a:blip r:embed="rId3"/>
-          <a:stretch>
-            <a:fillRect/>
-          </a:stretch>
-        </p:blipFill>
-        <p:spPr>
-          <a:xfrm>
-            <a:off x="7927741" y="3171036"/>
-            <a:ext cx="2968331" cy="3591098"/>
-          </a:xfrm>
-          <a:prstGeom prst="rect">
-            <a:avLst/>
-          </a:prstGeom>
-        </p:spPr>
-      </p:pic>
+      <p:sp>
+        <p:nvSpPr>
+          <p:cNvPr id="10" name="TextBox 9">
+            <a:extLst>
+              <a:ext uri="{FF2B5EF4-FFF2-40B4-BE49-F238E27FC236}">
+                <a16:creationId xmlns:a16="http://schemas.microsoft.com/office/drawing/2014/main" id="{D9018E34-C586-5D4D-AF06-B4135027D5B5}"/>
+              </a:ext>
+            </a:extLst>
+          </p:cNvPr>
+          <p:cNvSpPr txBox="1"/>
+          <p:nvPr/>
+        </p:nvSpPr>
+        <p:spPr>
+          <a:xfrm>
+            <a:off x="339557" y="1848678"/>
+            <a:ext cx="6887142" cy="2260747"/>
+          </a:xfrm>
+          <a:prstGeom prst="rect">
+            <a:avLst/>
+          </a:prstGeom>
+          <a:noFill/>
+        </p:spPr>
+        <p:txBody>
+          <a:bodyPr wrap="none" rtlCol="0">
+            <a:spAutoFit/>
+          </a:bodyPr>
+          <a:lstStyle/>
+          <a:p>
+            <a:pPr marL="285750" indent="-285750">
+              <a:lnSpc>
+                <a:spcPct val="150000"/>
+              </a:lnSpc>
+              <a:buFont typeface="Arial" panose="020B0604020202020204" pitchFamily="34" charset="0"/>
+              <a:buChar char="•"/>
+            </a:pPr>
+            <a:r>
+              <a:rPr kumimoji="1" lang="en-US" altLang="ko-KR" sz="1600" dirty="0"/>
+              <a:t>BERT framework </a:t>
+            </a:r>
+            <a:r>
+              <a:rPr kumimoji="1" lang="ko-KR" altLang="en-US" sz="1600" dirty="0"/>
+              <a:t>에는 두개의 </a:t>
+            </a:r>
+            <a:r>
+              <a:rPr kumimoji="1" lang="en-US" altLang="ko-KR" sz="1600" dirty="0"/>
+              <a:t>step</a:t>
+            </a:r>
+            <a:r>
+              <a:rPr kumimoji="1" lang="ko-KR" altLang="en-US" sz="1600" dirty="0"/>
+              <a:t>이 존재</a:t>
+            </a:r>
+            <a:r>
+              <a:rPr kumimoji="1" lang="en-US" altLang="ko-KR" sz="1600" dirty="0"/>
+              <a:t>.</a:t>
+            </a:r>
+          </a:p>
+          <a:p>
+            <a:pPr marL="742950" lvl="1" indent="-285750">
+              <a:lnSpc>
+                <a:spcPct val="150000"/>
+              </a:lnSpc>
+              <a:buFont typeface="Arial" panose="020B0604020202020204" pitchFamily="34" charset="0"/>
+              <a:buChar char="•"/>
+            </a:pPr>
+            <a:r>
+              <a:rPr kumimoji="1" lang="en-US" altLang="ko-KR" sz="1600" dirty="0"/>
+              <a:t>Pre-training</a:t>
+            </a:r>
+          </a:p>
+          <a:p>
+            <a:pPr marL="1200150" lvl="2" indent="-285750">
+              <a:lnSpc>
+                <a:spcPct val="150000"/>
+              </a:lnSpc>
+              <a:buFont typeface="Arial" panose="020B0604020202020204" pitchFamily="34" charset="0"/>
+              <a:buChar char="•"/>
+            </a:pPr>
+            <a:r>
+              <a:rPr kumimoji="1" lang="ko-KR" altLang="en-US" sz="1600" dirty="0"/>
+              <a:t>모델이 </a:t>
+            </a:r>
+            <a:r>
+              <a:rPr kumimoji="1" lang="en-US" altLang="ko-KR" sz="1600" dirty="0"/>
+              <a:t>unlabeled data</a:t>
+            </a:r>
+            <a:r>
+              <a:rPr kumimoji="1" lang="ko-KR" altLang="en-US" sz="1600" dirty="0" err="1"/>
+              <a:t>를</a:t>
+            </a:r>
+            <a:r>
+              <a:rPr kumimoji="1" lang="ko-KR" altLang="en-US" sz="1600" dirty="0"/>
+              <a:t> 활용해 학습한다</a:t>
+            </a:r>
+            <a:r>
+              <a:rPr kumimoji="1" lang="en-US" altLang="ko-KR" sz="1600" dirty="0"/>
+              <a:t>.</a:t>
+            </a:r>
+          </a:p>
+          <a:p>
+            <a:pPr marL="742950" lvl="1" indent="-285750">
+              <a:lnSpc>
+                <a:spcPct val="150000"/>
+              </a:lnSpc>
+              <a:buFont typeface="Arial" panose="020B0604020202020204" pitchFamily="34" charset="0"/>
+              <a:buChar char="•"/>
+            </a:pPr>
+            <a:r>
+              <a:rPr kumimoji="1" lang="en-US" altLang="ko-KR" sz="1600" dirty="0"/>
+              <a:t>Fine-tuning</a:t>
+            </a:r>
+          </a:p>
+          <a:p>
+            <a:pPr marL="1200150" lvl="2" indent="-285750">
+              <a:lnSpc>
+                <a:spcPct val="150000"/>
+              </a:lnSpc>
+              <a:buFont typeface="Arial" panose="020B0604020202020204" pitchFamily="34" charset="0"/>
+              <a:buChar char="•"/>
+            </a:pPr>
+            <a:r>
+              <a:rPr kumimoji="1" lang="en-US" altLang="ko-KR" sz="1600" dirty="0"/>
+              <a:t>pre-trained</a:t>
+            </a:r>
+            <a:r>
+              <a:rPr kumimoji="1" lang="ko-KR" altLang="en-US" sz="1600" dirty="0"/>
+              <a:t> </a:t>
+            </a:r>
+            <a:r>
+              <a:rPr kumimoji="1" lang="en-US" altLang="ko-KR" sz="1600" dirty="0"/>
+              <a:t>model</a:t>
+            </a:r>
+            <a:r>
+              <a:rPr kumimoji="1" lang="ko-KR" altLang="en-US" sz="1600" dirty="0"/>
+              <a:t>의 가중치를 사용해 모델을 </a:t>
+            </a:r>
+            <a:r>
+              <a:rPr kumimoji="1" lang="en-US" altLang="ko-KR" sz="1600" dirty="0"/>
+              <a:t>initialize</a:t>
+            </a:r>
+            <a:r>
+              <a:rPr kumimoji="1" lang="ko-KR" altLang="en-US" sz="1600" dirty="0"/>
+              <a:t>한 후</a:t>
+            </a:r>
+            <a:br>
+              <a:rPr kumimoji="1" lang="en-US" altLang="ko-KR" sz="1600" dirty="0"/>
+            </a:br>
+            <a:r>
+              <a:rPr kumimoji="1" lang="en-US" altLang="ko-KR" sz="1600" dirty="0"/>
+              <a:t>down-stream task</a:t>
+            </a:r>
+            <a:r>
+              <a:rPr kumimoji="1" lang="ko-KR" altLang="en-US" sz="1600" dirty="0" err="1"/>
+              <a:t>를</a:t>
+            </a:r>
+            <a:r>
+              <a:rPr kumimoji="1" lang="ko-KR" altLang="en-US" sz="1600" dirty="0"/>
+              <a:t> 학습한다</a:t>
+            </a:r>
+            <a:r>
+              <a:rPr kumimoji="1" lang="en-US" altLang="ko-KR" sz="1600" dirty="0"/>
+              <a:t>.</a:t>
+            </a:r>
+          </a:p>
+        </p:txBody>
+      </p:sp>
     </p:spTree>
     <p:extLst>
       <p:ext uri="{BB962C8B-B14F-4D97-AF65-F5344CB8AC3E}">
-        <p14:creationId xmlns:p14="http://schemas.microsoft.com/office/powerpoint/2010/main" val="3351157002"/>
+        <p14:creationId xmlns:p14="http://schemas.microsoft.com/office/powerpoint/2010/main" val="1901316869"/>
       </p:ext>
     </p:extLst>
   </p:cSld>
@@ -6788,175 +6922,10 @@
           </a:prstGeom>
         </p:spPr>
       </p:pic>
-      <p:sp>
-        <p:nvSpPr>
-          <p:cNvPr id="10" name="TextBox 9">
-            <a:extLst>
-              <a:ext uri="{FF2B5EF4-FFF2-40B4-BE49-F238E27FC236}">
-                <a16:creationId xmlns:a16="http://schemas.microsoft.com/office/drawing/2014/main" id="{D9018E34-C586-5D4D-AF06-B4135027D5B5}"/>
-              </a:ext>
-            </a:extLst>
-          </p:cNvPr>
-          <p:cNvSpPr txBox="1"/>
-          <p:nvPr/>
-        </p:nvSpPr>
-        <p:spPr>
-          <a:xfrm>
-            <a:off x="339557" y="1848678"/>
-            <a:ext cx="6887142" cy="2260747"/>
-          </a:xfrm>
-          <a:prstGeom prst="rect">
-            <a:avLst/>
-          </a:prstGeom>
-          <a:noFill/>
-        </p:spPr>
-        <p:txBody>
-          <a:bodyPr wrap="none" rtlCol="0">
-            <a:spAutoFit/>
-          </a:bodyPr>
-          <a:lstStyle/>
-          <a:p>
-            <a:pPr marL="285750" indent="-285750">
-              <a:lnSpc>
-                <a:spcPct val="150000"/>
-              </a:lnSpc>
-              <a:buFont typeface="Arial" panose="020B0604020202020204" pitchFamily="34" charset="0"/>
-              <a:buChar char="•"/>
-            </a:pPr>
-            <a:r>
-              <a:rPr kumimoji="1" lang="en-US" altLang="ko-KR" sz="1600" dirty="0"/>
-              <a:t>BERT framework </a:t>
-            </a:r>
-            <a:r>
-              <a:rPr kumimoji="1" lang="ko-KR" altLang="en-US" sz="1600" dirty="0"/>
-              <a:t>에는 두개의 </a:t>
-            </a:r>
-            <a:r>
-              <a:rPr kumimoji="1" lang="en-US" altLang="ko-KR" sz="1600" dirty="0"/>
-              <a:t>step</a:t>
-            </a:r>
-            <a:r>
-              <a:rPr kumimoji="1" lang="ko-KR" altLang="en-US" sz="1600" dirty="0"/>
-              <a:t>이 존재</a:t>
-            </a:r>
-            <a:r>
-              <a:rPr kumimoji="1" lang="en-US" altLang="ko-KR" sz="1600" dirty="0"/>
-              <a:t>.</a:t>
-            </a:r>
-          </a:p>
-          <a:p>
-            <a:pPr marL="742950" lvl="1" indent="-285750">
-              <a:lnSpc>
-                <a:spcPct val="150000"/>
-              </a:lnSpc>
-              <a:buFont typeface="Arial" panose="020B0604020202020204" pitchFamily="34" charset="0"/>
-              <a:buChar char="•"/>
-            </a:pPr>
-            <a:r>
-              <a:rPr kumimoji="1" lang="en-US" altLang="ko-KR" sz="1600" dirty="0"/>
-              <a:t>Pre-training</a:t>
-            </a:r>
-          </a:p>
-          <a:p>
-            <a:pPr marL="1200150" lvl="2" indent="-285750">
-              <a:lnSpc>
-                <a:spcPct val="150000"/>
-              </a:lnSpc>
-              <a:buFont typeface="Arial" panose="020B0604020202020204" pitchFamily="34" charset="0"/>
-              <a:buChar char="•"/>
-            </a:pPr>
-            <a:r>
-              <a:rPr kumimoji="1" lang="ko-KR" altLang="en-US" sz="1600" dirty="0"/>
-              <a:t>모델이 </a:t>
-            </a:r>
-            <a:r>
-              <a:rPr kumimoji="1" lang="en-US" altLang="ko-KR" sz="1600" dirty="0"/>
-              <a:t>unlabeled data</a:t>
-            </a:r>
-            <a:r>
-              <a:rPr kumimoji="1" lang="ko-KR" altLang="en-US" sz="1600" dirty="0" err="1"/>
-              <a:t>를</a:t>
-            </a:r>
-            <a:r>
-              <a:rPr kumimoji="1" lang="ko-KR" altLang="en-US" sz="1600" dirty="0"/>
-              <a:t> 활용해 학습한다</a:t>
-            </a:r>
-            <a:r>
-              <a:rPr kumimoji="1" lang="en-US" altLang="ko-KR" sz="1600" dirty="0"/>
-              <a:t>.</a:t>
-            </a:r>
-          </a:p>
-          <a:p>
-            <a:pPr marL="742950" lvl="1" indent="-285750">
-              <a:lnSpc>
-                <a:spcPct val="150000"/>
-              </a:lnSpc>
-              <a:buFont typeface="Arial" panose="020B0604020202020204" pitchFamily="34" charset="0"/>
-              <a:buChar char="•"/>
-            </a:pPr>
-            <a:r>
-              <a:rPr kumimoji="1" lang="en-US" altLang="ko-KR" sz="1600" dirty="0"/>
-              <a:t>Fine-tuning</a:t>
-            </a:r>
-          </a:p>
-          <a:p>
-            <a:pPr marL="1200150" lvl="2" indent="-285750">
-              <a:lnSpc>
-                <a:spcPct val="150000"/>
-              </a:lnSpc>
-              <a:buFont typeface="Arial" panose="020B0604020202020204" pitchFamily="34" charset="0"/>
-              <a:buChar char="•"/>
-            </a:pPr>
-            <a:r>
-              <a:rPr kumimoji="1" lang="en-US" altLang="ko-KR" sz="1600" dirty="0"/>
-              <a:t>pre-trained</a:t>
-            </a:r>
-            <a:r>
-              <a:rPr kumimoji="1" lang="ko-KR" altLang="en-US" sz="1600" dirty="0"/>
-              <a:t> </a:t>
-            </a:r>
-            <a:r>
-              <a:rPr kumimoji="1" lang="en-US" altLang="ko-KR" sz="1600" dirty="0"/>
-              <a:t>model</a:t>
-            </a:r>
-            <a:r>
-              <a:rPr kumimoji="1" lang="ko-KR" altLang="en-US" sz="1600" dirty="0"/>
-              <a:t>의 가중치를 사용해 모델을 </a:t>
-            </a:r>
-            <a:r>
-              <a:rPr kumimoji="1" lang="en-US" altLang="ko-KR" sz="1600" dirty="0"/>
-              <a:t>initialize</a:t>
-            </a:r>
-            <a:r>
-              <a:rPr kumimoji="1" lang="ko-KR" altLang="en-US" sz="1600" dirty="0"/>
-              <a:t>한 후</a:t>
-            </a:r>
-            <a:br>
-              <a:rPr kumimoji="1" lang="en-US" altLang="ko-KR" sz="1600" dirty="0"/>
-            </a:br>
-            <a:r>
-              <a:rPr kumimoji="1" lang="en-US" altLang="ko-KR" sz="1600" dirty="0"/>
-              <a:t>down-stream task</a:t>
-            </a:r>
-            <a:r>
-              <a:rPr kumimoji="1" lang="ko-KR" altLang="en-US" sz="1600" dirty="0" err="1"/>
-              <a:t>를</a:t>
-            </a:r>
-            <a:r>
-              <a:rPr kumimoji="1" lang="ko-KR" altLang="en-US" sz="1600" dirty="0"/>
-              <a:t> 학습한다</a:t>
-            </a:r>
-            <a:r>
-              <a:rPr kumimoji="1" lang="en-US" altLang="ko-KR" sz="1600" dirty="0"/>
-              <a:t>.</a:t>
-            </a:r>
-          </a:p>
-        </p:txBody>
-      </p:sp>
     </p:spTree>
     <p:extLst>
       <p:ext uri="{BB962C8B-B14F-4D97-AF65-F5344CB8AC3E}">
-        <p14:creationId xmlns:p14="http://schemas.microsoft.com/office/powerpoint/2010/main" val="1901316869"/>
+        <p14:creationId xmlns:p14="http://schemas.microsoft.com/office/powerpoint/2010/main" val="661425298"/>
       </p:ext>
     </p:extLst>
   </p:cSld>
@@ -7097,10 +7066,68 @@
           </a:prstGeom>
         </p:spPr>
       </p:pic>
+      <p:sp>
+        <p:nvSpPr>
+          <p:cNvPr id="10" name="TextBox 9">
+            <a:extLst>
+              <a:ext uri="{FF2B5EF4-FFF2-40B4-BE49-F238E27FC236}">
+                <a16:creationId xmlns:a16="http://schemas.microsoft.com/office/drawing/2014/main" id="{D9018E34-C586-5D4D-AF06-B4135027D5B5}"/>
+              </a:ext>
+            </a:extLst>
+          </p:cNvPr>
+          <p:cNvSpPr txBox="1"/>
+          <p:nvPr/>
+        </p:nvSpPr>
+        <p:spPr>
+          <a:xfrm>
+            <a:off x="339557" y="1848678"/>
+            <a:ext cx="4352474" cy="414088"/>
+          </a:xfrm>
+          <a:prstGeom prst="rect">
+            <a:avLst/>
+          </a:prstGeom>
+          <a:noFill/>
+        </p:spPr>
+        <p:txBody>
+          <a:bodyPr wrap="none" rtlCol="0">
+            <a:spAutoFit/>
+          </a:bodyPr>
+          <a:lstStyle/>
+          <a:p>
+            <a:pPr marL="285750" indent="-285750">
+              <a:lnSpc>
+                <a:spcPct val="150000"/>
+              </a:lnSpc>
+              <a:buFont typeface="Arial" panose="020B0604020202020204" pitchFamily="34" charset="0"/>
+              <a:buChar char="•"/>
+            </a:pPr>
+            <a:r>
+              <a:rPr kumimoji="1" lang="en-US" altLang="ko-KR" sz="1600" dirty="0"/>
+              <a:t>BERT framework </a:t>
+            </a:r>
+            <a:r>
+              <a:rPr kumimoji="1" lang="ko-KR" altLang="en-US" sz="1600" dirty="0"/>
+              <a:t>에는 두개의 </a:t>
+            </a:r>
+            <a:r>
+              <a:rPr kumimoji="1" lang="en-US" altLang="ko-KR" sz="1600" dirty="0"/>
+              <a:t>step</a:t>
+            </a:r>
+            <a:r>
+              <a:rPr kumimoji="1" lang="ko-KR" altLang="en-US" sz="1600" dirty="0"/>
+              <a:t>이 존재</a:t>
+            </a:r>
+            <a:r>
+              <a:rPr kumimoji="1" lang="en-US" altLang="ko-KR" sz="1600" dirty="0"/>
+              <a:t>.</a:t>
+            </a:r>
+          </a:p>
+        </p:txBody>
+      </p:sp>
     </p:spTree>
     <p:extLst>
       <p:ext uri="{BB962C8B-B14F-4D97-AF65-F5344CB8AC3E}">
-        <p14:creationId xmlns:p14="http://schemas.microsoft.com/office/powerpoint/2010/main" val="661425298"/>
+        <p14:creationId xmlns:p14="http://schemas.microsoft.com/office/powerpoint/2010/main" val="122397786"/>
       </p:ext>
     </p:extLst>
   </p:cSld>
@@ -7256,7 +7283,7 @@
         <p:spPr>
           <a:xfrm>
             <a:off x="339557" y="1848678"/>
-            <a:ext cx="4352474" cy="414088"/>
+            <a:ext cx="4352474" cy="1891415"/>
           </a:xfrm>
           <a:prstGeom prst="rect">
             <a:avLst/>
@@ -7297,12 +7324,58 @@
               <a:t>.</a:t>
             </a:r>
           </a:p>
+          <a:p>
+            <a:pPr marL="742950" lvl="1" indent="-285750">
+              <a:lnSpc>
+                <a:spcPct val="150000"/>
+              </a:lnSpc>
+              <a:buFont typeface="Arial" panose="020B0604020202020204" pitchFamily="34" charset="0"/>
+              <a:buChar char="•"/>
+            </a:pPr>
+            <a:r>
+              <a:rPr kumimoji="1" lang="en-US" altLang="ko-KR" sz="1600" dirty="0"/>
+              <a:t>Pre-training</a:t>
+            </a:r>
+          </a:p>
+          <a:p>
+            <a:pPr marL="1200150" lvl="2" indent="-285750">
+              <a:lnSpc>
+                <a:spcPct val="150000"/>
+              </a:lnSpc>
+              <a:buFont typeface="Arial" panose="020B0604020202020204" pitchFamily="34" charset="0"/>
+              <a:buChar char="•"/>
+            </a:pPr>
+            <a:endParaRPr kumimoji="1" lang="en-US" altLang="ko-KR" sz="1600" dirty="0"/>
+          </a:p>
+          <a:p>
+            <a:pPr marL="742950" lvl="1" indent="-285750">
+              <a:lnSpc>
+                <a:spcPct val="150000"/>
+              </a:lnSpc>
+              <a:buFont typeface="Arial" panose="020B0604020202020204" pitchFamily="34" charset="0"/>
+              <a:buChar char="•"/>
+            </a:pPr>
+            <a:r>
+              <a:rPr kumimoji="1" lang="en-US" altLang="ko-KR" sz="1600" dirty="0"/>
+              <a:t>Fine-tuning</a:t>
+            </a:r>
+          </a:p>
+          <a:p>
+            <a:pPr marL="1200150" lvl="2" indent="-285750">
+              <a:lnSpc>
+                <a:spcPct val="150000"/>
+              </a:lnSpc>
+              <a:buFont typeface="Arial" panose="020B0604020202020204" pitchFamily="34" charset="0"/>
+              <a:buChar char="•"/>
+            </a:pPr>
+            <a:endParaRPr kumimoji="1" lang="en-US" altLang="ko-KR" sz="1600" dirty="0"/>
+          </a:p>
         </p:txBody>
       </p:sp>
     </p:spTree>
     <p:extLst>
       <p:ext uri="{BB962C8B-B14F-4D97-AF65-F5344CB8AC3E}">
-        <p14:creationId xmlns:p14="http://schemas.microsoft.com/office/powerpoint/2010/main" val="122397786"/>
+        <p14:creationId xmlns:p14="http://schemas.microsoft.com/office/powerpoint/2010/main" val="3547252268"/>
       </p:ext>
     </p:extLst>
   </p:cSld>
@@ -7458,7 +7531,7 @@
         <p:spPr>
           <a:xfrm>
             <a:off x="339557" y="1848678"/>
-            <a:ext cx="4352474" cy="1891415"/>
+            <a:ext cx="6887142" cy="2260747"/>
           </a:xfrm>
           <a:prstGeom prst="rect">
             <a:avLst/>
@@ -7520,7 +7593,26 @@
               <a:buFont typeface="Arial" panose="020B0604020202020204" pitchFamily="34" charset="0"/>
               <a:buChar char="•"/>
             </a:pPr>
-            <a:endParaRPr kumimoji="1" lang="en-US" altLang="ko-KR" sz="1600" dirty="0"/>
+            <a:r>
+              <a:rPr kumimoji="1" lang="ko-KR" altLang="en-US" sz="1600" dirty="0"/>
+              <a:t>모델이 </a:t>
+            </a:r>
+            <a:r>
+              <a:rPr kumimoji="1" lang="en-US" altLang="ko-KR" sz="1600" dirty="0"/>
+              <a:t>unlabeled data</a:t>
+            </a:r>
+            <a:r>
+              <a:rPr kumimoji="1" lang="ko-KR" altLang="en-US" sz="1600" dirty="0" err="1"/>
+              <a:t>를</a:t>
+            </a:r>
+            <a:r>
+              <a:rPr kumimoji="1" lang="ko-KR" altLang="en-US" sz="1600" dirty="0"/>
+              <a:t> 활용해 학습한다</a:t>
+            </a:r>
+            <a:r>
+              <a:rPr kumimoji="1" lang="en-US" altLang="ko-KR" sz="1600" dirty="0"/>
+              <a:t>.</a:t>
+            </a:r>
           </a:p>
           <a:p>
             <a:pPr marL="742950" lvl="1" indent="-285750">
@@ -7543,14 +7635,56 @@
               <a:buFont typeface="Arial" panose="020B0604020202020204" pitchFamily="34" charset="0"/>
               <a:buChar char="•"/>
             </a:pPr>
-            <a:endParaRPr kumimoji="1" lang="en-US" altLang="ko-KR" sz="1600" dirty="0"/>
+            <a:r>
+              <a:rPr kumimoji="1" lang="en-US" altLang="ko-KR" sz="1600" dirty="0"/>
+              <a:t>pre-trained</a:t>
+            </a:r>
+            <a:r>
+              <a:rPr kumimoji="1" lang="ko-KR" altLang="en-US" sz="1600" dirty="0"/>
+              <a:t> </a:t>
+            </a:r>
+            <a:r>
+              <a:rPr kumimoji="1" lang="en-US" altLang="ko-KR" sz="1600" dirty="0"/>
+              <a:t>model</a:t>
+            </a:r>
+            <a:r>
+              <a:rPr kumimoji="1" lang="ko-KR" altLang="en-US" sz="1600" dirty="0"/>
+              <a:t>의 가중치를 사용해 모델을 </a:t>
+            </a:r>
+            <a:r>
+              <a:rPr kumimoji="1" lang="en-US" altLang="ko-KR" sz="1600" dirty="0"/>
+              <a:t>initialize</a:t>
+            </a:r>
+            <a:r>
+              <a:rPr kumimoji="1" lang="ko-KR" altLang="en-US" sz="1600" dirty="0"/>
+              <a:t>한 후</a:t>
+            </a:r>
+            <a:br>
+              <a:rPr kumimoji="1" lang="en-US" altLang="ko-KR" sz="1600" dirty="0"/>
+            </a:br>
+            <a:r>
+              <a:rPr kumimoji="1" lang="en-US" altLang="ko-KR" sz="1600" dirty="0"/>
+              <a:t>down-stream task</a:t>
+            </a:r>
+            <a:r>
+              <a:rPr kumimoji="1" lang="ko-KR" altLang="en-US" sz="1600" dirty="0" err="1"/>
+              <a:t>를</a:t>
+            </a:r>
+            <a:r>
+              <a:rPr kumimoji="1" lang="ko-KR" altLang="en-US" sz="1600" dirty="0"/>
+              <a:t> 학습한다</a:t>
+            </a:r>
+            <a:r>
+              <a:rPr kumimoji="1" lang="en-US" altLang="ko-KR" sz="1600" dirty="0"/>
+              <a:t>.</a:t>
+            </a:r>
           </a:p>
         </p:txBody>
       </p:sp>
     </p:spTree>
     <p:extLst>
       <p:ext uri="{BB962C8B-B14F-4D97-AF65-F5344CB8AC3E}">
-        <p14:creationId xmlns:p14="http://schemas.microsoft.com/office/powerpoint/2010/main" val="3547252268"/>
+        <p14:creationId xmlns:p14="http://schemas.microsoft.com/office/powerpoint/2010/main" val="83116218"/>
       </p:ext>
     </p:extLst>
   </p:cSld>
@@ -7661,12 +7795,177 @@
           </a:p>
         </p:txBody>
       </p:sp>
+      <p:sp>
+        <p:nvSpPr>
+          <p:cNvPr id="10" name="TextBox 9">
+            <a:extLst>
+              <a:ext uri="{FF2B5EF4-FFF2-40B4-BE49-F238E27FC236}">
+                <a16:creationId xmlns:a16="http://schemas.microsoft.com/office/drawing/2014/main" id="{D9018E34-C586-5D4D-AF06-B4135027D5B5}"/>
+              </a:ext>
+            </a:extLst>
+          </p:cNvPr>
+          <p:cNvSpPr txBox="1"/>
+          <p:nvPr/>
+        </p:nvSpPr>
+        <p:spPr>
+          <a:xfrm>
+            <a:off x="339557" y="1848678"/>
+            <a:ext cx="6887142" cy="2260747"/>
+          </a:xfrm>
+          <a:prstGeom prst="rect">
+            <a:avLst/>
+          </a:prstGeom>
+          <a:noFill/>
+        </p:spPr>
+        <p:txBody>
+          <a:bodyPr wrap="none" rtlCol="0">
+            <a:spAutoFit/>
+          </a:bodyPr>
+          <a:lstStyle/>
+          <a:p>
+            <a:pPr marL="285750" indent="-285750">
+              <a:lnSpc>
+                <a:spcPct val="150000"/>
+              </a:lnSpc>
+              <a:buFont typeface="Arial" panose="020B0604020202020204" pitchFamily="34" charset="0"/>
+              <a:buChar char="•"/>
+            </a:pPr>
+            <a:r>
+              <a:rPr kumimoji="1" lang="en-US" altLang="ko-KR" sz="1600" dirty="0"/>
+              <a:t>BERT framework </a:t>
+            </a:r>
+            <a:r>
+              <a:rPr kumimoji="1" lang="ko-KR" altLang="en-US" sz="1600" dirty="0"/>
+              <a:t>에는 두개의 </a:t>
+            </a:r>
+            <a:r>
+              <a:rPr kumimoji="1" lang="en-US" altLang="ko-KR" sz="1600" dirty="0"/>
+              <a:t>step</a:t>
+            </a:r>
+            <a:r>
+              <a:rPr kumimoji="1" lang="ko-KR" altLang="en-US" sz="1600" dirty="0"/>
+              <a:t>이 존재</a:t>
+            </a:r>
+            <a:r>
+              <a:rPr kumimoji="1" lang="en-US" altLang="ko-KR" sz="1600" dirty="0"/>
+              <a:t>.</a:t>
+            </a:r>
+          </a:p>
+          <a:p>
+            <a:pPr marL="742950" lvl="1" indent="-285750">
+              <a:lnSpc>
+                <a:spcPct val="150000"/>
+              </a:lnSpc>
+              <a:buFont typeface="Arial" panose="020B0604020202020204" pitchFamily="34" charset="0"/>
+              <a:buChar char="•"/>
+            </a:pPr>
+            <a:r>
+              <a:rPr kumimoji="1" lang="en-US" altLang="ko-KR" sz="1600" dirty="0"/>
+              <a:t>Pre-training</a:t>
+            </a:r>
+          </a:p>
+          <a:p>
+            <a:pPr marL="1200150" lvl="2" indent="-285750">
+              <a:lnSpc>
+                <a:spcPct val="150000"/>
+              </a:lnSpc>
+              <a:buFont typeface="Arial" panose="020B0604020202020204" pitchFamily="34" charset="0"/>
+              <a:buChar char="•"/>
+            </a:pPr>
+            <a:r>
+              <a:rPr kumimoji="1" lang="ko-KR" altLang="en-US" sz="1600" dirty="0"/>
+              <a:t>모델이 </a:t>
+            </a:r>
+            <a:r>
+              <a:rPr kumimoji="1" lang="en-US" altLang="ko-KR" sz="1600" dirty="0"/>
+              <a:t>unlabeled data</a:t>
+            </a:r>
+            <a:r>
+              <a:rPr kumimoji="1" lang="ko-KR" altLang="en-US" sz="1600" dirty="0" err="1"/>
+              <a:t>를</a:t>
+            </a:r>
+            <a:r>
+              <a:rPr kumimoji="1" lang="ko-KR" altLang="en-US" sz="1600" dirty="0"/>
+              <a:t> 활용해 학습한다</a:t>
+            </a:r>
+            <a:r>
+              <a:rPr kumimoji="1" lang="en-US" altLang="ko-KR" sz="1600" dirty="0"/>
+              <a:t>.</a:t>
+            </a:r>
+          </a:p>
+          <a:p>
+            <a:pPr marL="742950" lvl="1" indent="-285750">
+              <a:lnSpc>
+                <a:spcPct val="150000"/>
+              </a:lnSpc>
+              <a:buFont typeface="Arial" panose="020B0604020202020204" pitchFamily="34" charset="0"/>
+              <a:buChar char="•"/>
+            </a:pPr>
+            <a:r>
+              <a:rPr kumimoji="1" lang="en-US" altLang="ko-KR" sz="1600" dirty="0"/>
+              <a:t>Fine-tuning</a:t>
+            </a:r>
+          </a:p>
+          <a:p>
+            <a:pPr marL="1200150" lvl="2" indent="-285750">
+              <a:lnSpc>
+                <a:spcPct val="150000"/>
+              </a:lnSpc>
+              <a:buFont typeface="Arial" panose="020B0604020202020204" pitchFamily="34" charset="0"/>
+              <a:buChar char="•"/>
+            </a:pPr>
+            <a:r>
+              <a:rPr kumimoji="1" lang="en-US" altLang="ko-KR" sz="1600" dirty="0"/>
+              <a:t>pre-trained</a:t>
+            </a:r>
+            <a:r>
+              <a:rPr kumimoji="1" lang="ko-KR" altLang="en-US" sz="1600" dirty="0"/>
+              <a:t> </a:t>
+            </a:r>
+            <a:r>
+              <a:rPr kumimoji="1" lang="en-US" altLang="ko-KR" sz="1600" dirty="0"/>
+              <a:t>model</a:t>
+            </a:r>
+            <a:r>
+              <a:rPr kumimoji="1" lang="ko-KR" altLang="en-US" sz="1600" dirty="0"/>
+              <a:t>의 가중치를 사용해 모델을 </a:t>
+            </a:r>
+            <a:r>
+              <a:rPr kumimoji="1" lang="en-US" altLang="ko-KR" sz="1600" dirty="0"/>
+              <a:t>initialize</a:t>
+            </a:r>
+            <a:r>
+              <a:rPr kumimoji="1" lang="ko-KR" altLang="en-US" sz="1600" dirty="0"/>
+              <a:t>한 후</a:t>
+            </a:r>
+            <a:br>
+              <a:rPr kumimoji="1" lang="en-US" altLang="ko-KR" sz="1600" dirty="0"/>
+            </a:br>
+            <a:r>
+              <a:rPr kumimoji="1" lang="en-US" altLang="ko-KR" sz="1600" dirty="0"/>
+              <a:t>down-stream task</a:t>
+            </a:r>
+            <a:r>
+              <a:rPr kumimoji="1" lang="ko-KR" altLang="en-US" sz="1600" dirty="0" err="1"/>
+              <a:t>를</a:t>
+            </a:r>
+            <a:r>
+              <a:rPr kumimoji="1" lang="ko-KR" altLang="en-US" sz="1600" dirty="0"/>
+              <a:t> 학습한다</a:t>
+            </a:r>
+            <a:r>
+              <a:rPr kumimoji="1" lang="en-US" altLang="ko-KR" sz="1600" dirty="0"/>
+              <a:t>.</a:t>
+            </a:r>
+          </a:p>
+        </p:txBody>
+      </p:sp>
       <p:pic>
         <p:nvPicPr>
-          <p:cNvPr id="4" name="그림 3">
-            <a:extLst>
-              <a:ext uri="{FF2B5EF4-FFF2-40B4-BE49-F238E27FC236}">
-                <a16:creationId xmlns:a16="http://schemas.microsoft.com/office/drawing/2014/main" id="{4F314F38-7DEE-6843-ABA2-529258A4E764}"/>
+          <p:cNvPr id="11" name="그림 10">
+            <a:extLst>
+              <a:ext uri="{FF2B5EF4-FFF2-40B4-BE49-F238E27FC236}">
+                <a16:creationId xmlns:a16="http://schemas.microsoft.com/office/drawing/2014/main" id="{E814891C-52F3-F343-A12F-54B8848E8A50}"/>
               </a:ext>
             </a:extLst>
           </p:cNvPr>
@@ -7683,183 +7982,18 @@
         </p:blipFill>
         <p:spPr>
           <a:xfrm>
-            <a:off x="8128231" y="1746077"/>
-            <a:ext cx="3307025" cy="3365846"/>
+            <a:off x="4721628" y="3852482"/>
+            <a:ext cx="6539346" cy="2783115"/>
           </a:xfrm>
           <a:prstGeom prst="rect">
             <a:avLst/>
           </a:prstGeom>
         </p:spPr>
       </p:pic>
-      <p:sp>
-        <p:nvSpPr>
-          <p:cNvPr id="10" name="TextBox 9">
-            <a:extLst>
-              <a:ext uri="{FF2B5EF4-FFF2-40B4-BE49-F238E27FC236}">
-                <a16:creationId xmlns:a16="http://schemas.microsoft.com/office/drawing/2014/main" id="{D9018E34-C586-5D4D-AF06-B4135027D5B5}"/>
-              </a:ext>
-            </a:extLst>
-          </p:cNvPr>
-          <p:cNvSpPr txBox="1"/>
-          <p:nvPr/>
-        </p:nvSpPr>
-        <p:spPr>
-          <a:xfrm>
-            <a:off x="339557" y="1848678"/>
-            <a:ext cx="6887142" cy="2260747"/>
-          </a:xfrm>
-          <a:prstGeom prst="rect">
-            <a:avLst/>
-          </a:prstGeom>
-          <a:noFill/>
-        </p:spPr>
-        <p:txBody>
-          <a:bodyPr wrap="none" rtlCol="0">
-            <a:spAutoFit/>
-          </a:bodyPr>
-          <a:lstStyle/>
-          <a:p>
-            <a:pPr marL="285750" indent="-285750">
-              <a:lnSpc>
-                <a:spcPct val="150000"/>
-              </a:lnSpc>
-              <a:buFont typeface="Arial" panose="020B0604020202020204" pitchFamily="34" charset="0"/>
-              <a:buChar char="•"/>
-            </a:pPr>
-            <a:r>
-              <a:rPr kumimoji="1" lang="en-US" altLang="ko-KR" sz="1600" dirty="0"/>
-              <a:t>BERT framework </a:t>
-            </a:r>
-            <a:r>
-              <a:rPr kumimoji="1" lang="ko-KR" altLang="en-US" sz="1600" dirty="0"/>
-              <a:t>에는 두개의 </a:t>
-            </a:r>
-            <a:r>
-              <a:rPr kumimoji="1" lang="en-US" altLang="ko-KR" sz="1600" dirty="0"/>
-              <a:t>step</a:t>
-            </a:r>
-            <a:r>
-              <a:rPr kumimoji="1" lang="ko-KR" altLang="en-US" sz="1600" dirty="0"/>
-              <a:t>이 존재</a:t>
-            </a:r>
-            <a:r>
-              <a:rPr kumimoji="1" lang="en-US" altLang="ko-KR" sz="1600" dirty="0"/>
-              <a:t>.</a:t>
-            </a:r>
-          </a:p>
-          <a:p>
-            <a:pPr marL="742950" lvl="1" indent="-285750">
-              <a:lnSpc>
-                <a:spcPct val="150000"/>
-              </a:lnSpc>
-              <a:buFont typeface="Arial" panose="020B0604020202020204" pitchFamily="34" charset="0"/>
-              <a:buChar char="•"/>
-            </a:pPr>
-            <a:r>
-              <a:rPr kumimoji="1" lang="en-US" altLang="ko-KR" sz="1600" dirty="0"/>
-              <a:t>Pre-training</a:t>
-            </a:r>
-          </a:p>
-          <a:p>
-            <a:pPr marL="1200150" lvl="2" indent="-285750">
-              <a:lnSpc>
-                <a:spcPct val="150000"/>
-              </a:lnSpc>
-              <a:buFont typeface="Arial" panose="020B0604020202020204" pitchFamily="34" charset="0"/>
-              <a:buChar char="•"/>
-            </a:pPr>
-            <a:r>
-              <a:rPr kumimoji="1" lang="ko-KR" altLang="en-US" sz="1600" dirty="0"/>
-              <a:t>모델이 </a:t>
-            </a:r>
-            <a:r>
-              <a:rPr kumimoji="1" lang="en-US" altLang="ko-KR" sz="1600" dirty="0"/>
-              <a:t>unlabeled data</a:t>
-            </a:r>
-            <a:r>
-              <a:rPr kumimoji="1" lang="ko-KR" altLang="en-US" sz="1600" dirty="0" err="1"/>
-              <a:t>를</a:t>
-            </a:r>
-            <a:r>
-              <a:rPr kumimoji="1" lang="ko-KR" altLang="en-US" sz="1600" dirty="0"/>
-              <a:t> 활용해 학습한다</a:t>
-            </a:r>
-            <a:r>
-              <a:rPr kumimoji="1" lang="en-US" altLang="ko-KR" sz="1600" dirty="0"/>
-              <a:t>.</a:t>
-            </a:r>
-          </a:p>
-          <a:p>
-            <a:pPr marL="742950" lvl="1" indent="-285750">
-              <a:lnSpc>
-                <a:spcPct val="150000"/>
-              </a:lnSpc>
-              <a:buFont typeface="Arial" panose="020B0604020202020204" pitchFamily="34" charset="0"/>
-              <a:buChar char="•"/>
-            </a:pPr>
-            <a:r>
-              <a:rPr kumimoji="1" lang="en-US" altLang="ko-KR" sz="1600" dirty="0"/>
-              <a:t>Fine-tuning</a:t>
-            </a:r>
-          </a:p>
-          <a:p>
-            <a:pPr marL="1200150" lvl="2" indent="-285750">
-              <a:lnSpc>
-                <a:spcPct val="150000"/>
-              </a:lnSpc>
-              <a:buFont typeface="Arial" panose="020B0604020202020204" pitchFamily="34" charset="0"/>
-              <a:buChar char="•"/>
-            </a:pPr>
-            <a:r>
-              <a:rPr kumimoji="1" lang="en-US" altLang="ko-KR" sz="1600" dirty="0"/>
-              <a:t>pre-trained</a:t>
-            </a:r>
-            <a:r>
-              <a:rPr kumimoji="1" lang="ko-KR" altLang="en-US" sz="1600" dirty="0"/>
-              <a:t> </a:t>
-            </a:r>
-            <a:r>
-              <a:rPr kumimoji="1" lang="en-US" altLang="ko-KR" sz="1600" dirty="0"/>
-              <a:t>model</a:t>
-            </a:r>
-            <a:r>
-              <a:rPr kumimoji="1" lang="ko-KR" altLang="en-US" sz="1600" dirty="0"/>
-              <a:t>의 가중치를 사용해 모델을 </a:t>
-            </a:r>
-            <a:r>
-              <a:rPr kumimoji="1" lang="en-US" altLang="ko-KR" sz="1600" dirty="0"/>
-              <a:t>initialize</a:t>
-            </a:r>
-            <a:r>
-              <a:rPr kumimoji="1" lang="ko-KR" altLang="en-US" sz="1600" dirty="0"/>
-              <a:t>한 후</a:t>
-            </a:r>
-            <a:br>
-              <a:rPr kumimoji="1" lang="en-US" altLang="ko-KR" sz="1600" dirty="0"/>
-            </a:br>
-            <a:r>
-              <a:rPr kumimoji="1" lang="en-US" altLang="ko-KR" sz="1600" dirty="0"/>
-              <a:t>down-stream task</a:t>
-            </a:r>
-            <a:r>
-              <a:rPr kumimoji="1" lang="ko-KR" altLang="en-US" sz="1600" dirty="0" err="1"/>
-              <a:t>를</a:t>
-            </a:r>
-            <a:r>
-              <a:rPr kumimoji="1" lang="ko-KR" altLang="en-US" sz="1600" dirty="0"/>
-              <a:t> 학습한다</a:t>
-            </a:r>
-            <a:r>
-              <a:rPr kumimoji="1" lang="en-US" altLang="ko-KR" sz="1600" dirty="0"/>
-              <a:t>.</a:t>
-            </a:r>
-          </a:p>
-        </p:txBody>
-      </p:sp>
     </p:spTree>
     <p:extLst>
       <p:ext uri="{BB962C8B-B14F-4D97-AF65-F5344CB8AC3E}">
-        <p14:creationId xmlns:p14="http://schemas.microsoft.com/office/powerpoint/2010/main" val="83116218"/>
+        <p14:creationId xmlns:p14="http://schemas.microsoft.com/office/powerpoint/2010/main" val="1978200500"/>
       </p:ext>
     </p:extLst>
   </p:cSld>
@@ -7901,7 +8035,7 @@
         <p:spPr>
           <a:xfrm>
             <a:off x="269341" y="1262269"/>
-            <a:ext cx="737446" cy="454292"/>
+            <a:ext cx="2626425" cy="454292"/>
           </a:xfrm>
           <a:prstGeom prst="rect">
             <a:avLst/>
@@ -7925,7 +8059,15 @@
                   <a:schemeClr val="accent1"/>
                 </a:solidFill>
               </a:rPr>
-              <a:t>BERT</a:t>
+              <a:t>BERT </a:t>
+            </a:r>
+            <a:r>
+              <a:rPr kumimoji="1" lang="en-US" altLang="ko-KR" sz="1400" b="1" dirty="0">
+                <a:solidFill>
+                  <a:schemeClr val="accent1"/>
+                </a:solidFill>
+              </a:rPr>
+              <a:t>– Model Architecture</a:t>
             </a:r>
             <a:endParaRPr kumimoji="1" lang="ko-KR" altLang="en-US" b="1" dirty="0">
               <a:solidFill>
@@ -7970,177 +8112,12 @@
           </a:p>
         </p:txBody>
       </p:sp>
-      <p:sp>
-        <p:nvSpPr>
-          <p:cNvPr id="10" name="TextBox 9">
-            <a:extLst>
-              <a:ext uri="{FF2B5EF4-FFF2-40B4-BE49-F238E27FC236}">
-                <a16:creationId xmlns:a16="http://schemas.microsoft.com/office/drawing/2014/main" id="{D9018E34-C586-5D4D-AF06-B4135027D5B5}"/>
-              </a:ext>
-            </a:extLst>
-          </p:cNvPr>
-          <p:cNvSpPr txBox="1"/>
-          <p:nvPr/>
-        </p:nvSpPr>
-        <p:spPr>
-          <a:xfrm>
-            <a:off x="339557" y="1848678"/>
-            <a:ext cx="6887142" cy="2260747"/>
-          </a:xfrm>
-          <a:prstGeom prst="rect">
-            <a:avLst/>
-          </a:prstGeom>
-          <a:noFill/>
-        </p:spPr>
-        <p:txBody>
-          <a:bodyPr wrap="none" rtlCol="0">
-            <a:spAutoFit/>
-          </a:bodyPr>
-          <a:lstStyle/>
-          <a:p>
-            <a:pPr marL="285750" indent="-285750">
-              <a:lnSpc>
-                <a:spcPct val="150000"/>
-              </a:lnSpc>
-              <a:buFont typeface="Arial" panose="020B0604020202020204" pitchFamily="34" charset="0"/>
-              <a:buChar char="•"/>
-            </a:pPr>
-            <a:r>
-              <a:rPr kumimoji="1" lang="en-US" altLang="ko-KR" sz="1600" dirty="0"/>
-              <a:t>BERT framework </a:t>
-            </a:r>
-            <a:r>
-              <a:rPr kumimoji="1" lang="ko-KR" altLang="en-US" sz="1600" dirty="0"/>
-              <a:t>에는 두개의 </a:t>
-            </a:r>
-            <a:r>
-              <a:rPr kumimoji="1" lang="en-US" altLang="ko-KR" sz="1600" dirty="0"/>
-              <a:t>step</a:t>
-            </a:r>
-            <a:r>
-              <a:rPr kumimoji="1" lang="ko-KR" altLang="en-US" sz="1600" dirty="0"/>
-              <a:t>이 존재</a:t>
-            </a:r>
-            <a:r>
-              <a:rPr kumimoji="1" lang="en-US" altLang="ko-KR" sz="1600" dirty="0"/>
-              <a:t>.</a:t>
-            </a:r>
-          </a:p>
-          <a:p>
-            <a:pPr marL="742950" lvl="1" indent="-285750">
-              <a:lnSpc>
-                <a:spcPct val="150000"/>
-              </a:lnSpc>
-              <a:buFont typeface="Arial" panose="020B0604020202020204" pitchFamily="34" charset="0"/>
-              <a:buChar char="•"/>
-            </a:pPr>
-            <a:r>
-              <a:rPr kumimoji="1" lang="en-US" altLang="ko-KR" sz="1600" dirty="0"/>
-              <a:t>Pre-training</a:t>
-            </a:r>
-          </a:p>
-          <a:p>
-            <a:pPr marL="1200150" lvl="2" indent="-285750">
-              <a:lnSpc>
-                <a:spcPct val="150000"/>
-              </a:lnSpc>
-              <a:buFont typeface="Arial" panose="020B0604020202020204" pitchFamily="34" charset="0"/>
-              <a:buChar char="•"/>
-            </a:pPr>
-            <a:r>
-              <a:rPr kumimoji="1" lang="ko-KR" altLang="en-US" sz="1600" dirty="0"/>
-              <a:t>모델이 </a:t>
-            </a:r>
-            <a:r>
-              <a:rPr kumimoji="1" lang="en-US" altLang="ko-KR" sz="1600" dirty="0"/>
-              <a:t>unlabeled data</a:t>
-            </a:r>
-            <a:r>
-              <a:rPr kumimoji="1" lang="ko-KR" altLang="en-US" sz="1600" dirty="0" err="1"/>
-              <a:t>를</a:t>
-            </a:r>
-            <a:r>
-              <a:rPr kumimoji="1" lang="ko-KR" altLang="en-US" sz="1600" dirty="0"/>
-              <a:t> 활용해 학습한다</a:t>
-            </a:r>
-            <a:r>
-              <a:rPr kumimoji="1" lang="en-US" altLang="ko-KR" sz="1600" dirty="0"/>
-              <a:t>.</a:t>
-            </a:r>
-          </a:p>
-          <a:p>
-            <a:pPr marL="742950" lvl="1" indent="-285750">
-              <a:lnSpc>
-                <a:spcPct val="150000"/>
-              </a:lnSpc>
-              <a:buFont typeface="Arial" panose="020B0604020202020204" pitchFamily="34" charset="0"/>
-              <a:buChar char="•"/>
-            </a:pPr>
-            <a:r>
-              <a:rPr kumimoji="1" lang="en-US" altLang="ko-KR" sz="1600" dirty="0"/>
-              <a:t>Fine-tuning</a:t>
-            </a:r>
-          </a:p>
-          <a:p>
-            <a:pPr marL="1200150" lvl="2" indent="-285750">
-              <a:lnSpc>
-                <a:spcPct val="150000"/>
-              </a:lnSpc>
-              <a:buFont typeface="Arial" panose="020B0604020202020204" pitchFamily="34" charset="0"/>
-              <a:buChar char="•"/>
-            </a:pPr>
-            <a:r>
-              <a:rPr kumimoji="1" lang="en-US" altLang="ko-KR" sz="1600" dirty="0"/>
-              <a:t>pre-trained</a:t>
-            </a:r>
-            <a:r>
-              <a:rPr kumimoji="1" lang="ko-KR" altLang="en-US" sz="1600" dirty="0"/>
-              <a:t> </a:t>
-            </a:r>
-            <a:r>
-              <a:rPr kumimoji="1" lang="en-US" altLang="ko-KR" sz="1600" dirty="0"/>
-              <a:t>model</a:t>
-            </a:r>
-            <a:r>
-              <a:rPr kumimoji="1" lang="ko-KR" altLang="en-US" sz="1600" dirty="0"/>
-              <a:t>의 가중치를 사용해 모델을 </a:t>
-            </a:r>
-            <a:r>
-              <a:rPr kumimoji="1" lang="en-US" altLang="ko-KR" sz="1600" dirty="0"/>
-              <a:t>initialize</a:t>
-            </a:r>
-            <a:r>
-              <a:rPr kumimoji="1" lang="ko-KR" altLang="en-US" sz="1600" dirty="0"/>
-              <a:t>한 후</a:t>
-            </a:r>
-            <a:br>
-              <a:rPr kumimoji="1" lang="en-US" altLang="ko-KR" sz="1600" dirty="0"/>
-            </a:br>
-            <a:r>
-              <a:rPr kumimoji="1" lang="en-US" altLang="ko-KR" sz="1600" dirty="0"/>
-              <a:t>down-stream task</a:t>
-            </a:r>
-            <a:r>
-              <a:rPr kumimoji="1" lang="ko-KR" altLang="en-US" sz="1600" dirty="0" err="1"/>
-              <a:t>를</a:t>
-            </a:r>
-            <a:r>
-              <a:rPr kumimoji="1" lang="ko-KR" altLang="en-US" sz="1600" dirty="0"/>
-              <a:t> 학습한다</a:t>
-            </a:r>
-            <a:r>
-              <a:rPr kumimoji="1" lang="en-US" altLang="ko-KR" sz="1600" dirty="0"/>
-              <a:t>.</a:t>
-            </a:r>
-          </a:p>
-        </p:txBody>
-      </p:sp>
       <p:pic>
         <p:nvPicPr>
-          <p:cNvPr id="11" name="그림 10">
-            <a:extLst>
-              <a:ext uri="{FF2B5EF4-FFF2-40B4-BE49-F238E27FC236}">
-                <a16:creationId xmlns:a16="http://schemas.microsoft.com/office/drawing/2014/main" id="{E814891C-52F3-F343-A12F-54B8848E8A50}"/>
+          <p:cNvPr id="2" name="그림 1">
+            <a:extLst>
+              <a:ext uri="{FF2B5EF4-FFF2-40B4-BE49-F238E27FC236}">
+                <a16:creationId xmlns:a16="http://schemas.microsoft.com/office/drawing/2014/main" id="{EFBF5EE9-2133-4A40-9740-1AEB255B0CA7}"/>
               </a:ext>
             </a:extLst>
           </p:cNvPr>
@@ -8157,8 +8134,8 @@
         </p:blipFill>
         <p:spPr>
           <a:xfrm>
-            <a:off x="4721628" y="3852482"/>
-            <a:ext cx="6539346" cy="2783115"/>
+            <a:off x="7721483" y="2079096"/>
+            <a:ext cx="4045658" cy="2699808"/>
           </a:xfrm>
           <a:prstGeom prst="rect">
             <a:avLst/>
@@ -8168,7 +8145,7 @@
     </p:spTree>
     <p:extLst>
       <p:ext uri="{BB962C8B-B14F-4D97-AF65-F5344CB8AC3E}">
-        <p14:creationId xmlns:p14="http://schemas.microsoft.com/office/powerpoint/2010/main" val="1978200500"/>
+        <p14:creationId xmlns:p14="http://schemas.microsoft.com/office/powerpoint/2010/main" val="2153835968"/>
       </p:ext>
     </p:extLst>
   </p:cSld>
@@ -8287,40 +8264,68 @@
           </a:p>
         </p:txBody>
       </p:sp>
-      <p:pic>
-        <p:nvPicPr>
-          <p:cNvPr id="2" name="그림 1">
-            <a:extLst>
-              <a:ext uri="{FF2B5EF4-FFF2-40B4-BE49-F238E27FC236}">
-                <a16:creationId xmlns:a16="http://schemas.microsoft.com/office/drawing/2014/main" id="{EFBF5EE9-2133-4A40-9740-1AEB255B0CA7}"/>
-              </a:ext>
-            </a:extLst>
-          </p:cNvPr>
-          <p:cNvPicPr>
-            <a:picLocks noChangeAspect="1"/>
-          </p:cNvPicPr>
-          <p:nvPr/>
-        </p:nvPicPr>
-        <p:blipFill>
-          <a:blip r:embed="rId2"/>
-          <a:stretch>
-            <a:fillRect/>
-          </a:stretch>
-        </p:blipFill>
-        <p:spPr>
-          <a:xfrm>
-            <a:off x="7721483" y="2079096"/>
-            <a:ext cx="4045658" cy="2699808"/>
-          </a:xfrm>
-          <a:prstGeom prst="rect">
-            <a:avLst/>
-          </a:prstGeom>
-        </p:spPr>
-      </p:pic>
+      <p:sp>
+        <p:nvSpPr>
+          <p:cNvPr id="10" name="TextBox 9">
+            <a:extLst>
+              <a:ext uri="{FF2B5EF4-FFF2-40B4-BE49-F238E27FC236}">
+                <a16:creationId xmlns:a16="http://schemas.microsoft.com/office/drawing/2014/main" id="{D9018E34-C586-5D4D-AF06-B4135027D5B5}"/>
+              </a:ext>
+            </a:extLst>
+          </p:cNvPr>
+          <p:cNvSpPr txBox="1"/>
+          <p:nvPr/>
+        </p:nvSpPr>
+        <p:spPr>
+          <a:xfrm>
+            <a:off x="339557" y="1848678"/>
+            <a:ext cx="6821932" cy="414088"/>
+          </a:xfrm>
+          <a:prstGeom prst="rect">
+            <a:avLst/>
+          </a:prstGeom>
+          <a:noFill/>
+        </p:spPr>
+        <p:txBody>
+          <a:bodyPr wrap="none" rtlCol="0">
+            <a:spAutoFit/>
+          </a:bodyPr>
+          <a:lstStyle/>
+          <a:p>
+            <a:pPr marL="285750" indent="-285750">
+              <a:lnSpc>
+                <a:spcPct val="150000"/>
+              </a:lnSpc>
+              <a:buFont typeface="Arial" panose="020B0604020202020204" pitchFamily="34" charset="0"/>
+              <a:buChar char="•"/>
+            </a:pPr>
+            <a:r>
+              <a:rPr kumimoji="1" lang="en-US" altLang="ko-KR" sz="1600" dirty="0"/>
+              <a:t>BERT</a:t>
+            </a:r>
+            <a:r>
+              <a:rPr kumimoji="1" lang="ko-KR" altLang="en-US" sz="1600" dirty="0"/>
+              <a:t>의 </a:t>
+            </a:r>
+            <a:r>
+              <a:rPr kumimoji="1" lang="en-US" altLang="ko-KR" sz="1600" dirty="0"/>
+              <a:t>architecture</a:t>
+            </a:r>
+            <a:r>
+              <a:rPr kumimoji="1" lang="ko-KR" altLang="en-US" sz="1600" dirty="0"/>
+              <a:t>는 </a:t>
+            </a:r>
+            <a:r>
+              <a:rPr kumimoji="1" lang="en-US" altLang="ko-KR" sz="1600" dirty="0"/>
+              <a:t>multi-layer bidirectional Transformer encoder.</a:t>
+            </a:r>
+          </a:p>
+        </p:txBody>
+      </p:sp>
     </p:spTree>
     <p:extLst>
       <p:ext uri="{BB962C8B-B14F-4D97-AF65-F5344CB8AC3E}">
-        <p14:creationId xmlns:p14="http://schemas.microsoft.com/office/powerpoint/2010/main" val="2153835968"/>
+        <p14:creationId xmlns:p14="http://schemas.microsoft.com/office/powerpoint/2010/main" val="3713926794"/>
       </p:ext>
     </p:extLst>
   </p:cSld>
@@ -8454,7 +8459,7 @@
         <p:spPr>
           <a:xfrm>
             <a:off x="339557" y="1848678"/>
-            <a:ext cx="6821932" cy="414088"/>
+            <a:ext cx="6821932" cy="783420"/>
           </a:xfrm>
           <a:prstGeom prst="rect">
             <a:avLst/>
@@ -8495,12 +8500,63 @@
               <a:t>multi-layer bidirectional Transformer encoder.</a:t>
             </a:r>
           </a:p>
-        </p:txBody>
-      </p:sp>
+          <a:p>
+            <a:pPr marL="285750" indent="-285750">
+              <a:lnSpc>
+                <a:spcPct val="150000"/>
+              </a:lnSpc>
+              <a:buFont typeface="Arial" panose="020B0604020202020204" pitchFamily="34" charset="0"/>
+              <a:buChar char="•"/>
+            </a:pPr>
+            <a:r>
+              <a:rPr kumimoji="1" lang="en-US" altLang="ko-KR" sz="1600" dirty="0"/>
+              <a:t>BERT</a:t>
+            </a:r>
+            <a:r>
+              <a:rPr kumimoji="1" lang="en-US" altLang="ko-KR" sz="1600" baseline="-25000" dirty="0"/>
+              <a:t>BASE</a:t>
+            </a:r>
+            <a:r>
+              <a:rPr kumimoji="1" lang="en-US" altLang="ko-KR" sz="1600" dirty="0"/>
+              <a:t> </a:t>
+            </a:r>
+          </a:p>
+        </p:txBody>
+      </p:sp>
+      <p:pic>
+        <p:nvPicPr>
+          <p:cNvPr id="6" name="그림 5">
+            <a:extLst>
+              <a:ext uri="{FF2B5EF4-FFF2-40B4-BE49-F238E27FC236}">
+                <a16:creationId xmlns:a16="http://schemas.microsoft.com/office/drawing/2014/main" id="{0AD3A177-985C-BF40-84C7-5921CCBE6443}"/>
+              </a:ext>
+            </a:extLst>
+          </p:cNvPr>
+          <p:cNvPicPr>
+            <a:picLocks noChangeAspect="1"/>
+          </p:cNvPicPr>
+          <p:nvPr/>
+        </p:nvPicPr>
+        <p:blipFill>
+          <a:blip r:embed="rId2"/>
+          <a:stretch>
+            <a:fillRect/>
+          </a:stretch>
+        </p:blipFill>
+        <p:spPr>
+          <a:xfrm>
+            <a:off x="7721483" y="2079096"/>
+            <a:ext cx="4045658" cy="2699808"/>
+          </a:xfrm>
+          <a:prstGeom prst="rect">
+            <a:avLst/>
+          </a:prstGeom>
+        </p:spPr>
+      </p:pic>
     </p:spTree>
     <p:extLst>
       <p:ext uri="{BB962C8B-B14F-4D97-AF65-F5344CB8AC3E}">
-        <p14:creationId xmlns:p14="http://schemas.microsoft.com/office/powerpoint/2010/main" val="3713926794"/>
+        <p14:creationId xmlns:p14="http://schemas.microsoft.com/office/powerpoint/2010/main" val="1514911515"/>
       </p:ext>
     </p:extLst>
   </p:cSld>
@@ -8634,7 +8690,7 @@
         <p:spPr>
           <a:xfrm>
             <a:off x="339557" y="1848678"/>
-            <a:ext cx="6821932" cy="783420"/>
+            <a:ext cx="6821932" cy="1152751"/>
           </a:xfrm>
           <a:prstGeom prst="rect">
             <a:avLst/>
@@ -8696,6 +8752,19 @@
               <a:t> </a:t>
             </a:r>
           </a:p>
+          <a:p>
+            <a:pPr marL="742950" lvl="1" indent="-285750">
+              <a:lnSpc>
+                <a:spcPct val="150000"/>
+              </a:lnSpc>
+              <a:buFont typeface="Arial" panose="020B0604020202020204" pitchFamily="34" charset="0"/>
+              <a:buChar char="•"/>
+            </a:pPr>
+            <a:r>
+              <a:rPr kumimoji="1" lang="en-US" altLang="ko-KR" sz="1600" dirty="0"/>
+              <a:t>L=12, H=768, A=12, Total Parameters=110M</a:t>
+            </a:r>
+          </a:p>
         </p:txBody>
       </p:sp>
       <p:pic>
@@ -8703,7 +8772,7 @@
           <p:cNvPr id="6" name="그림 5">
             <a:extLst>
               <a:ext uri="{FF2B5EF4-FFF2-40B4-BE49-F238E27FC236}">
-                <a16:creationId xmlns:a16="http://schemas.microsoft.com/office/drawing/2014/main" id="{0AD3A177-985C-BF40-84C7-5921CCBE6443}"/>
+                <a16:creationId xmlns:a16="http://schemas.microsoft.com/office/drawing/2014/main" id="{3AE504E1-AF9D-FC4D-A39B-7B02ED0B64B7}"/>
               </a:ext>
             </a:extLst>
           </p:cNvPr>
@@ -8731,7 +8800,7 @@
     </p:spTree>
     <p:extLst>
       <p:ext uri="{BB962C8B-B14F-4D97-AF65-F5344CB8AC3E}">
-        <p14:creationId xmlns:p14="http://schemas.microsoft.com/office/powerpoint/2010/main" val="1514911515"/>
+        <p14:creationId xmlns:p14="http://schemas.microsoft.com/office/powerpoint/2010/main" val="2185763709"/>
       </p:ext>
     </p:extLst>
   </p:cSld>
@@ -8803,7 +8872,7 @@
         <p:spPr>
           <a:xfrm>
             <a:off x="387626" y="1311964"/>
-            <a:ext cx="5509778" cy="1700787"/>
+            <a:ext cx="5977598" cy="1285288"/>
           </a:xfrm>
           <a:prstGeom prst="rect">
             <a:avLst/>
@@ -8824,8 +8893,8 @@
               <a:buChar char="•"/>
             </a:pPr>
             <a:r>
-              <a:rPr lang="en" altLang="ko-KR" dirty="0"/>
-              <a:t>Google Brain, 2017</a:t>
+              <a:rPr lang="en-US" altLang="ko-KR" dirty="0"/>
+              <a:t>Google AI, 2018</a:t>
             </a:r>
           </a:p>
           <a:p>
@@ -8837,43 +8906,12 @@
               <a:buChar char="•"/>
             </a:pPr>
             <a:r>
+              <a:rPr kumimoji="1" lang="en-US" altLang="ko-KR" dirty="0"/>
+              <a:t>Learning Representation Learning</a:t>
+            </a:r>
+            <a:r>
               <a:rPr kumimoji="1" lang="ko-KR" altLang="en-US" dirty="0"/>
-              <a:t>기존의 </a:t>
-            </a:r>
-            <a:r>
-              <a:rPr kumimoji="1" lang="en-US" altLang="ko-KR" dirty="0"/>
-              <a:t>RNN, CNN</a:t>
-            </a:r>
-            <a:r>
-              <a:rPr kumimoji="1" lang="ko-KR" altLang="en-US" dirty="0" err="1"/>
-              <a:t>으로</a:t>
-            </a:r>
-            <a:r>
-              <a:rPr kumimoji="1" lang="ko-KR" altLang="en-US" dirty="0"/>
-              <a:t> </a:t>
-            </a:r>
-            <a:r>
-              <a:rPr kumimoji="1" lang="en-US" altLang="ko-KR" dirty="0"/>
-              <a:t>feature</a:t>
-            </a:r>
-            <a:r>
-              <a:rPr kumimoji="1" lang="ko-KR" altLang="en-US" dirty="0" err="1"/>
-              <a:t>를</a:t>
-            </a:r>
-            <a:r>
-              <a:rPr kumimoji="1" lang="ko-KR" altLang="en-US" dirty="0"/>
-              <a:t> 뽑던 방식에서 </a:t>
-            </a:r>
-            <a:br>
-              <a:rPr kumimoji="1" lang="en-US" altLang="ko-KR" dirty="0"/>
-            </a:br>
-            <a:r>
-              <a:rPr kumimoji="1" lang="en-US" altLang="ko-KR" dirty="0"/>
-              <a:t>attention</a:t>
-            </a:r>
-            <a:r>
-              <a:rPr kumimoji="1" lang="ko-KR" altLang="en-US" dirty="0"/>
-              <a:t>만을 이용해 모델링함</a:t>
+              <a:t>의 대표적인 방법</a:t>
             </a:r>
             <a:endParaRPr kumimoji="1" lang="en-US" altLang="ko-KR" dirty="0"/>
           </a:p>
@@ -8885,7 +8923,30 @@
               <a:buFont typeface="Arial" panose="020B0604020202020204" pitchFamily="34" charset="0"/>
               <a:buChar char="•"/>
             </a:pPr>
-            <a:endParaRPr kumimoji="1" lang="ko-KR" altLang="en-US" dirty="0"/>
+            <a:r>
+              <a:rPr kumimoji="1" lang="en-US" altLang="ko-KR" dirty="0"/>
+              <a:t>11</a:t>
+            </a:r>
+            <a:r>
+              <a:rPr kumimoji="1" lang="ko-KR" altLang="en-US" dirty="0"/>
+              <a:t>개의 </a:t>
+            </a:r>
+            <a:r>
+              <a:rPr kumimoji="1" lang="en-US" altLang="ko-KR" dirty="0"/>
+              <a:t>NLP task</a:t>
+            </a:r>
+            <a:r>
+              <a:rPr kumimoji="1" lang="ko-KR" altLang="en-US" dirty="0"/>
+              <a:t>에서 </a:t>
+            </a:r>
+            <a:r>
+              <a:rPr kumimoji="1" lang="en-US" altLang="ko-KR" dirty="0"/>
+              <a:t>State-of-The-Art</a:t>
+            </a:r>
+            <a:r>
+              <a:rPr kumimoji="1" lang="ko-KR" altLang="en-US" dirty="0"/>
+              <a:t>의 성능을 보임</a:t>
+            </a:r>
           </a:p>
         </p:txBody>
       </p:sp>
@@ -9061,7 +9122,7 @@
         <p:spPr>
           <a:xfrm>
             <a:off x="339557" y="1848678"/>
-            <a:ext cx="6821932" cy="1152751"/>
+            <a:ext cx="6821932" cy="1522083"/>
           </a:xfrm>
           <a:prstGeom prst="rect">
             <a:avLst/>
@@ -9136,6 +9197,27 @@
               <a:t>L=12, H=768, A=12, Total Parameters=110M</a:t>
             </a:r>
           </a:p>
+          <a:p>
+            <a:pPr marL="285750" indent="-285750">
+              <a:lnSpc>
+                <a:spcPct val="150000"/>
+              </a:lnSpc>
+              <a:buFont typeface="Arial" panose="020B0604020202020204" pitchFamily="34" charset="0"/>
+              <a:buChar char="•"/>
+            </a:pPr>
+            <a:r>
+              <a:rPr kumimoji="1" lang="en-US" altLang="ko-KR" sz="1600" dirty="0"/>
+              <a:t>BERT</a:t>
+            </a:r>
+            <a:r>
+              <a:rPr kumimoji="1" lang="en-US" altLang="ko-KR" sz="1600" baseline="-25000" dirty="0"/>
+              <a:t>LARGE</a:t>
+            </a:r>
+            <a:r>
+              <a:rPr kumimoji="1" lang="en-US" altLang="ko-KR" sz="1600" dirty="0"/>
+              <a:t> </a:t>
+            </a:r>
+          </a:p>
         </p:txBody>
       </p:sp>
       <p:pic>
@@ -9143,7 +9225,7 @@
           <p:cNvPr id="6" name="그림 5">
             <a:extLst>
               <a:ext uri="{FF2B5EF4-FFF2-40B4-BE49-F238E27FC236}">
-                <a16:creationId xmlns:a16="http://schemas.microsoft.com/office/drawing/2014/main" id="{3AE504E1-AF9D-FC4D-A39B-7B02ED0B64B7}"/>
+                <a16:creationId xmlns:a16="http://schemas.microsoft.com/office/drawing/2014/main" id="{8A814247-75F3-A64A-B6DD-561748A0153D}"/>
               </a:ext>
             </a:extLst>
           </p:cNvPr>
@@ -9171,7 +9253,7 @@
     </p:spTree>
     <p:extLst>
       <p:ext uri="{BB962C8B-B14F-4D97-AF65-F5344CB8AC3E}">
-        <p14:creationId xmlns:p14="http://schemas.microsoft.com/office/powerpoint/2010/main" val="2185763709"/>
+        <p14:creationId xmlns:p14="http://schemas.microsoft.com/office/powerpoint/2010/main" val="2398802375"/>
       </p:ext>
     </p:extLst>
   </p:cSld>
@@ -9305,7 +9387,7 @@
         <p:spPr>
           <a:xfrm>
             <a:off x="339557" y="1848678"/>
-            <a:ext cx="6821932" cy="1522083"/>
+            <a:ext cx="6821932" cy="1891415"/>
           </a:xfrm>
           <a:prstGeom prst="rect">
             <a:avLst/>
@@ -9401,6 +9483,19 @@
               <a:t> </a:t>
             </a:r>
           </a:p>
+          <a:p>
+            <a:pPr marL="742950" lvl="1" indent="-285750">
+              <a:lnSpc>
+                <a:spcPct val="150000"/>
+              </a:lnSpc>
+              <a:buFont typeface="Arial" panose="020B0604020202020204" pitchFamily="34" charset="0"/>
+              <a:buChar char="•"/>
+            </a:pPr>
+            <a:r>
+              <a:rPr kumimoji="1" lang="en-US" altLang="ko-KR" sz="1600" dirty="0"/>
+              <a:t>L=24, H=1024, A=16, Total Parameters=340M</a:t>
+            </a:r>
+          </a:p>
         </p:txBody>
       </p:sp>
       <p:pic>
@@ -9408,7 +9503,7 @@
           <p:cNvPr id="6" name="그림 5">
             <a:extLst>
               <a:ext uri="{FF2B5EF4-FFF2-40B4-BE49-F238E27FC236}">
-                <a16:creationId xmlns:a16="http://schemas.microsoft.com/office/drawing/2014/main" id="{8A814247-75F3-A64A-B6DD-561748A0153D}"/>
+                <a16:creationId xmlns:a16="http://schemas.microsoft.com/office/drawing/2014/main" id="{53AF246F-515C-A640-967E-B6C144D07A71}"/>
               </a:ext>
             </a:extLst>
           </p:cNvPr>
@@ -9436,7 +9531,7 @@
     </p:spTree>
     <p:extLst>
       <p:ext uri="{BB962C8B-B14F-4D97-AF65-F5344CB8AC3E}">
-        <p14:creationId xmlns:p14="http://schemas.microsoft.com/office/powerpoint/2010/main" val="2398802375"/>
+        <p14:creationId xmlns:p14="http://schemas.microsoft.com/office/powerpoint/2010/main" val="2851038324"/>
       </p:ext>
     </p:extLst>
   </p:cSld>
@@ -9478,7 +9573,7 @@
         <p:spPr>
           <a:xfrm>
             <a:off x="269341" y="1262269"/>
-            <a:ext cx="2626425" cy="454292"/>
+            <a:ext cx="3549690" cy="454292"/>
           </a:xfrm>
           <a:prstGeom prst="rect">
             <a:avLst/>
@@ -9510,7 +9605,23 @@
                   <a:schemeClr val="accent1"/>
                 </a:solidFill>
               </a:rPr>
-              <a:t>– Model Architecture</a:t>
+              <a:t>– </a:t>
+            </a:r>
+            <a:r>
+              <a:rPr kumimoji="1" lang="en-US" altLang="ko-KR" sz="1400" b="1" dirty="0" err="1">
+                <a:solidFill>
+                  <a:schemeClr val="accent1"/>
+                </a:solidFill>
+              </a:rPr>
+              <a:t>Input/Output</a:t>
+            </a:r>
+            <a:r>
+              <a:rPr kumimoji="1" lang="en-US" altLang="ko-KR" sz="1400" b="1" dirty="0">
+                <a:solidFill>
+                  <a:schemeClr val="accent1"/>
+                </a:solidFill>
+              </a:rPr>
+              <a:t> Representations</a:t>
             </a:r>
             <a:endParaRPr kumimoji="1" lang="ko-KR" altLang="en-US" b="1" dirty="0">
               <a:solidFill>
@@ -9555,138 +9666,12 @@
           </a:p>
         </p:txBody>
       </p:sp>
-      <p:sp>
-        <p:nvSpPr>
-          <p:cNvPr id="10" name="TextBox 9">
-            <a:extLst>
-              <a:ext uri="{FF2B5EF4-FFF2-40B4-BE49-F238E27FC236}">
-                <a16:creationId xmlns:a16="http://schemas.microsoft.com/office/drawing/2014/main" id="{D9018E34-C586-5D4D-AF06-B4135027D5B5}"/>
-              </a:ext>
-            </a:extLst>
-          </p:cNvPr>
-          <p:cNvSpPr txBox="1"/>
-          <p:nvPr/>
-        </p:nvSpPr>
-        <p:spPr>
-          <a:xfrm>
-            <a:off x="339557" y="1848678"/>
-            <a:ext cx="6821932" cy="1891415"/>
-          </a:xfrm>
-          <a:prstGeom prst="rect">
-            <a:avLst/>
-          </a:prstGeom>
-          <a:noFill/>
-        </p:spPr>
-        <p:txBody>
-          <a:bodyPr wrap="none" rtlCol="0">
-            <a:spAutoFit/>
-          </a:bodyPr>
-          <a:lstStyle/>
-          <a:p>
-            <a:pPr marL="285750" indent="-285750">
-              <a:lnSpc>
-                <a:spcPct val="150000"/>
-              </a:lnSpc>
-              <a:buFont typeface="Arial" panose="020B0604020202020204" pitchFamily="34" charset="0"/>
-              <a:buChar char="•"/>
-            </a:pPr>
-            <a:r>
-              <a:rPr kumimoji="1" lang="en-US" altLang="ko-KR" sz="1600" dirty="0"/>
-              <a:t>BERT</a:t>
-            </a:r>
-            <a:r>
-              <a:rPr kumimoji="1" lang="ko-KR" altLang="en-US" sz="1600" dirty="0"/>
-              <a:t>의 </a:t>
-            </a:r>
-            <a:r>
-              <a:rPr kumimoji="1" lang="en-US" altLang="ko-KR" sz="1600" dirty="0"/>
-              <a:t>architecture</a:t>
-            </a:r>
-            <a:r>
-              <a:rPr kumimoji="1" lang="ko-KR" altLang="en-US" sz="1600" dirty="0"/>
-              <a:t>는 </a:t>
-            </a:r>
-            <a:r>
-              <a:rPr kumimoji="1" lang="en-US" altLang="ko-KR" sz="1600" dirty="0"/>
-              <a:t>multi-layer bidirectional Transformer encoder.</a:t>
-            </a:r>
-          </a:p>
-          <a:p>
-            <a:pPr marL="285750" indent="-285750">
-              <a:lnSpc>
-                <a:spcPct val="150000"/>
-              </a:lnSpc>
-              <a:buFont typeface="Arial" panose="020B0604020202020204" pitchFamily="34" charset="0"/>
-              <a:buChar char="•"/>
-            </a:pPr>
-            <a:r>
-              <a:rPr kumimoji="1" lang="en-US" altLang="ko-KR" sz="1600" dirty="0"/>
-              <a:t>BERT</a:t>
-            </a:r>
-            <a:r>
-              <a:rPr kumimoji="1" lang="en-US" altLang="ko-KR" sz="1600" baseline="-25000" dirty="0"/>
-              <a:t>BASE</a:t>
-            </a:r>
-            <a:r>
-              <a:rPr kumimoji="1" lang="en-US" altLang="ko-KR" sz="1600" dirty="0"/>
-              <a:t> </a:t>
-            </a:r>
-          </a:p>
-          <a:p>
-            <a:pPr marL="742950" lvl="1" indent="-285750">
-              <a:lnSpc>
-                <a:spcPct val="150000"/>
-              </a:lnSpc>
-              <a:buFont typeface="Arial" panose="020B0604020202020204" pitchFamily="34" charset="0"/>
-              <a:buChar char="•"/>
-            </a:pPr>
-            <a:r>
-              <a:rPr kumimoji="1" lang="en-US" altLang="ko-KR" sz="1600" dirty="0"/>
-              <a:t>L=12, H=768, A=12, Total Parameters=110M</a:t>
-            </a:r>
-          </a:p>
-          <a:p>
-            <a:pPr marL="285750" indent="-285750">
-              <a:lnSpc>
-                <a:spcPct val="150000"/>
-              </a:lnSpc>
-              <a:buFont typeface="Arial" panose="020B0604020202020204" pitchFamily="34" charset="0"/>
-              <a:buChar char="•"/>
-            </a:pPr>
-            <a:r>
-              <a:rPr kumimoji="1" lang="en-US" altLang="ko-KR" sz="1600" dirty="0"/>
-              <a:t>BERT</a:t>
-            </a:r>
-            <a:r>
-              <a:rPr kumimoji="1" lang="en-US" altLang="ko-KR" sz="1600" baseline="-25000" dirty="0"/>
-              <a:t>LARGE</a:t>
-            </a:r>
-            <a:r>
-              <a:rPr kumimoji="1" lang="en-US" altLang="ko-KR" sz="1600" dirty="0"/>
-              <a:t> </a:t>
-            </a:r>
-          </a:p>
-          <a:p>
-            <a:pPr marL="742950" lvl="1" indent="-285750">
-              <a:lnSpc>
-                <a:spcPct val="150000"/>
-              </a:lnSpc>
-              <a:buFont typeface="Arial" panose="020B0604020202020204" pitchFamily="34" charset="0"/>
-              <a:buChar char="•"/>
-            </a:pPr>
-            <a:r>
-              <a:rPr kumimoji="1" lang="en-US" altLang="ko-KR" sz="1600" dirty="0"/>
-              <a:t>L=24, H=1024, A=16, Total Parameters=340M</a:t>
-            </a:r>
-          </a:p>
-        </p:txBody>
-      </p:sp>
       <p:pic>
         <p:nvPicPr>
-          <p:cNvPr id="6" name="그림 5">
-            <a:extLst>
-              <a:ext uri="{FF2B5EF4-FFF2-40B4-BE49-F238E27FC236}">
-                <a16:creationId xmlns:a16="http://schemas.microsoft.com/office/drawing/2014/main" id="{53AF246F-515C-A640-967E-B6C144D07A71}"/>
+          <p:cNvPr id="3" name="그림 2">
+            <a:extLst>
+              <a:ext uri="{FF2B5EF4-FFF2-40B4-BE49-F238E27FC236}">
+                <a16:creationId xmlns:a16="http://schemas.microsoft.com/office/drawing/2014/main" id="{CC2B2685-1FE0-E34B-BE3B-09793A148D02}"/>
               </a:ext>
             </a:extLst>
           </p:cNvPr>
@@ -9703,8 +9688,8 @@
         </p:blipFill>
         <p:spPr>
           <a:xfrm>
-            <a:off x="7721483" y="2079096"/>
-            <a:ext cx="4045658" cy="2699808"/>
+            <a:off x="8129728" y="2437341"/>
+            <a:ext cx="3305528" cy="1983317"/>
           </a:xfrm>
           <a:prstGeom prst="rect">
             <a:avLst/>
@@ -9714,7 +9699,7 @@
     </p:spTree>
     <p:extLst>
       <p:ext uri="{BB962C8B-B14F-4D97-AF65-F5344CB8AC3E}">
-        <p14:creationId xmlns:p14="http://schemas.microsoft.com/office/powerpoint/2010/main" val="2851038324"/>
+        <p14:creationId xmlns:p14="http://schemas.microsoft.com/office/powerpoint/2010/main" val="19930025"/>
       </p:ext>
     </p:extLst>
   </p:cSld>
@@ -9849,6 +9834,79 @@
           </a:p>
         </p:txBody>
       </p:sp>
+      <p:sp>
+        <p:nvSpPr>
+          <p:cNvPr id="10" name="TextBox 9">
+            <a:extLst>
+              <a:ext uri="{FF2B5EF4-FFF2-40B4-BE49-F238E27FC236}">
+                <a16:creationId xmlns:a16="http://schemas.microsoft.com/office/drawing/2014/main" id="{D9018E34-C586-5D4D-AF06-B4135027D5B5}"/>
+              </a:ext>
+            </a:extLst>
+          </p:cNvPr>
+          <p:cNvSpPr txBox="1"/>
+          <p:nvPr/>
+        </p:nvSpPr>
+        <p:spPr>
+          <a:xfrm>
+            <a:off x="339557" y="1848678"/>
+            <a:ext cx="6149312" cy="783420"/>
+          </a:xfrm>
+          <a:prstGeom prst="rect">
+            <a:avLst/>
+          </a:prstGeom>
+          <a:noFill/>
+        </p:spPr>
+        <p:txBody>
+          <a:bodyPr wrap="none" rtlCol="0">
+            <a:spAutoFit/>
+          </a:bodyPr>
+          <a:lstStyle/>
+          <a:p>
+            <a:pPr marL="285750" indent="-285750">
+              <a:lnSpc>
+                <a:spcPct val="150000"/>
+              </a:lnSpc>
+              <a:buFont typeface="Arial" panose="020B0604020202020204" pitchFamily="34" charset="0"/>
+              <a:buChar char="•"/>
+            </a:pPr>
+            <a:r>
+              <a:rPr kumimoji="1" lang="ko-KR" altLang="en-US" sz="1600" dirty="0"/>
+              <a:t>두개의 </a:t>
+            </a:r>
+            <a:r>
+              <a:rPr kumimoji="1" lang="en-US" altLang="ko-KR" sz="1600" dirty="0"/>
+              <a:t>sequence(sentence)</a:t>
+            </a:r>
+            <a:r>
+              <a:rPr kumimoji="1" lang="ko-KR" altLang="en-US" sz="1600" dirty="0" err="1"/>
+              <a:t>를</a:t>
+            </a:r>
+            <a:r>
+              <a:rPr kumimoji="1" lang="ko-KR" altLang="en-US" sz="1600" dirty="0"/>
+              <a:t> 합쳐서 모델의 </a:t>
+            </a:r>
+            <a:r>
+              <a:rPr kumimoji="1" lang="ko-KR" altLang="en-US" sz="1600" dirty="0" err="1"/>
+              <a:t>입력값으로</a:t>
+            </a:r>
+            <a:r>
+              <a:rPr kumimoji="1" lang="ko-KR" altLang="en-US" sz="1600" dirty="0"/>
+              <a:t> 사용</a:t>
+            </a:r>
+            <a:endParaRPr kumimoji="1" lang="en-US" altLang="ko-KR" sz="1600" dirty="0"/>
+          </a:p>
+          <a:p>
+            <a:pPr marL="742950" lvl="1" indent="-285750">
+              <a:lnSpc>
+                <a:spcPct val="150000"/>
+              </a:lnSpc>
+              <a:buFont typeface="Arial" panose="020B0604020202020204" pitchFamily="34" charset="0"/>
+              <a:buChar char="•"/>
+            </a:pPr>
+            <a:endParaRPr kumimoji="1" lang="en-US" altLang="ko-KR" sz="1600" dirty="0"/>
+          </a:p>
+        </p:txBody>
+      </p:sp>
       <p:pic>
         <p:nvPicPr>
           <p:cNvPr id="3" name="그림 2">
@@ -9882,7 +9940,7 @@
     </p:spTree>
     <p:extLst>
       <p:ext uri="{BB962C8B-B14F-4D97-AF65-F5344CB8AC3E}">
-        <p14:creationId xmlns:p14="http://schemas.microsoft.com/office/powerpoint/2010/main" val="19930025"/>
+        <p14:creationId xmlns:p14="http://schemas.microsoft.com/office/powerpoint/2010/main" val="3093497635"/>
       </p:ext>
     </p:extLst>
   </p:cSld>
@@ -10032,7 +10090,7 @@
         <p:spPr>
           <a:xfrm>
             <a:off x="339557" y="1848678"/>
-            <a:ext cx="6149312" cy="783420"/>
+            <a:ext cx="6149312" cy="1152751"/>
           </a:xfrm>
           <a:prstGeom prst="rect">
             <a:avLst/>
@@ -10077,6 +10135,31 @@
               <a:t> 사용</a:t>
             </a:r>
             <a:endParaRPr kumimoji="1" lang="en-US" altLang="ko-KR" sz="1600" dirty="0"/>
+          </a:p>
+          <a:p>
+            <a:pPr marL="285750" indent="-285750">
+              <a:lnSpc>
+                <a:spcPct val="150000"/>
+              </a:lnSpc>
+              <a:buFont typeface="Arial" panose="020B0604020202020204" pitchFamily="34" charset="0"/>
+              <a:buChar char="•"/>
+            </a:pPr>
+            <a:r>
+              <a:rPr kumimoji="1" lang="en-US" altLang="ko-KR" sz="1600" dirty="0" err="1"/>
+              <a:t>WordPeice</a:t>
+            </a:r>
+            <a:r>
+              <a:rPr kumimoji="1" lang="en-US" altLang="ko-KR" sz="1600" dirty="0"/>
+              <a:t> Embedding </a:t>
+            </a:r>
+            <a:r>
+              <a:rPr kumimoji="1" lang="ko-KR" altLang="en-US" sz="1600" dirty="0"/>
+              <a:t>사용</a:t>
+            </a:r>
+            <a:r>
+              <a:rPr kumimoji="1" lang="en-US" altLang="ko-KR" sz="1600" dirty="0"/>
+              <a:t>(vocab size = 30,000)</a:t>
+            </a:r>
           </a:p>
           <a:p>
             <a:pPr marL="742950" lvl="1" indent="-285750">
@@ -10123,7 +10206,7 @@
     </p:spTree>
     <p:extLst>
       <p:ext uri="{BB962C8B-B14F-4D97-AF65-F5344CB8AC3E}">
-        <p14:creationId xmlns:p14="http://schemas.microsoft.com/office/powerpoint/2010/main" val="3093497635"/>
+        <p14:creationId xmlns:p14="http://schemas.microsoft.com/office/powerpoint/2010/main" val="2611247854"/>
       </p:ext>
     </p:extLst>
   </p:cSld>
@@ -10273,7 +10356,7 @@
         <p:spPr>
           <a:xfrm>
             <a:off x="339557" y="1848678"/>
-            <a:ext cx="6149312" cy="1152751"/>
+            <a:ext cx="6149312" cy="1522083"/>
           </a:xfrm>
           <a:prstGeom prst="rect">
             <a:avLst/>
@@ -10343,6 +10426,44 @@
               <a:rPr kumimoji="1" lang="en-US" altLang="ko-KR" sz="1600" dirty="0"/>
               <a:t>(vocab size = 30,000)</a:t>
             </a:r>
+          </a:p>
+          <a:p>
+            <a:pPr marL="285750" indent="-285750">
+              <a:lnSpc>
+                <a:spcPct val="150000"/>
+              </a:lnSpc>
+              <a:buFont typeface="Arial" panose="020B0604020202020204" pitchFamily="34" charset="0"/>
+              <a:buChar char="•"/>
+            </a:pPr>
+            <a:r>
+              <a:rPr kumimoji="1" lang="ko-KR" altLang="en-US" sz="1600" dirty="0"/>
+              <a:t>모든 </a:t>
+            </a:r>
+            <a:r>
+              <a:rPr kumimoji="1" lang="ko-KR" altLang="en-US" sz="1600" dirty="0" err="1"/>
+              <a:t>입력값의</a:t>
+            </a:r>
+            <a:r>
+              <a:rPr kumimoji="1" lang="ko-KR" altLang="en-US" sz="1600" dirty="0"/>
+              <a:t> 시작은 </a:t>
+            </a:r>
+            <a:r>
+              <a:rPr kumimoji="1" lang="en-US" altLang="ko-KR" sz="1600" dirty="0"/>
+              <a:t>[CLS] </a:t>
+            </a:r>
+            <a:r>
+              <a:rPr kumimoji="1" lang="ko-KR" altLang="en-US" sz="1600" dirty="0"/>
+              <a:t>라는 </a:t>
+            </a:r>
+            <a:r>
+              <a:rPr kumimoji="1" lang="en-US" altLang="ko-KR" sz="1600" dirty="0"/>
+              <a:t>special token</a:t>
+            </a:r>
+            <a:r>
+              <a:rPr kumimoji="1" lang="ko-KR" altLang="en-US" sz="1600" dirty="0"/>
+              <a:t>을 사용</a:t>
+            </a:r>
+            <a:endParaRPr kumimoji="1" lang="en-US" altLang="ko-KR" sz="1600" dirty="0"/>
           </a:p>
           <a:p>
             <a:pPr marL="742950" lvl="1" indent="-285750">
@@ -10389,7 +10510,7 @@
     </p:spTree>
     <p:extLst>
       <p:ext uri="{BB962C8B-B14F-4D97-AF65-F5344CB8AC3E}">
-        <p14:creationId xmlns:p14="http://schemas.microsoft.com/office/powerpoint/2010/main" val="2611247854"/>
+        <p14:creationId xmlns:p14="http://schemas.microsoft.com/office/powerpoint/2010/main" val="861345826"/>
       </p:ext>
     </p:extLst>
   </p:cSld>
@@ -10539,7 +10660,7 @@
         <p:spPr>
           <a:xfrm>
             <a:off x="339557" y="1848678"/>
-            <a:ext cx="6149312" cy="1522083"/>
+            <a:ext cx="6149312" cy="1891415"/>
           </a:xfrm>
           <a:prstGeom prst="rect">
             <a:avLst/>
@@ -10645,6 +10766,28 @@
             <a:r>
               <a:rPr kumimoji="1" lang="ko-KR" altLang="en-US" sz="1600" dirty="0"/>
               <a:t>을 사용</a:t>
+            </a:r>
+            <a:endParaRPr kumimoji="1" lang="en-US" altLang="ko-KR" sz="1600" dirty="0"/>
+          </a:p>
+          <a:p>
+            <a:pPr marL="285750" indent="-285750">
+              <a:lnSpc>
+                <a:spcPct val="150000"/>
+              </a:lnSpc>
+              <a:buFont typeface="Arial" panose="020B0604020202020204" pitchFamily="34" charset="0"/>
+              <a:buChar char="•"/>
+            </a:pPr>
+            <a:r>
+              <a:rPr kumimoji="1" lang="ko-KR" altLang="en-US" sz="1600" dirty="0"/>
+              <a:t>두개의 문장을 구분 짓기 위해 </a:t>
+            </a:r>
+            <a:r>
+              <a:rPr kumimoji="1" lang="en-US" altLang="ko-KR" sz="1600" dirty="0"/>
+              <a:t>2</a:t>
+            </a:r>
+            <a:r>
+              <a:rPr kumimoji="1" lang="ko-KR" altLang="en-US" sz="1600" dirty="0"/>
+              <a:t>가지 방법 사용</a:t>
             </a:r>
             <a:endParaRPr kumimoji="1" lang="en-US" altLang="ko-KR" sz="1600" dirty="0"/>
           </a:p>
@@ -10693,7 +10836,7 @@
     </p:spTree>
     <p:extLst>
       <p:ext uri="{BB962C8B-B14F-4D97-AF65-F5344CB8AC3E}">
-        <p14:creationId xmlns:p14="http://schemas.microsoft.com/office/powerpoint/2010/main" val="861345826"/>
+        <p14:creationId xmlns:p14="http://schemas.microsoft.com/office/powerpoint/2010/main" val="3672082408"/>
       </p:ext>
     </p:extLst>
   </p:cSld>
@@ -10843,7 +10986,7 @@
         <p:spPr>
           <a:xfrm>
             <a:off x="339557" y="1848678"/>
-            <a:ext cx="6149312" cy="1891415"/>
+            <a:ext cx="6149312" cy="2260747"/>
           </a:xfrm>
           <a:prstGeom prst="rect">
             <a:avLst/>
@@ -10971,6 +11114,36 @@
             <a:r>
               <a:rPr kumimoji="1" lang="ko-KR" altLang="en-US" sz="1600" dirty="0"/>
               <a:t>가지 방법 사용</a:t>
+            </a:r>
+            <a:endParaRPr kumimoji="1" lang="en-US" altLang="ko-KR" sz="1600" dirty="0"/>
+          </a:p>
+          <a:p>
+            <a:pPr marL="742950" lvl="1" indent="-285750">
+              <a:lnSpc>
+                <a:spcPct val="150000"/>
+              </a:lnSpc>
+              <a:buFont typeface="Arial" panose="020B0604020202020204" pitchFamily="34" charset="0"/>
+              <a:buChar char="•"/>
+            </a:pPr>
+            <a:r>
+              <a:rPr kumimoji="1" lang="ko-KR" altLang="en-US" sz="1600" dirty="0"/>
+              <a:t>각 문장 사이에 </a:t>
+            </a:r>
+            <a:r>
+              <a:rPr kumimoji="1" lang="en-US" altLang="ko-KR" sz="1600" dirty="0"/>
+              <a:t>[SEP] </a:t>
+            </a:r>
+            <a:r>
+              <a:rPr kumimoji="1" lang="ko-KR" altLang="en-US" sz="1600" dirty="0"/>
+              <a:t>라는 </a:t>
+            </a:r>
+            <a:r>
+              <a:rPr kumimoji="1" lang="en-US" altLang="ko-KR" sz="1600" dirty="0"/>
+              <a:t>special token </a:t>
+            </a:r>
+            <a:r>
+              <a:rPr kumimoji="1" lang="ko-KR" altLang="en-US" sz="1600" dirty="0"/>
+              <a:t>넣음</a:t>
             </a:r>
             <a:endParaRPr kumimoji="1" lang="en-US" altLang="ko-KR" sz="1600" dirty="0"/>
           </a:p>
@@ -11019,7 +11192,7 @@
     </p:spTree>
     <p:extLst>
       <p:ext uri="{BB962C8B-B14F-4D97-AF65-F5344CB8AC3E}">
-        <p14:creationId xmlns:p14="http://schemas.microsoft.com/office/powerpoint/2010/main" val="3672082408"/>
+        <p14:creationId xmlns:p14="http://schemas.microsoft.com/office/powerpoint/2010/main" val="4201245846"/>
       </p:ext>
     </p:extLst>
   </p:cSld>
@@ -11372,10 +11545,40 @@
           </a:prstGeom>
         </p:spPr>
       </p:pic>
+      <p:pic>
+        <p:nvPicPr>
+          <p:cNvPr id="2" name="그림 1">
+            <a:extLst>
+              <a:ext uri="{FF2B5EF4-FFF2-40B4-BE49-F238E27FC236}">
+                <a16:creationId xmlns:a16="http://schemas.microsoft.com/office/drawing/2014/main" id="{3A04A8CE-3C5D-EC4A-B08B-4DDF049E1822}"/>
+              </a:ext>
+            </a:extLst>
+          </p:cNvPr>
+          <p:cNvPicPr>
+            <a:picLocks noChangeAspect="1"/>
+          </p:cNvPicPr>
+          <p:nvPr/>
+        </p:nvPicPr>
+        <p:blipFill>
+          <a:blip r:embed="rId3"/>
+          <a:stretch>
+            <a:fillRect/>
+          </a:stretch>
+        </p:blipFill>
+        <p:spPr>
+          <a:xfrm>
+            <a:off x="144323" y="3951893"/>
+            <a:ext cx="7835900" cy="2516639"/>
+          </a:xfrm>
+          <a:prstGeom prst="rect">
+            <a:avLst/>
+          </a:prstGeom>
+        </p:spPr>
+      </p:pic>
     </p:spTree>
     <p:extLst>
       <p:ext uri="{BB962C8B-B14F-4D97-AF65-F5344CB8AC3E}">
-        <p14:creationId xmlns:p14="http://schemas.microsoft.com/office/powerpoint/2010/main" val="4201245846"/>
+        <p14:creationId xmlns:p14="http://schemas.microsoft.com/office/powerpoint/2010/main" val="1936005562"/>
       </p:ext>
     </p:extLst>
   </p:cSld>
@@ -11417,7 +11620,7 @@
         <p:spPr>
           <a:xfrm>
             <a:off x="269341" y="1262269"/>
-            <a:ext cx="3549690" cy="454292"/>
+            <a:ext cx="2134110" cy="454292"/>
           </a:xfrm>
           <a:prstGeom prst="rect">
             <a:avLst/>
@@ -11441,31 +11644,7 @@
                   <a:schemeClr val="accent1"/>
                 </a:solidFill>
               </a:rPr>
-              <a:t>BERT </a:t>
-            </a:r>
-            <a:r>
-              <a:rPr kumimoji="1" lang="en-US" altLang="ko-KR" sz="1400" b="1" dirty="0">
-                <a:solidFill>
-                  <a:schemeClr val="accent1"/>
-                </a:solidFill>
-              </a:rPr>
-              <a:t>– </a:t>
-            </a:r>
-            <a:r>
-              <a:rPr kumimoji="1" lang="en-US" altLang="ko-KR" sz="1400" b="1" dirty="0" err="1">
-                <a:solidFill>
-                  <a:schemeClr val="accent1"/>
-                </a:solidFill>
-              </a:rPr>
-              <a:t>Input/Output</a:t>
-            </a:r>
-            <a:r>
-              <a:rPr kumimoji="1" lang="en-US" altLang="ko-KR" sz="1400" b="1" dirty="0">
-                <a:solidFill>
-                  <a:schemeClr val="accent1"/>
-                </a:solidFill>
-              </a:rPr>
-              <a:t> Representations</a:t>
+              <a:t>Pre-training BERT</a:t>
             </a:r>
             <a:endParaRPr kumimoji="1" lang="ko-KR" altLang="en-US" b="1" dirty="0">
               <a:solidFill>
@@ -11510,200 +11689,12 @@
           </a:p>
         </p:txBody>
       </p:sp>
-      <p:sp>
-        <p:nvSpPr>
-          <p:cNvPr id="10" name="TextBox 9">
-            <a:extLst>
-              <a:ext uri="{FF2B5EF4-FFF2-40B4-BE49-F238E27FC236}">
-                <a16:creationId xmlns:a16="http://schemas.microsoft.com/office/drawing/2014/main" id="{D9018E34-C586-5D4D-AF06-B4135027D5B5}"/>
-              </a:ext>
-            </a:extLst>
-          </p:cNvPr>
-          <p:cNvSpPr txBox="1"/>
-          <p:nvPr/>
-        </p:nvSpPr>
-        <p:spPr>
-          <a:xfrm>
-            <a:off x="339557" y="1848678"/>
-            <a:ext cx="6149312" cy="2260747"/>
-          </a:xfrm>
-          <a:prstGeom prst="rect">
-            <a:avLst/>
-          </a:prstGeom>
-          <a:noFill/>
-        </p:spPr>
-        <p:txBody>
-          <a:bodyPr wrap="none" rtlCol="0">
-            <a:spAutoFit/>
-          </a:bodyPr>
-          <a:lstStyle/>
-          <a:p>
-            <a:pPr marL="285750" indent="-285750">
-              <a:lnSpc>
-                <a:spcPct val="150000"/>
-              </a:lnSpc>
-              <a:buFont typeface="Arial" panose="020B0604020202020204" pitchFamily="34" charset="0"/>
-              <a:buChar char="•"/>
-            </a:pPr>
-            <a:r>
-              <a:rPr kumimoji="1" lang="ko-KR" altLang="en-US" sz="1600" dirty="0"/>
-              <a:t>두개의 </a:t>
-            </a:r>
-            <a:r>
-              <a:rPr kumimoji="1" lang="en-US" altLang="ko-KR" sz="1600" dirty="0"/>
-              <a:t>sequence(sentence)</a:t>
-            </a:r>
-            <a:r>
-              <a:rPr kumimoji="1" lang="ko-KR" altLang="en-US" sz="1600" dirty="0" err="1"/>
-              <a:t>를</a:t>
-            </a:r>
-            <a:r>
-              <a:rPr kumimoji="1" lang="ko-KR" altLang="en-US" sz="1600" dirty="0"/>
-              <a:t> 합쳐서 모델의 </a:t>
-            </a:r>
-            <a:r>
-              <a:rPr kumimoji="1" lang="ko-KR" altLang="en-US" sz="1600" dirty="0" err="1"/>
-              <a:t>입력값으로</a:t>
-            </a:r>
-            <a:r>
-              <a:rPr kumimoji="1" lang="ko-KR" altLang="en-US" sz="1600" dirty="0"/>
-              <a:t> 사용</a:t>
-            </a:r>
-            <a:endParaRPr kumimoji="1" lang="en-US" altLang="ko-KR" sz="1600" dirty="0"/>
-          </a:p>
-          <a:p>
-            <a:pPr marL="285750" indent="-285750">
-              <a:lnSpc>
-                <a:spcPct val="150000"/>
-              </a:lnSpc>
-              <a:buFont typeface="Arial" panose="020B0604020202020204" pitchFamily="34" charset="0"/>
-              <a:buChar char="•"/>
-            </a:pPr>
-            <a:r>
-              <a:rPr kumimoji="1" lang="en-US" altLang="ko-KR" sz="1600" dirty="0" err="1"/>
-              <a:t>WordPeice</a:t>
-            </a:r>
-            <a:r>
-              <a:rPr kumimoji="1" lang="en-US" altLang="ko-KR" sz="1600" dirty="0"/>
-              <a:t> Embedding </a:t>
-            </a:r>
-            <a:r>
-              <a:rPr kumimoji="1" lang="ko-KR" altLang="en-US" sz="1600" dirty="0"/>
-              <a:t>사용</a:t>
-            </a:r>
-            <a:r>
-              <a:rPr kumimoji="1" lang="en-US" altLang="ko-KR" sz="1600" dirty="0"/>
-              <a:t>(vocab size = 30,000)</a:t>
-            </a:r>
-          </a:p>
-          <a:p>
-            <a:pPr marL="285750" indent="-285750">
-              <a:lnSpc>
-                <a:spcPct val="150000"/>
-              </a:lnSpc>
-              <a:buFont typeface="Arial" panose="020B0604020202020204" pitchFamily="34" charset="0"/>
-              <a:buChar char="•"/>
-            </a:pPr>
-            <a:r>
-              <a:rPr kumimoji="1" lang="ko-KR" altLang="en-US" sz="1600" dirty="0"/>
-              <a:t>모든 </a:t>
-            </a:r>
-            <a:r>
-              <a:rPr kumimoji="1" lang="ko-KR" altLang="en-US" sz="1600" dirty="0" err="1"/>
-              <a:t>입력값의</a:t>
-            </a:r>
-            <a:r>
-              <a:rPr kumimoji="1" lang="ko-KR" altLang="en-US" sz="1600" dirty="0"/>
-              <a:t> 시작은 </a:t>
-            </a:r>
-            <a:r>
-              <a:rPr kumimoji="1" lang="en-US" altLang="ko-KR" sz="1600" dirty="0"/>
-              <a:t>[CLS] </a:t>
-            </a:r>
-            <a:r>
-              <a:rPr kumimoji="1" lang="ko-KR" altLang="en-US" sz="1600" dirty="0"/>
-              <a:t>라는 </a:t>
-            </a:r>
-            <a:r>
-              <a:rPr kumimoji="1" lang="en-US" altLang="ko-KR" sz="1600" dirty="0"/>
-              <a:t>special token</a:t>
-            </a:r>
-            <a:r>
-              <a:rPr kumimoji="1" lang="ko-KR" altLang="en-US" sz="1600" dirty="0"/>
-              <a:t>을 사용</a:t>
-            </a:r>
-            <a:endParaRPr kumimoji="1" lang="en-US" altLang="ko-KR" sz="1600" dirty="0"/>
-          </a:p>
-          <a:p>
-            <a:pPr marL="285750" indent="-285750">
-              <a:lnSpc>
-                <a:spcPct val="150000"/>
-              </a:lnSpc>
-              <a:buFont typeface="Arial" panose="020B0604020202020204" pitchFamily="34" charset="0"/>
-              <a:buChar char="•"/>
-            </a:pPr>
-            <a:r>
-              <a:rPr kumimoji="1" lang="ko-KR" altLang="en-US" sz="1600" dirty="0"/>
-              <a:t>두개의 문장을 구분 짓기 위해 </a:t>
-            </a:r>
-            <a:r>
-              <a:rPr kumimoji="1" lang="en-US" altLang="ko-KR" sz="1600" dirty="0"/>
-              <a:t>2</a:t>
-            </a:r>
-            <a:r>
-              <a:rPr kumimoji="1" lang="ko-KR" altLang="en-US" sz="1600" dirty="0"/>
-              <a:t>가지 방법 사용</a:t>
-            </a:r>
-            <a:endParaRPr kumimoji="1" lang="en-US" altLang="ko-KR" sz="1600" dirty="0"/>
-          </a:p>
-          <a:p>
-            <a:pPr marL="742950" lvl="1" indent="-285750">
-              <a:lnSpc>
-                <a:spcPct val="150000"/>
-              </a:lnSpc>
-              <a:buFont typeface="Arial" panose="020B0604020202020204" pitchFamily="34" charset="0"/>
-              <a:buChar char="•"/>
-            </a:pPr>
-            <a:r>
-              <a:rPr kumimoji="1" lang="ko-KR" altLang="en-US" sz="1600" dirty="0"/>
-              <a:t>각 문장 사이에 </a:t>
-            </a:r>
-            <a:r>
-              <a:rPr kumimoji="1" lang="en-US" altLang="ko-KR" sz="1600" dirty="0"/>
-              <a:t>[SEP] </a:t>
-            </a:r>
-            <a:r>
-              <a:rPr kumimoji="1" lang="ko-KR" altLang="en-US" sz="1600" dirty="0"/>
-              <a:t>라는 </a:t>
-            </a:r>
-            <a:r>
-              <a:rPr kumimoji="1" lang="en-US" altLang="ko-KR" sz="1600" dirty="0"/>
-              <a:t>special token </a:t>
-            </a:r>
-            <a:r>
-              <a:rPr kumimoji="1" lang="ko-KR" altLang="en-US" sz="1600" dirty="0"/>
-              <a:t>넣음</a:t>
-            </a:r>
-            <a:endParaRPr kumimoji="1" lang="en-US" altLang="ko-KR" sz="1600" dirty="0"/>
-          </a:p>
-          <a:p>
-            <a:pPr marL="742950" lvl="1" indent="-285750">
-              <a:lnSpc>
-                <a:spcPct val="150000"/>
-              </a:lnSpc>
-              <a:buFont typeface="Arial" panose="020B0604020202020204" pitchFamily="34" charset="0"/>
-              <a:buChar char="•"/>
-            </a:pPr>
-            <a:endParaRPr kumimoji="1" lang="en-US" altLang="ko-KR" sz="1600" dirty="0"/>
-          </a:p>
-        </p:txBody>
-      </p:sp>
       <p:pic>
         <p:nvPicPr>
-          <p:cNvPr id="3" name="그림 2">
-            <a:extLst>
-              <a:ext uri="{FF2B5EF4-FFF2-40B4-BE49-F238E27FC236}">
-                <a16:creationId xmlns:a16="http://schemas.microsoft.com/office/drawing/2014/main" id="{CC2B2685-1FE0-E34B-BE3B-09793A148D02}"/>
+          <p:cNvPr id="6" name="그림 5">
+            <a:extLst>
+              <a:ext uri="{FF2B5EF4-FFF2-40B4-BE49-F238E27FC236}">
+                <a16:creationId xmlns:a16="http://schemas.microsoft.com/office/drawing/2014/main" id="{B5244AC3-4197-C845-867D-9569C5E893ED}"/>
               </a:ext>
             </a:extLst>
           </p:cNvPr>
@@ -11720,38 +11711,8 @@
         </p:blipFill>
         <p:spPr>
           <a:xfrm>
-            <a:off x="8129728" y="2437341"/>
-            <a:ext cx="3305528" cy="1983317"/>
-          </a:xfrm>
-          <a:prstGeom prst="rect">
-            <a:avLst/>
-          </a:prstGeom>
-        </p:spPr>
-      </p:pic>
-      <p:pic>
-        <p:nvPicPr>
-          <p:cNvPr id="2" name="그림 1">
-            <a:extLst>
-              <a:ext uri="{FF2B5EF4-FFF2-40B4-BE49-F238E27FC236}">
-                <a16:creationId xmlns:a16="http://schemas.microsoft.com/office/drawing/2014/main" id="{3A04A8CE-3C5D-EC4A-B08B-4DDF049E1822}"/>
-              </a:ext>
-            </a:extLst>
-          </p:cNvPr>
-          <p:cNvPicPr>
-            <a:picLocks noChangeAspect="1"/>
-          </p:cNvPicPr>
-          <p:nvPr/>
-        </p:nvPicPr>
-        <p:blipFill>
-          <a:blip r:embed="rId3"/>
-          <a:stretch>
-            <a:fillRect/>
-          </a:stretch>
-        </p:blipFill>
-        <p:spPr>
-          <a:xfrm>
-            <a:off x="144323" y="3951893"/>
-            <a:ext cx="7835900" cy="2516639"/>
+            <a:off x="8129728" y="2660579"/>
+            <a:ext cx="3305528" cy="1536839"/>
           </a:xfrm>
           <a:prstGeom prst="rect">
             <a:avLst/>
@@ -11761,7 +11722,7 @@
     </p:spTree>
     <p:extLst>
       <p:ext uri="{BB962C8B-B14F-4D97-AF65-F5344CB8AC3E}">
-        <p14:creationId xmlns:p14="http://schemas.microsoft.com/office/powerpoint/2010/main" val="1936005562"/>
+        <p14:creationId xmlns:p14="http://schemas.microsoft.com/office/powerpoint/2010/main" val="2886362022"/>
       </p:ext>
     </p:extLst>
   </p:cSld>
@@ -12016,6 +11977,48 @@
           </a:p>
         </p:txBody>
       </p:sp>
+      <p:sp>
+        <p:nvSpPr>
+          <p:cNvPr id="10" name="TextBox 9">
+            <a:extLst>
+              <a:ext uri="{FF2B5EF4-FFF2-40B4-BE49-F238E27FC236}">
+                <a16:creationId xmlns:a16="http://schemas.microsoft.com/office/drawing/2014/main" id="{D9018E34-C586-5D4D-AF06-B4135027D5B5}"/>
+              </a:ext>
+            </a:extLst>
+          </p:cNvPr>
+          <p:cNvSpPr txBox="1"/>
+          <p:nvPr/>
+        </p:nvSpPr>
+        <p:spPr>
+          <a:xfrm>
+            <a:off x="339557" y="1848678"/>
+            <a:ext cx="3131370" cy="414088"/>
+          </a:xfrm>
+          <a:prstGeom prst="rect">
+            <a:avLst/>
+          </a:prstGeom>
+          <a:noFill/>
+        </p:spPr>
+        <p:txBody>
+          <a:bodyPr wrap="none" rtlCol="0">
+            <a:spAutoFit/>
+          </a:bodyPr>
+          <a:lstStyle/>
+          <a:p>
+            <a:pPr marL="285750" indent="-285750">
+              <a:lnSpc>
+                <a:spcPct val="150000"/>
+              </a:lnSpc>
+              <a:buFont typeface="Arial" panose="020B0604020202020204" pitchFamily="34" charset="0"/>
+              <a:buChar char="•"/>
+            </a:pPr>
+            <a:r>
+              <a:rPr kumimoji="1" lang="en-US" altLang="ko-KR" sz="1600" dirty="0"/>
+              <a:t>Masked Language Modeling</a:t>
+            </a:r>
+          </a:p>
+        </p:txBody>
+      </p:sp>
       <p:pic>
         <p:nvPicPr>
           <p:cNvPr id="6" name="그림 5">
@@ -12049,7 +12052,7 @@
     </p:spTree>
     <p:extLst>
       <p:ext uri="{BB962C8B-B14F-4D97-AF65-F5344CB8AC3E}">
-        <p14:creationId xmlns:p14="http://schemas.microsoft.com/office/powerpoint/2010/main" val="2886362022"/>
+        <p14:creationId xmlns:p14="http://schemas.microsoft.com/office/powerpoint/2010/main" val="277660241"/>
       </p:ext>
     </p:extLst>
   </p:cSld>
@@ -12175,7 +12178,7 @@
         <p:spPr>
           <a:xfrm>
             <a:off x="339557" y="1848678"/>
-            <a:ext cx="3131370" cy="414088"/>
+            <a:ext cx="3131370" cy="783420"/>
           </a:xfrm>
           <a:prstGeom prst="rect">
             <a:avLst/>
@@ -12198,6 +12201,19 @@
             <a:r>
               <a:rPr kumimoji="1" lang="en-US" altLang="ko-KR" sz="1600" dirty="0"/>
               <a:t>Masked Language Modeling</a:t>
+            </a:r>
+          </a:p>
+          <a:p>
+            <a:pPr marL="285750" indent="-285750">
+              <a:lnSpc>
+                <a:spcPct val="150000"/>
+              </a:lnSpc>
+              <a:buFont typeface="Arial" panose="020B0604020202020204" pitchFamily="34" charset="0"/>
+              <a:buChar char="•"/>
+            </a:pPr>
+            <a:r>
+              <a:rPr kumimoji="1" lang="en-US" altLang="ko-KR" sz="1600" dirty="0"/>
+              <a:t>Next Sentence Prediction</a:t>
             </a:r>
           </a:p>
         </p:txBody>
@@ -12235,7 +12251,7 @@
     </p:spTree>
     <p:extLst>
       <p:ext uri="{BB962C8B-B14F-4D97-AF65-F5344CB8AC3E}">
-        <p14:creationId xmlns:p14="http://schemas.microsoft.com/office/powerpoint/2010/main" val="277660241"/>
+        <p14:creationId xmlns:p14="http://schemas.microsoft.com/office/powerpoint/2010/main" val="4261957676"/>
       </p:ext>
     </p:extLst>
   </p:cSld>
@@ -12277,7 +12293,7 @@
         <p:spPr>
           <a:xfrm>
             <a:off x="269341" y="1262269"/>
-            <a:ext cx="2134110" cy="454292"/>
+            <a:ext cx="3359189" cy="454292"/>
           </a:xfrm>
           <a:prstGeom prst="rect">
             <a:avLst/>
@@ -12301,7 +12317,15 @@
                   <a:schemeClr val="accent1"/>
                 </a:solidFill>
               </a:rPr>
-              <a:t>Pre-training BERT</a:t>
+              <a:t>Pre-training BERT </a:t>
+            </a:r>
+            <a:r>
+              <a:rPr kumimoji="1" lang="en-US" altLang="ko-KR" sz="1400" b="1" dirty="0">
+                <a:solidFill>
+                  <a:schemeClr val="accent1"/>
+                </a:solidFill>
+              </a:rPr>
+              <a:t>– Masked LM</a:t>
             </a:r>
             <a:endParaRPr kumimoji="1" lang="ko-KR" altLang="en-US" b="1" dirty="0">
               <a:solidFill>
@@ -12346,67 +12370,12 @@
           </a:p>
         </p:txBody>
       </p:sp>
-      <p:sp>
-        <p:nvSpPr>
-          <p:cNvPr id="10" name="TextBox 9">
-            <a:extLst>
-              <a:ext uri="{FF2B5EF4-FFF2-40B4-BE49-F238E27FC236}">
-                <a16:creationId xmlns:a16="http://schemas.microsoft.com/office/drawing/2014/main" id="{D9018E34-C586-5D4D-AF06-B4135027D5B5}"/>
-              </a:ext>
-            </a:extLst>
-          </p:cNvPr>
-          <p:cNvSpPr txBox="1"/>
-          <p:nvPr/>
-        </p:nvSpPr>
-        <p:spPr>
-          <a:xfrm>
-            <a:off x="339557" y="1848678"/>
-            <a:ext cx="3131370" cy="783420"/>
-          </a:xfrm>
-          <a:prstGeom prst="rect">
-            <a:avLst/>
-          </a:prstGeom>
-          <a:noFill/>
-        </p:spPr>
-        <p:txBody>
-          <a:bodyPr wrap="none" rtlCol="0">
-            <a:spAutoFit/>
-          </a:bodyPr>
-          <a:lstStyle/>
-          <a:p>
-            <a:pPr marL="285750" indent="-285750">
-              <a:lnSpc>
-                <a:spcPct val="150000"/>
-              </a:lnSpc>
-              <a:buFont typeface="Arial" panose="020B0604020202020204" pitchFamily="34" charset="0"/>
-              <a:buChar char="•"/>
-            </a:pPr>
-            <a:r>
-              <a:rPr kumimoji="1" lang="en-US" altLang="ko-KR" sz="1600" dirty="0"/>
-              <a:t>Masked Language Modeling</a:t>
-            </a:r>
-          </a:p>
-          <a:p>
-            <a:pPr marL="285750" indent="-285750">
-              <a:lnSpc>
-                <a:spcPct val="150000"/>
-              </a:lnSpc>
-              <a:buFont typeface="Arial" panose="020B0604020202020204" pitchFamily="34" charset="0"/>
-              <a:buChar char="•"/>
-            </a:pPr>
-            <a:r>
-              <a:rPr kumimoji="1" lang="en-US" altLang="ko-KR" sz="1600" dirty="0"/>
-              <a:t>Next Sentence Prediction</a:t>
-            </a:r>
-          </a:p>
-        </p:txBody>
-      </p:sp>
       <p:pic>
         <p:nvPicPr>
-          <p:cNvPr id="6" name="그림 5">
-            <a:extLst>
-              <a:ext uri="{FF2B5EF4-FFF2-40B4-BE49-F238E27FC236}">
-                <a16:creationId xmlns:a16="http://schemas.microsoft.com/office/drawing/2014/main" id="{B5244AC3-4197-C845-867D-9569C5E893ED}"/>
+          <p:cNvPr id="2" name="그림 1">
+            <a:extLst>
+              <a:ext uri="{FF2B5EF4-FFF2-40B4-BE49-F238E27FC236}">
+                <a16:creationId xmlns:a16="http://schemas.microsoft.com/office/drawing/2014/main" id="{C2360269-980C-2941-B588-D4AC60186F93}"/>
               </a:ext>
             </a:extLst>
           </p:cNvPr>
@@ -12423,8 +12392,8 @@
         </p:blipFill>
         <p:spPr>
           <a:xfrm>
-            <a:off x="8129728" y="2660579"/>
-            <a:ext cx="3305528" cy="1536839"/>
+            <a:off x="8228579" y="2412929"/>
+            <a:ext cx="3305528" cy="2032141"/>
           </a:xfrm>
           <a:prstGeom prst="rect">
             <a:avLst/>
@@ -12434,7 +12403,7 @@
     </p:spTree>
     <p:extLst>
       <p:ext uri="{BB962C8B-B14F-4D97-AF65-F5344CB8AC3E}">
-        <p14:creationId xmlns:p14="http://schemas.microsoft.com/office/powerpoint/2010/main" val="4261957676"/>
+        <p14:creationId xmlns:p14="http://schemas.microsoft.com/office/powerpoint/2010/main" val="317870270"/>
       </p:ext>
     </p:extLst>
   </p:cSld>
@@ -12553,6 +12522,104 @@
           </a:p>
         </p:txBody>
       </p:sp>
+      <p:sp>
+        <p:nvSpPr>
+          <p:cNvPr id="10" name="TextBox 9">
+            <a:extLst>
+              <a:ext uri="{FF2B5EF4-FFF2-40B4-BE49-F238E27FC236}">
+                <a16:creationId xmlns:a16="http://schemas.microsoft.com/office/drawing/2014/main" id="{D9018E34-C586-5D4D-AF06-B4135027D5B5}"/>
+              </a:ext>
+            </a:extLst>
+          </p:cNvPr>
+          <p:cNvSpPr txBox="1"/>
+          <p:nvPr/>
+        </p:nvSpPr>
+        <p:spPr>
+          <a:xfrm>
+            <a:off x="339557" y="1848678"/>
+            <a:ext cx="6649834" cy="783420"/>
+          </a:xfrm>
+          <a:prstGeom prst="rect">
+            <a:avLst/>
+          </a:prstGeom>
+          <a:noFill/>
+        </p:spPr>
+        <p:txBody>
+          <a:bodyPr wrap="none" rtlCol="0">
+            <a:spAutoFit/>
+          </a:bodyPr>
+          <a:lstStyle/>
+          <a:p>
+            <a:pPr marL="285750" indent="-285750">
+              <a:lnSpc>
+                <a:spcPct val="150000"/>
+              </a:lnSpc>
+              <a:buFont typeface="Arial" panose="020B0604020202020204" pitchFamily="34" charset="0"/>
+              <a:buChar char="•"/>
+            </a:pPr>
+            <a:r>
+              <a:rPr kumimoji="1" lang="ko-KR" altLang="en-US" sz="1600" dirty="0" err="1"/>
+              <a:t>입력값의</a:t>
+            </a:r>
+            <a:r>
+              <a:rPr kumimoji="1" lang="ko-KR" altLang="en-US" sz="1600" dirty="0"/>
+              <a:t> </a:t>
+            </a:r>
+            <a:r>
+              <a:rPr kumimoji="1" lang="en-US" altLang="ko-KR" sz="1600" dirty="0"/>
+              <a:t>15%</a:t>
+            </a:r>
+            <a:r>
+              <a:rPr kumimoji="1" lang="ko-KR" altLang="en-US" sz="1600" dirty="0" err="1"/>
+              <a:t>를</a:t>
+            </a:r>
+            <a:r>
+              <a:rPr kumimoji="1" lang="ko-KR" altLang="en-US" sz="1600" dirty="0"/>
+              <a:t> </a:t>
+            </a:r>
+            <a:r>
+              <a:rPr kumimoji="1" lang="en-US" altLang="ko-KR" sz="1600" dirty="0"/>
+              <a:t>special token</a:t>
+            </a:r>
+            <a:r>
+              <a:rPr kumimoji="1" lang="ko-KR" altLang="en-US" sz="1600" dirty="0"/>
+              <a:t>인 </a:t>
+            </a:r>
+            <a:r>
+              <a:rPr kumimoji="1" lang="en-US" altLang="ko-KR" sz="1600" dirty="0"/>
+              <a:t>[MASK]</a:t>
+            </a:r>
+            <a:r>
+              <a:rPr kumimoji="1" lang="ko-KR" altLang="en-US" sz="1600" dirty="0"/>
+              <a:t>로 바꾼 후</a:t>
+            </a:r>
+            <a:r>
+              <a:rPr kumimoji="1" lang="en-US" altLang="ko-KR" sz="1600" dirty="0"/>
+              <a:t>(Masking)</a:t>
+            </a:r>
+            <a:r>
+              <a:rPr kumimoji="1" lang="ko-KR" altLang="en-US" sz="1600" dirty="0"/>
+              <a:t> 해당 </a:t>
+            </a:r>
+            <a:br>
+              <a:rPr kumimoji="1" lang="en-US" altLang="ko-KR" sz="1600" dirty="0"/>
+            </a:br>
+            <a:r>
+              <a:rPr kumimoji="1" lang="ko-KR" altLang="en-US" sz="1600" dirty="0"/>
+              <a:t>단어들을</a:t>
+            </a:r>
+            <a:r>
+              <a:rPr kumimoji="1" lang="en-US" altLang="ko-KR" sz="1600" dirty="0"/>
+              <a:t> </a:t>
+            </a:r>
+            <a:r>
+              <a:rPr kumimoji="1" lang="ko-KR" altLang="en-US" sz="1600" dirty="0"/>
+              <a:t>예측하는 것을 학습</a:t>
+            </a:r>
+            <a:endParaRPr kumimoji="1" lang="en-US" altLang="ko-KR" sz="1600" dirty="0"/>
+          </a:p>
+        </p:txBody>
+      </p:sp>
       <p:pic>
         <p:nvPicPr>
           <p:cNvPr id="2" name="그림 1">
@@ -12586,7 +12653,7 @@
     </p:spTree>
     <p:extLst>
       <p:ext uri="{BB962C8B-B14F-4D97-AF65-F5344CB8AC3E}">
-        <p14:creationId xmlns:p14="http://schemas.microsoft.com/office/powerpoint/2010/main" val="317870270"/>
+        <p14:creationId xmlns:p14="http://schemas.microsoft.com/office/powerpoint/2010/main" val="1323037365"/>
       </p:ext>
     </p:extLst>
   </p:cSld>
@@ -12720,7 +12787,7 @@
         <p:spPr>
           <a:xfrm>
             <a:off x="339557" y="1848678"/>
-            <a:ext cx="6649834" cy="783420"/>
+            <a:ext cx="6857583" cy="1522083"/>
           </a:xfrm>
           <a:prstGeom prst="rect">
             <a:avLst/>
@@ -12800,6 +12867,58 @@
               <a:t>예측하는 것을 학습</a:t>
             </a:r>
             <a:endParaRPr kumimoji="1" lang="en-US" altLang="ko-KR" sz="1600" dirty="0"/>
+          </a:p>
+          <a:p>
+            <a:pPr marL="285750" indent="-285750">
+              <a:lnSpc>
+                <a:spcPct val="150000"/>
+              </a:lnSpc>
+              <a:buFont typeface="Arial" panose="020B0604020202020204" pitchFamily="34" charset="0"/>
+              <a:buChar char="•"/>
+            </a:pPr>
+            <a:r>
+              <a:rPr kumimoji="1" lang="en-US" altLang="ko-KR" sz="1600" dirty="0"/>
+              <a:t>[MASK] token</a:t>
+            </a:r>
+            <a:r>
+              <a:rPr kumimoji="1" lang="ko-KR" altLang="en-US" sz="1600" dirty="0"/>
+              <a:t>을 사용함으로써 </a:t>
+            </a:r>
+            <a:r>
+              <a:rPr kumimoji="1" lang="en-US" altLang="ko-KR" sz="1600" dirty="0"/>
+              <a:t>bidirectional </a:t>
+            </a:r>
+            <a:r>
+              <a:rPr kumimoji="1" lang="ko-KR" altLang="en-US" sz="1600" dirty="0"/>
+              <a:t>한 </a:t>
+            </a:r>
+            <a:r>
+              <a:rPr kumimoji="1" lang="en-US" altLang="ko-KR" sz="1600" dirty="0"/>
+              <a:t>representation</a:t>
+            </a:r>
+            <a:r>
+              <a:rPr kumimoji="1" lang="ko-KR" altLang="en-US" sz="1600" dirty="0"/>
+              <a:t>을 학습</a:t>
+            </a:r>
+            <a:br>
+              <a:rPr kumimoji="1" lang="en-US" altLang="ko-KR" sz="1600" dirty="0"/>
+            </a:br>
+            <a:r>
+              <a:rPr kumimoji="1" lang="ko-KR" altLang="en-US" sz="1600" dirty="0"/>
+              <a:t>할 수 있지만</a:t>
+            </a:r>
+            <a:r>
+              <a:rPr kumimoji="1" lang="en-US" altLang="ko-KR" sz="1600" dirty="0"/>
+              <a:t>, fine-tuning </a:t>
+            </a:r>
+            <a:r>
+              <a:rPr kumimoji="1" lang="ko-KR" altLang="en-US" sz="1600" dirty="0"/>
+              <a:t>단계에서 문제 발생시킴</a:t>
+            </a:r>
+            <a:r>
+              <a:rPr kumimoji="1" lang="en-US" altLang="ko-KR" sz="1600" dirty="0"/>
+              <a:t>.</a:t>
+            </a:r>
           </a:p>
         </p:txBody>
       </p:sp>
@@ -12836,7 +12955,7 @@
     </p:spTree>
     <p:extLst>
       <p:ext uri="{BB962C8B-B14F-4D97-AF65-F5344CB8AC3E}">
-        <p14:creationId xmlns:p14="http://schemas.microsoft.com/office/powerpoint/2010/main" val="1323037365"/>
+        <p14:creationId xmlns:p14="http://schemas.microsoft.com/office/powerpoint/2010/main" val="2464697598"/>
       </p:ext>
     </p:extLst>
   </p:cSld>
@@ -12970,7 +13089,7 @@
         <p:spPr>
           <a:xfrm>
             <a:off x="339557" y="1848678"/>
-            <a:ext cx="6857583" cy="1522083"/>
+            <a:ext cx="6857583" cy="2260747"/>
           </a:xfrm>
           <a:prstGeom prst="rect">
             <a:avLst/>
@@ -13102,6 +13221,47 @@
               <a:rPr kumimoji="1" lang="en-US" altLang="ko-KR" sz="1600" dirty="0"/>
               <a:t>.</a:t>
             </a:r>
+          </a:p>
+          <a:p>
+            <a:pPr marL="742950" lvl="1" indent="-285750">
+              <a:lnSpc>
+                <a:spcPct val="150000"/>
+              </a:lnSpc>
+              <a:buFont typeface="Arial" panose="020B0604020202020204" pitchFamily="34" charset="0"/>
+              <a:buChar char="•"/>
+            </a:pPr>
+            <a:r>
+              <a:rPr kumimoji="1" lang="ko-KR" altLang="en-US" sz="1600" dirty="0"/>
+              <a:t>학습된 </a:t>
+            </a:r>
+            <a:r>
+              <a:rPr kumimoji="1" lang="en-US" altLang="ko-KR" sz="1600" dirty="0"/>
+              <a:t>[MASK] token</a:t>
+            </a:r>
+            <a:r>
+              <a:rPr kumimoji="1" lang="ko-KR" altLang="en-US" sz="1600" dirty="0"/>
+              <a:t>은 </a:t>
+            </a:r>
+            <a:r>
+              <a:rPr kumimoji="1" lang="en-US" altLang="ko-KR" sz="1600" dirty="0"/>
+              <a:t>fine-tuning </a:t>
+            </a:r>
+            <a:r>
+              <a:rPr kumimoji="1" lang="ko-KR" altLang="en-US" sz="1600" dirty="0"/>
+              <a:t>단계에서 나오지 않는다는</a:t>
+            </a:r>
+            <a:br>
+              <a:rPr kumimoji="1" lang="en-US" altLang="ko-KR" sz="1600" dirty="0"/>
+            </a:br>
+            <a:r>
+              <a:rPr kumimoji="1" lang="en-US" altLang="ko-KR" sz="1600" dirty="0"/>
+              <a:t>mismatch </a:t>
+            </a:r>
+            <a:r>
+              <a:rPr kumimoji="1" lang="ko-KR" altLang="en-US" sz="1600" dirty="0"/>
+              <a:t>발생</a:t>
+            </a:r>
+            <a:endParaRPr kumimoji="1" lang="en-US" altLang="ko-KR" sz="1600" dirty="0"/>
           </a:p>
         </p:txBody>
       </p:sp>
@@ -13138,7 +13298,7 @@
     </p:spTree>
     <p:extLst>
       <p:ext uri="{BB962C8B-B14F-4D97-AF65-F5344CB8AC3E}">
-        <p14:creationId xmlns:p14="http://schemas.microsoft.com/office/powerpoint/2010/main" val="2464697598"/>
+        <p14:creationId xmlns:p14="http://schemas.microsoft.com/office/powerpoint/2010/main" val="1428606476"/>
       </p:ext>
     </p:extLst>
   </p:cSld>
@@ -13272,7 +13432,7 @@
         <p:spPr>
           <a:xfrm>
             <a:off x="339557" y="1848678"/>
-            <a:ext cx="6857583" cy="2260747"/>
+            <a:ext cx="7095469" cy="2630079"/>
           </a:xfrm>
           <a:prstGeom prst="rect">
             <a:avLst/>
@@ -13443,6 +13603,40 @@
             <a:r>
               <a:rPr kumimoji="1" lang="ko-KR" altLang="en-US" sz="1600" dirty="0"/>
               <a:t>발생</a:t>
+            </a:r>
+            <a:endParaRPr kumimoji="1" lang="en-US" altLang="ko-KR" sz="1600" dirty="0"/>
+          </a:p>
+          <a:p>
+            <a:pPr marL="742950" lvl="1" indent="-285750">
+              <a:lnSpc>
+                <a:spcPct val="150000"/>
+              </a:lnSpc>
+              <a:buFont typeface="Arial" panose="020B0604020202020204" pitchFamily="34" charset="0"/>
+              <a:buChar char="•"/>
+            </a:pPr>
+            <a:r>
+              <a:rPr kumimoji="1" lang="ko-KR" altLang="en-US" sz="1600" dirty="0"/>
+              <a:t>이를 </a:t>
+            </a:r>
+            <a:r>
+              <a:rPr kumimoji="1" lang="ko-KR" altLang="en-US" sz="1600" dirty="0" err="1"/>
+              <a:t>해결위해</a:t>
+            </a:r>
+            <a:r>
+              <a:rPr kumimoji="1" lang="ko-KR" altLang="en-US" sz="1600" dirty="0"/>
+              <a:t> 단어를 </a:t>
+            </a:r>
+            <a:r>
+              <a:rPr kumimoji="1" lang="en-US" altLang="ko-KR" sz="1600" dirty="0"/>
+              <a:t>[MASK] token</a:t>
+            </a:r>
+            <a:r>
+              <a:rPr kumimoji="1" lang="ko-KR" altLang="en-US" sz="1600" dirty="0" err="1"/>
+              <a:t>으로</a:t>
+            </a:r>
+            <a:r>
+              <a:rPr kumimoji="1" lang="ko-KR" altLang="en-US" sz="1600" dirty="0"/>
+              <a:t> 바꾸는 것 중 일부를 수정</a:t>
             </a:r>
             <a:endParaRPr kumimoji="1" lang="en-US" altLang="ko-KR" sz="1600" dirty="0"/>
           </a:p>
@@ -13481,7 +13675,7 @@
     </p:spTree>
     <p:extLst>
       <p:ext uri="{BB962C8B-B14F-4D97-AF65-F5344CB8AC3E}">
-        <p14:creationId xmlns:p14="http://schemas.microsoft.com/office/powerpoint/2010/main" val="1428606476"/>
+        <p14:creationId xmlns:p14="http://schemas.microsoft.com/office/powerpoint/2010/main" val="534413272"/>
       </p:ext>
     </p:extLst>
   </p:cSld>
@@ -13615,7 +13809,7 @@
         <p:spPr>
           <a:xfrm>
             <a:off x="339557" y="1848678"/>
-            <a:ext cx="7095469" cy="2630079"/>
+            <a:ext cx="7095469" cy="3738075"/>
           </a:xfrm>
           <a:prstGeom prst="rect">
             <a:avLst/>
@@ -13822,6 +14016,45 @@
               <a:t> 바꾸는 것 중 일부를 수정</a:t>
             </a:r>
             <a:endParaRPr kumimoji="1" lang="en-US" altLang="ko-KR" sz="1600" dirty="0"/>
+          </a:p>
+          <a:p>
+            <a:pPr marL="1200150" lvl="2" indent="-285750">
+              <a:lnSpc>
+                <a:spcPct val="150000"/>
+              </a:lnSpc>
+              <a:buFont typeface="Arial" panose="020B0604020202020204" pitchFamily="34" charset="0"/>
+              <a:buChar char="•"/>
+            </a:pPr>
+            <a:r>
+              <a:rPr kumimoji="1" lang="en-US" altLang="ko-KR" sz="1600" dirty="0"/>
+              <a:t>80% : replace [MASK] token</a:t>
+            </a:r>
+          </a:p>
+          <a:p>
+            <a:pPr marL="1200150" lvl="2" indent="-285750">
+              <a:lnSpc>
+                <a:spcPct val="150000"/>
+              </a:lnSpc>
+              <a:buFont typeface="Arial" panose="020B0604020202020204" pitchFamily="34" charset="0"/>
+              <a:buChar char="•"/>
+            </a:pPr>
+            <a:r>
+              <a:rPr kumimoji="1" lang="en-US" altLang="ko-KR" sz="1600" dirty="0"/>
+              <a:t>10% : replace random token</a:t>
+            </a:r>
+          </a:p>
+          <a:p>
+            <a:pPr marL="1200150" lvl="2" indent="-285750">
+              <a:lnSpc>
+                <a:spcPct val="150000"/>
+              </a:lnSpc>
+              <a:buFont typeface="Arial" panose="020B0604020202020204" pitchFamily="34" charset="0"/>
+              <a:buChar char="•"/>
+            </a:pPr>
+            <a:r>
+              <a:rPr kumimoji="1" lang="en-US" altLang="ko-KR" sz="1600" dirty="0"/>
+              <a:t>10% : unchanged</a:t>
+            </a:r>
           </a:p>
         </p:txBody>
       </p:sp>
@@ -13858,7 +14091,7 @@
     </p:spTree>
     <p:extLst>
       <p:ext uri="{BB962C8B-B14F-4D97-AF65-F5344CB8AC3E}">
-        <p14:creationId xmlns:p14="http://schemas.microsoft.com/office/powerpoint/2010/main" val="534413272"/>
+        <p14:creationId xmlns:p14="http://schemas.microsoft.com/office/powerpoint/2010/main" val="3298529593"/>
       </p:ext>
     </p:extLst>
   </p:cSld>
@@ -14271,10 +14504,40 @@
           </a:prstGeom>
         </p:spPr>
       </p:pic>
+      <p:pic>
+        <p:nvPicPr>
+          <p:cNvPr id="3" name="그림 2">
+            <a:extLst>
+              <a:ext uri="{FF2B5EF4-FFF2-40B4-BE49-F238E27FC236}">
+                <a16:creationId xmlns:a16="http://schemas.microsoft.com/office/drawing/2014/main" id="{7EE46B45-A779-A74F-8E24-CEF5586F6FA1}"/>
+              </a:ext>
+            </a:extLst>
+          </p:cNvPr>
+          <p:cNvPicPr>
+            <a:picLocks noChangeAspect="1"/>
+          </p:cNvPicPr>
+          <p:nvPr/>
+        </p:nvPicPr>
+        <p:blipFill>
+          <a:blip r:embed="rId3"/>
+          <a:stretch>
+            <a:fillRect/>
+          </a:stretch>
+        </p:blipFill>
+        <p:spPr>
+          <a:xfrm>
+            <a:off x="8228579" y="1559961"/>
+            <a:ext cx="3302508" cy="3738075"/>
+          </a:xfrm>
+          <a:prstGeom prst="rect">
+            <a:avLst/>
+          </a:prstGeom>
+        </p:spPr>
+      </p:pic>
     </p:spTree>
     <p:extLst>
       <p:ext uri="{BB962C8B-B14F-4D97-AF65-F5344CB8AC3E}">
-        <p14:creationId xmlns:p14="http://schemas.microsoft.com/office/powerpoint/2010/main" val="3298529593"/>
+        <p14:creationId xmlns:p14="http://schemas.microsoft.com/office/powerpoint/2010/main" val="214938388"/>
       </p:ext>
     </p:extLst>
   </p:cSld>
@@ -14316,7 +14579,7 @@
         <p:spPr>
           <a:xfrm>
             <a:off x="269341" y="1262269"/>
-            <a:ext cx="3359189" cy="454292"/>
+            <a:ext cx="5025863" cy="454292"/>
           </a:xfrm>
           <a:prstGeom prst="rect">
             <a:avLst/>
@@ -14348,7 +14611,7 @@
                   <a:schemeClr val="accent1"/>
                 </a:solidFill>
               </a:rPr>
-              <a:t>– Masked LM</a:t>
+              <a:t>– Next Sentence Prediction(NSP)</a:t>
             </a:r>
             <a:endParaRPr kumimoji="1" lang="ko-KR" altLang="en-US" b="1" dirty="0">
               <a:solidFill>
@@ -14393,276 +14656,12 @@
           </a:p>
         </p:txBody>
       </p:sp>
-      <p:sp>
-        <p:nvSpPr>
-          <p:cNvPr id="10" name="TextBox 9">
-            <a:extLst>
-              <a:ext uri="{FF2B5EF4-FFF2-40B4-BE49-F238E27FC236}">
-                <a16:creationId xmlns:a16="http://schemas.microsoft.com/office/drawing/2014/main" id="{D9018E34-C586-5D4D-AF06-B4135027D5B5}"/>
-              </a:ext>
-            </a:extLst>
-          </p:cNvPr>
-          <p:cNvSpPr txBox="1"/>
-          <p:nvPr/>
-        </p:nvSpPr>
-        <p:spPr>
-          <a:xfrm>
-            <a:off x="339557" y="1848678"/>
-            <a:ext cx="7095469" cy="3738075"/>
-          </a:xfrm>
-          <a:prstGeom prst="rect">
-            <a:avLst/>
-          </a:prstGeom>
-          <a:noFill/>
-        </p:spPr>
-        <p:txBody>
-          <a:bodyPr wrap="none" rtlCol="0">
-            <a:spAutoFit/>
-          </a:bodyPr>
-          <a:lstStyle/>
-          <a:p>
-            <a:pPr marL="285750" indent="-285750">
-              <a:lnSpc>
-                <a:spcPct val="150000"/>
-              </a:lnSpc>
-              <a:buFont typeface="Arial" panose="020B0604020202020204" pitchFamily="34" charset="0"/>
-              <a:buChar char="•"/>
-            </a:pPr>
-            <a:r>
-              <a:rPr kumimoji="1" lang="ko-KR" altLang="en-US" sz="1600" dirty="0" err="1"/>
-              <a:t>입력값의</a:t>
-            </a:r>
-            <a:r>
-              <a:rPr kumimoji="1" lang="ko-KR" altLang="en-US" sz="1600" dirty="0"/>
-              <a:t> </a:t>
-            </a:r>
-            <a:r>
-              <a:rPr kumimoji="1" lang="en-US" altLang="ko-KR" sz="1600" dirty="0"/>
-              <a:t>15%</a:t>
-            </a:r>
-            <a:r>
-              <a:rPr kumimoji="1" lang="ko-KR" altLang="en-US" sz="1600" dirty="0" err="1"/>
-              <a:t>를</a:t>
-            </a:r>
-            <a:r>
-              <a:rPr kumimoji="1" lang="ko-KR" altLang="en-US" sz="1600" dirty="0"/>
-              <a:t> </a:t>
-            </a:r>
-            <a:r>
-              <a:rPr kumimoji="1" lang="en-US" altLang="ko-KR" sz="1600" dirty="0"/>
-              <a:t>special token</a:t>
-            </a:r>
-            <a:r>
-              <a:rPr kumimoji="1" lang="ko-KR" altLang="en-US" sz="1600" dirty="0"/>
-              <a:t>인 </a:t>
-            </a:r>
-            <a:r>
-              <a:rPr kumimoji="1" lang="en-US" altLang="ko-KR" sz="1600" dirty="0"/>
-              <a:t>[MASK]</a:t>
-            </a:r>
-            <a:r>
-              <a:rPr kumimoji="1" lang="ko-KR" altLang="en-US" sz="1600" dirty="0"/>
-              <a:t>로 바꾼 후</a:t>
-            </a:r>
-            <a:r>
-              <a:rPr kumimoji="1" lang="en-US" altLang="ko-KR" sz="1600" dirty="0"/>
-              <a:t>(Masking)</a:t>
-            </a:r>
-            <a:r>
-              <a:rPr kumimoji="1" lang="ko-KR" altLang="en-US" sz="1600" dirty="0"/>
-              <a:t> 해당 </a:t>
-            </a:r>
-            <a:br>
-              <a:rPr kumimoji="1" lang="en-US" altLang="ko-KR" sz="1600" dirty="0"/>
-            </a:br>
-            <a:r>
-              <a:rPr kumimoji="1" lang="ko-KR" altLang="en-US" sz="1600" dirty="0"/>
-              <a:t>단어들을</a:t>
-            </a:r>
-            <a:r>
-              <a:rPr kumimoji="1" lang="en-US" altLang="ko-KR" sz="1600" dirty="0"/>
-              <a:t> </a:t>
-            </a:r>
-            <a:r>
-              <a:rPr kumimoji="1" lang="ko-KR" altLang="en-US" sz="1600" dirty="0"/>
-              <a:t>예측하는 것을 학습</a:t>
-            </a:r>
-            <a:endParaRPr kumimoji="1" lang="en-US" altLang="ko-KR" sz="1600" dirty="0"/>
-          </a:p>
-          <a:p>
-            <a:pPr marL="285750" indent="-285750">
-              <a:lnSpc>
-                <a:spcPct val="150000"/>
-              </a:lnSpc>
-              <a:buFont typeface="Arial" panose="020B0604020202020204" pitchFamily="34" charset="0"/>
-              <a:buChar char="•"/>
-            </a:pPr>
-            <a:r>
-              <a:rPr kumimoji="1" lang="en-US" altLang="ko-KR" sz="1600" dirty="0"/>
-              <a:t>[MASK] token</a:t>
-            </a:r>
-            <a:r>
-              <a:rPr kumimoji="1" lang="ko-KR" altLang="en-US" sz="1600" dirty="0"/>
-              <a:t>을 사용함으로써 </a:t>
-            </a:r>
-            <a:r>
-              <a:rPr kumimoji="1" lang="en-US" altLang="ko-KR" sz="1600" dirty="0"/>
-              <a:t>bidirectional </a:t>
-            </a:r>
-            <a:r>
-              <a:rPr kumimoji="1" lang="ko-KR" altLang="en-US" sz="1600" dirty="0"/>
-              <a:t>한 </a:t>
-            </a:r>
-            <a:r>
-              <a:rPr kumimoji="1" lang="en-US" altLang="ko-KR" sz="1600" dirty="0"/>
-              <a:t>representation</a:t>
-            </a:r>
-            <a:r>
-              <a:rPr kumimoji="1" lang="ko-KR" altLang="en-US" sz="1600" dirty="0"/>
-              <a:t>을 학습</a:t>
-            </a:r>
-            <a:br>
-              <a:rPr kumimoji="1" lang="en-US" altLang="ko-KR" sz="1600" dirty="0"/>
-            </a:br>
-            <a:r>
-              <a:rPr kumimoji="1" lang="ko-KR" altLang="en-US" sz="1600" dirty="0"/>
-              <a:t>할 수 있지만</a:t>
-            </a:r>
-            <a:r>
-              <a:rPr kumimoji="1" lang="en-US" altLang="ko-KR" sz="1600" dirty="0"/>
-              <a:t>, fine-tuning </a:t>
-            </a:r>
-            <a:r>
-              <a:rPr kumimoji="1" lang="ko-KR" altLang="en-US" sz="1600" dirty="0"/>
-              <a:t>단계에서 문제 발생시킴</a:t>
-            </a:r>
-            <a:r>
-              <a:rPr kumimoji="1" lang="en-US" altLang="ko-KR" sz="1600" dirty="0"/>
-              <a:t>.</a:t>
-            </a:r>
-          </a:p>
-          <a:p>
-            <a:pPr marL="742950" lvl="1" indent="-285750">
-              <a:lnSpc>
-                <a:spcPct val="150000"/>
-              </a:lnSpc>
-              <a:buFont typeface="Arial" panose="020B0604020202020204" pitchFamily="34" charset="0"/>
-              <a:buChar char="•"/>
-            </a:pPr>
-            <a:r>
-              <a:rPr kumimoji="1" lang="ko-KR" altLang="en-US" sz="1600" dirty="0"/>
-              <a:t>학습된 </a:t>
-            </a:r>
-            <a:r>
-              <a:rPr kumimoji="1" lang="en-US" altLang="ko-KR" sz="1600" dirty="0"/>
-              <a:t>[MASK] token</a:t>
-            </a:r>
-            <a:r>
-              <a:rPr kumimoji="1" lang="ko-KR" altLang="en-US" sz="1600" dirty="0"/>
-              <a:t>은 </a:t>
-            </a:r>
-            <a:r>
-              <a:rPr kumimoji="1" lang="en-US" altLang="ko-KR" sz="1600" dirty="0"/>
-              <a:t>fine-tuning </a:t>
-            </a:r>
-            <a:r>
-              <a:rPr kumimoji="1" lang="ko-KR" altLang="en-US" sz="1600" dirty="0"/>
-              <a:t>단계에서 나오지 않는다는</a:t>
-            </a:r>
-            <a:br>
-              <a:rPr kumimoji="1" lang="en-US" altLang="ko-KR" sz="1600" dirty="0"/>
-            </a:br>
-            <a:r>
-              <a:rPr kumimoji="1" lang="en-US" altLang="ko-KR" sz="1600" dirty="0"/>
-              <a:t>mismatch </a:t>
-            </a:r>
-            <a:r>
-              <a:rPr kumimoji="1" lang="ko-KR" altLang="en-US" sz="1600" dirty="0"/>
-              <a:t>발생</a:t>
-            </a:r>
-            <a:endParaRPr kumimoji="1" lang="en-US" altLang="ko-KR" sz="1600" dirty="0"/>
-          </a:p>
-          <a:p>
-            <a:pPr marL="742950" lvl="1" indent="-285750">
-              <a:lnSpc>
-                <a:spcPct val="150000"/>
-              </a:lnSpc>
-              <a:buFont typeface="Arial" panose="020B0604020202020204" pitchFamily="34" charset="0"/>
-              <a:buChar char="•"/>
-            </a:pPr>
-            <a:r>
-              <a:rPr kumimoji="1" lang="ko-KR" altLang="en-US" sz="1600" dirty="0"/>
-              <a:t>이를 </a:t>
-            </a:r>
-            <a:r>
-              <a:rPr kumimoji="1" lang="ko-KR" altLang="en-US" sz="1600" dirty="0" err="1"/>
-              <a:t>해결위해</a:t>
-            </a:r>
-            <a:r>
-              <a:rPr kumimoji="1" lang="ko-KR" altLang="en-US" sz="1600" dirty="0"/>
-              <a:t> 단어를 </a:t>
-            </a:r>
-            <a:r>
-              <a:rPr kumimoji="1" lang="en-US" altLang="ko-KR" sz="1600" dirty="0"/>
-              <a:t>[MASK] token</a:t>
-            </a:r>
-            <a:r>
-              <a:rPr kumimoji="1" lang="ko-KR" altLang="en-US" sz="1600" dirty="0" err="1"/>
-              <a:t>으로</a:t>
-            </a:r>
-            <a:r>
-              <a:rPr kumimoji="1" lang="ko-KR" altLang="en-US" sz="1600" dirty="0"/>
-              <a:t> 바꾸는 것 중 일부를 수정</a:t>
-            </a:r>
-            <a:endParaRPr kumimoji="1" lang="en-US" altLang="ko-KR" sz="1600" dirty="0"/>
-          </a:p>
-          <a:p>
-            <a:pPr marL="1200150" lvl="2" indent="-285750">
-              <a:lnSpc>
-                <a:spcPct val="150000"/>
-              </a:lnSpc>
-              <a:buFont typeface="Arial" panose="020B0604020202020204" pitchFamily="34" charset="0"/>
-              <a:buChar char="•"/>
-            </a:pPr>
-            <a:r>
-              <a:rPr kumimoji="1" lang="en-US" altLang="ko-KR" sz="1600" dirty="0"/>
-              <a:t>80% : replace [MASK] token</a:t>
-            </a:r>
-          </a:p>
-          <a:p>
-            <a:pPr marL="1200150" lvl="2" indent="-285750">
-              <a:lnSpc>
-                <a:spcPct val="150000"/>
-              </a:lnSpc>
-              <a:buFont typeface="Arial" panose="020B0604020202020204" pitchFamily="34" charset="0"/>
-              <a:buChar char="•"/>
-            </a:pPr>
-            <a:r>
-              <a:rPr kumimoji="1" lang="en-US" altLang="ko-KR" sz="1600" dirty="0"/>
-              <a:t>10% : replace random token</a:t>
-            </a:r>
-          </a:p>
-          <a:p>
-            <a:pPr marL="1200150" lvl="2" indent="-285750">
-              <a:lnSpc>
-                <a:spcPct val="150000"/>
-              </a:lnSpc>
-              <a:buFont typeface="Arial" panose="020B0604020202020204" pitchFamily="34" charset="0"/>
-              <a:buChar char="•"/>
-            </a:pPr>
-            <a:r>
-              <a:rPr kumimoji="1" lang="en-US" altLang="ko-KR" sz="1600" dirty="0"/>
-              <a:t>10% : unchanged</a:t>
-            </a:r>
-          </a:p>
-        </p:txBody>
-      </p:sp>
       <p:pic>
         <p:nvPicPr>
-          <p:cNvPr id="2" name="그림 1">
-            <a:extLst>
-              <a:ext uri="{FF2B5EF4-FFF2-40B4-BE49-F238E27FC236}">
-                <a16:creationId xmlns:a16="http://schemas.microsoft.com/office/drawing/2014/main" id="{C2360269-980C-2941-B588-D4AC60186F93}"/>
+          <p:cNvPr id="8" name="그림 7">
+            <a:extLst>
+              <a:ext uri="{FF2B5EF4-FFF2-40B4-BE49-F238E27FC236}">
+                <a16:creationId xmlns:a16="http://schemas.microsoft.com/office/drawing/2014/main" id="{F36005BF-85EE-0840-AEE9-A55C1B6268D8}"/>
               </a:ext>
             </a:extLst>
           </p:cNvPr>
@@ -14679,36 +14678,6 @@
         </p:blipFill>
         <p:spPr>
           <a:xfrm>
-            <a:off x="8228579" y="2412929"/>
-            <a:ext cx="3305528" cy="2032141"/>
-          </a:xfrm>
-          <a:prstGeom prst="rect">
-            <a:avLst/>
-          </a:prstGeom>
-        </p:spPr>
-      </p:pic>
-      <p:pic>
-        <p:nvPicPr>
-          <p:cNvPr id="3" name="그림 2">
-            <a:extLst>
-              <a:ext uri="{FF2B5EF4-FFF2-40B4-BE49-F238E27FC236}">
-                <a16:creationId xmlns:a16="http://schemas.microsoft.com/office/drawing/2014/main" id="{7EE46B45-A779-A74F-8E24-CEF5586F6FA1}"/>
-              </a:ext>
-            </a:extLst>
-          </p:cNvPr>
-          <p:cNvPicPr>
-            <a:picLocks noChangeAspect="1"/>
-          </p:cNvPicPr>
-          <p:nvPr/>
-        </p:nvPicPr>
-        <p:blipFill>
-          <a:blip r:embed="rId3"/>
-          <a:stretch>
-            <a:fillRect/>
-          </a:stretch>
-        </p:blipFill>
-        <p:spPr>
-          <a:xfrm>
             <a:off x="8228579" y="1559961"/>
             <a:ext cx="3302508" cy="3738075"/>
           </a:xfrm>
@@ -14720,7 +14689,7 @@
     </p:spTree>
     <p:extLst>
       <p:ext uri="{BB962C8B-B14F-4D97-AF65-F5344CB8AC3E}">
-        <p14:creationId xmlns:p14="http://schemas.microsoft.com/office/powerpoint/2010/main" val="214938388"/>
+        <p14:creationId xmlns:p14="http://schemas.microsoft.com/office/powerpoint/2010/main" val="2260594205"/>
       </p:ext>
     </p:extLst>
   </p:cSld>
@@ -15061,6 +15030,67 @@
           </a:p>
         </p:txBody>
       </p:sp>
+      <p:sp>
+        <p:nvSpPr>
+          <p:cNvPr id="10" name="TextBox 9">
+            <a:extLst>
+              <a:ext uri="{FF2B5EF4-FFF2-40B4-BE49-F238E27FC236}">
+                <a16:creationId xmlns:a16="http://schemas.microsoft.com/office/drawing/2014/main" id="{D9018E34-C586-5D4D-AF06-B4135027D5B5}"/>
+              </a:ext>
+            </a:extLst>
+          </p:cNvPr>
+          <p:cNvSpPr txBox="1"/>
+          <p:nvPr/>
+        </p:nvSpPr>
+        <p:spPr>
+          <a:xfrm>
+            <a:off x="339557" y="1848678"/>
+            <a:ext cx="6896760" cy="783420"/>
+          </a:xfrm>
+          <a:prstGeom prst="rect">
+            <a:avLst/>
+          </a:prstGeom>
+          <a:noFill/>
+        </p:spPr>
+        <p:txBody>
+          <a:bodyPr wrap="none" rtlCol="0">
+            <a:spAutoFit/>
+          </a:bodyPr>
+          <a:lstStyle/>
+          <a:p>
+            <a:pPr marL="285750" indent="-285750">
+              <a:lnSpc>
+                <a:spcPct val="150000"/>
+              </a:lnSpc>
+              <a:buFont typeface="Arial" panose="020B0604020202020204" pitchFamily="34" charset="0"/>
+              <a:buChar char="•"/>
+            </a:pPr>
+            <a:r>
+              <a:rPr kumimoji="1" lang="ko-Kore-KR" altLang="en-US" sz="1600" dirty="0"/>
+              <a:t>다양한 </a:t>
+            </a:r>
+            <a:r>
+              <a:rPr kumimoji="1" lang="en-US" altLang="ko-Kore-KR" sz="1600" dirty="0"/>
+              <a:t>Downstream task</a:t>
+            </a:r>
+            <a:r>
+              <a:rPr kumimoji="1" lang="ko-KR" altLang="en-US" sz="1600" dirty="0"/>
+              <a:t>들에서 두 문장 사이의 관계를 파악하는 것이</a:t>
+            </a:r>
+            <a:br>
+              <a:rPr kumimoji="1" lang="en-US" altLang="ko-KR" sz="1600" dirty="0"/>
+            </a:br>
+            <a:r>
+              <a:rPr kumimoji="1" lang="ko-KR" altLang="en-US" sz="1600" dirty="0"/>
+              <a:t>중요하다</a:t>
+            </a:r>
+            <a:r>
+              <a:rPr kumimoji="1" lang="en-US" altLang="ko-KR" sz="1600" dirty="0"/>
+              <a:t>. (ex. Question Answering, Natural Language Inference)</a:t>
+            </a:r>
+          </a:p>
+        </p:txBody>
+      </p:sp>
       <p:pic>
         <p:nvPicPr>
           <p:cNvPr id="8" name="그림 7">
@@ -15094,7 +15124,7 @@
     </p:spTree>
     <p:extLst>
       <p:ext uri="{BB962C8B-B14F-4D97-AF65-F5344CB8AC3E}">
-        <p14:creationId xmlns:p14="http://schemas.microsoft.com/office/powerpoint/2010/main" val="2260594205"/>
+        <p14:creationId xmlns:p14="http://schemas.microsoft.com/office/powerpoint/2010/main" val="25100211"/>
       </p:ext>
     </p:extLst>
   </p:cSld>
@@ -15228,7 +15258,7 @@
         <p:spPr>
           <a:xfrm>
             <a:off x="339557" y="1848678"/>
-            <a:ext cx="6896760" cy="783420"/>
+            <a:ext cx="6896760" cy="1152751"/>
           </a:xfrm>
           <a:prstGeom prst="rect">
             <a:avLst/>
@@ -15271,6 +15301,24 @@
               <a:rPr kumimoji="1" lang="en-US" altLang="ko-KR" sz="1600" dirty="0"/>
               <a:t>. (ex. Question Answering, Natural Language Inference)</a:t>
             </a:r>
+          </a:p>
+          <a:p>
+            <a:pPr marL="285750" indent="-285750">
+              <a:lnSpc>
+                <a:spcPct val="150000"/>
+              </a:lnSpc>
+              <a:buFont typeface="Arial" panose="020B0604020202020204" pitchFamily="34" charset="0"/>
+              <a:buChar char="•"/>
+            </a:pPr>
+            <a:r>
+              <a:rPr kumimoji="1" lang="ko-KR" altLang="en-US" sz="1600" dirty="0" err="1"/>
+              <a:t>입력값으로</a:t>
+            </a:r>
+            <a:r>
+              <a:rPr kumimoji="1" lang="ko-KR" altLang="en-US" sz="1600" dirty="0"/>
+              <a:t> 들어갈 두 문장을 아래의 비율로 선택</a:t>
+            </a:r>
+            <a:endParaRPr kumimoji="1" lang="en-US" altLang="ko-KR" sz="1600" dirty="0"/>
           </a:p>
         </p:txBody>
       </p:sp>
@@ -15307,7 +15355,7 @@
     </p:spTree>
     <p:extLst>
       <p:ext uri="{BB962C8B-B14F-4D97-AF65-F5344CB8AC3E}">
-        <p14:creationId xmlns:p14="http://schemas.microsoft.com/office/powerpoint/2010/main" val="25100211"/>
+        <p14:creationId xmlns:p14="http://schemas.microsoft.com/office/powerpoint/2010/main" val="2642401616"/>
       </p:ext>
     </p:extLst>
   </p:cSld>
@@ -15441,7 +15489,7 @@
         <p:spPr>
           <a:xfrm>
             <a:off x="339557" y="1848678"/>
-            <a:ext cx="6896760" cy="1152751"/>
+            <a:ext cx="6896760" cy="1891415"/>
           </a:xfrm>
           <a:prstGeom prst="rect">
             <a:avLst/>
@@ -15502,6 +15550,37 @@
               <a:t> 들어갈 두 문장을 아래의 비율로 선택</a:t>
             </a:r>
             <a:endParaRPr kumimoji="1" lang="en-US" altLang="ko-KR" sz="1600" dirty="0"/>
+          </a:p>
+          <a:p>
+            <a:pPr marL="742950" lvl="1" indent="-285750">
+              <a:lnSpc>
+                <a:spcPct val="150000"/>
+              </a:lnSpc>
+              <a:buFont typeface="Arial" panose="020B0604020202020204" pitchFamily="34" charset="0"/>
+              <a:buChar char="•"/>
+            </a:pPr>
+            <a:r>
+              <a:rPr kumimoji="1" lang="en-US" altLang="ko-KR" sz="1600" dirty="0"/>
+              <a:t>50% : </a:t>
+            </a:r>
+            <a:r>
+              <a:rPr kumimoji="1" lang="ko-KR" altLang="en-US" sz="1600" dirty="0"/>
+              <a:t>실제 이어진 두 문장</a:t>
+            </a:r>
+            <a:endParaRPr kumimoji="1" lang="en-US" altLang="ko-KR" sz="1600" dirty="0"/>
+          </a:p>
+          <a:p>
+            <a:pPr marL="742950" lvl="1" indent="-285750">
+              <a:lnSpc>
+                <a:spcPct val="150000"/>
+              </a:lnSpc>
+              <a:buFont typeface="Arial" panose="020B0604020202020204" pitchFamily="34" charset="0"/>
+              <a:buChar char="•"/>
+            </a:pPr>
+            <a:r>
+              <a:rPr kumimoji="1" lang="en-US" altLang="ko-KR" sz="1600" dirty="0"/>
+              <a:t>50% : Random sentence</a:t>
+            </a:r>
           </a:p>
         </p:txBody>
       </p:sp>
@@ -15538,7 +15617,7 @@
     </p:spTree>
     <p:extLst>
       <p:ext uri="{BB962C8B-B14F-4D97-AF65-F5344CB8AC3E}">
-        <p14:creationId xmlns:p14="http://schemas.microsoft.com/office/powerpoint/2010/main" val="2642401616"/>
+        <p14:creationId xmlns:p14="http://schemas.microsoft.com/office/powerpoint/2010/main" val="3127481276"/>
       </p:ext>
     </p:extLst>
   </p:cSld>
@@ -15672,7 +15751,7 @@
         <p:spPr>
           <a:xfrm>
             <a:off x="339557" y="1848678"/>
-            <a:ext cx="6896760" cy="1891415"/>
+            <a:ext cx="6896760" cy="2260747"/>
           </a:xfrm>
           <a:prstGeom prst="rect">
             <a:avLst/>
@@ -15764,6 +15843,24 @@
               <a:rPr kumimoji="1" lang="en-US" altLang="ko-KR" sz="1600" dirty="0"/>
               <a:t>50% : Random sentence</a:t>
             </a:r>
+          </a:p>
+          <a:p>
+            <a:pPr marL="285750" indent="-285750">
+              <a:lnSpc>
+                <a:spcPct val="150000"/>
+              </a:lnSpc>
+              <a:buFont typeface="Arial" panose="020B0604020202020204" pitchFamily="34" charset="0"/>
+              <a:buChar char="•"/>
+            </a:pPr>
+            <a:r>
+              <a:rPr kumimoji="1" lang="ko-KR" altLang="en-US" sz="1600" dirty="0" err="1"/>
+              <a:t>입력값으로</a:t>
+            </a:r>
+            <a:r>
+              <a:rPr kumimoji="1" lang="ko-KR" altLang="en-US" sz="1600" dirty="0"/>
+              <a:t> 들어간 두 문장이 이어진 문장인지 학습</a:t>
+            </a:r>
+            <a:endParaRPr kumimoji="1" lang="en-US" altLang="ko-KR" sz="1600" dirty="0"/>
           </a:p>
         </p:txBody>
       </p:sp>
@@ -15800,7 +15897,7 @@
     </p:spTree>
     <p:extLst>
       <p:ext uri="{BB962C8B-B14F-4D97-AF65-F5344CB8AC3E}">
-        <p14:creationId xmlns:p14="http://schemas.microsoft.com/office/powerpoint/2010/main" val="3127481276"/>
+        <p14:creationId xmlns:p14="http://schemas.microsoft.com/office/powerpoint/2010/main" val="2407096958"/>
       </p:ext>
     </p:extLst>
   </p:cSld>
@@ -15842,7 +15939,7 @@
         <p:spPr>
           <a:xfrm>
             <a:off x="269341" y="1262269"/>
-            <a:ext cx="5025863" cy="454292"/>
+            <a:ext cx="1430969" cy="454292"/>
           </a:xfrm>
           <a:prstGeom prst="rect">
             <a:avLst/>
@@ -15866,15 +15963,7 @@
                   <a:schemeClr val="accent1"/>
                 </a:solidFill>
               </a:rPr>
-              <a:t>Pre-training BERT </a:t>
-            </a:r>
-            <a:r>
-              <a:rPr kumimoji="1" lang="en-US" altLang="ko-KR" sz="1400" b="1" dirty="0">
-                <a:solidFill>
-                  <a:schemeClr val="accent1"/>
-                </a:solidFill>
-              </a:rPr>
-              <a:t>– Next Sentence Prediction(NSP)</a:t>
+              <a:t>Experiment</a:t>
             </a:r>
             <a:endParaRPr kumimoji="1" lang="ko-KR" altLang="en-US" b="1" dirty="0">
               <a:solidFill>
@@ -15919,168 +16008,10 @@
           </a:p>
         </p:txBody>
       </p:sp>
-      <p:sp>
-        <p:nvSpPr>
-          <p:cNvPr id="10" name="TextBox 9">
-            <a:extLst>
-              <a:ext uri="{FF2B5EF4-FFF2-40B4-BE49-F238E27FC236}">
-                <a16:creationId xmlns:a16="http://schemas.microsoft.com/office/drawing/2014/main" id="{D9018E34-C586-5D4D-AF06-B4135027D5B5}"/>
-              </a:ext>
-            </a:extLst>
-          </p:cNvPr>
-          <p:cNvSpPr txBox="1"/>
-          <p:nvPr/>
-        </p:nvSpPr>
-        <p:spPr>
-          <a:xfrm>
-            <a:off x="339557" y="1848678"/>
-            <a:ext cx="6896760" cy="2260747"/>
-          </a:xfrm>
-          <a:prstGeom prst="rect">
-            <a:avLst/>
-          </a:prstGeom>
-          <a:noFill/>
-        </p:spPr>
-        <p:txBody>
-          <a:bodyPr wrap="none" rtlCol="0">
-            <a:spAutoFit/>
-          </a:bodyPr>
-          <a:lstStyle/>
-          <a:p>
-            <a:pPr marL="285750" indent="-285750">
-              <a:lnSpc>
-                <a:spcPct val="150000"/>
-              </a:lnSpc>
-              <a:buFont typeface="Arial" panose="020B0604020202020204" pitchFamily="34" charset="0"/>
-              <a:buChar char="•"/>
-            </a:pPr>
-            <a:r>
-              <a:rPr kumimoji="1" lang="ko-Kore-KR" altLang="en-US" sz="1600" dirty="0"/>
-              <a:t>다양한 </a:t>
-            </a:r>
-            <a:r>
-              <a:rPr kumimoji="1" lang="en-US" altLang="ko-Kore-KR" sz="1600" dirty="0"/>
-              <a:t>Downstream task</a:t>
-            </a:r>
-            <a:r>
-              <a:rPr kumimoji="1" lang="ko-KR" altLang="en-US" sz="1600" dirty="0"/>
-              <a:t>들에서 두 문장 사이의 관계를 파악하는 것이</a:t>
-            </a:r>
-            <a:br>
-              <a:rPr kumimoji="1" lang="en-US" altLang="ko-KR" sz="1600" dirty="0"/>
-            </a:br>
-            <a:r>
-              <a:rPr kumimoji="1" lang="ko-KR" altLang="en-US" sz="1600" dirty="0"/>
-              <a:t>중요하다</a:t>
-            </a:r>
-            <a:r>
-              <a:rPr kumimoji="1" lang="en-US" altLang="ko-KR" sz="1600" dirty="0"/>
-              <a:t>. (ex. Question Answering, Natural Language Inference)</a:t>
-            </a:r>
-          </a:p>
-          <a:p>
-            <a:pPr marL="285750" indent="-285750">
-              <a:lnSpc>
-                <a:spcPct val="150000"/>
-              </a:lnSpc>
-              <a:buFont typeface="Arial" panose="020B0604020202020204" pitchFamily="34" charset="0"/>
-              <a:buChar char="•"/>
-            </a:pPr>
-            <a:r>
-              <a:rPr kumimoji="1" lang="ko-KR" altLang="en-US" sz="1600" dirty="0" err="1"/>
-              <a:t>입력값으로</a:t>
-            </a:r>
-            <a:r>
-              <a:rPr kumimoji="1" lang="ko-KR" altLang="en-US" sz="1600" dirty="0"/>
-              <a:t> 들어갈 두 문장을 아래의 비율로 선택</a:t>
-            </a:r>
-            <a:endParaRPr kumimoji="1" lang="en-US" altLang="ko-KR" sz="1600" dirty="0"/>
-          </a:p>
-          <a:p>
-            <a:pPr marL="742950" lvl="1" indent="-285750">
-              <a:lnSpc>
-                <a:spcPct val="150000"/>
-              </a:lnSpc>
-              <a:buFont typeface="Arial" panose="020B0604020202020204" pitchFamily="34" charset="0"/>
-              <a:buChar char="•"/>
-            </a:pPr>
-            <a:r>
-              <a:rPr kumimoji="1" lang="en-US" altLang="ko-KR" sz="1600" dirty="0"/>
-              <a:t>50% : </a:t>
-            </a:r>
-            <a:r>
-              <a:rPr kumimoji="1" lang="ko-KR" altLang="en-US" sz="1600" dirty="0"/>
-              <a:t>실제 이어진 두 문장</a:t>
-            </a:r>
-            <a:endParaRPr kumimoji="1" lang="en-US" altLang="ko-KR" sz="1600" dirty="0"/>
-          </a:p>
-          <a:p>
-            <a:pPr marL="742950" lvl="1" indent="-285750">
-              <a:lnSpc>
-                <a:spcPct val="150000"/>
-              </a:lnSpc>
-              <a:buFont typeface="Arial" panose="020B0604020202020204" pitchFamily="34" charset="0"/>
-              <a:buChar char="•"/>
-            </a:pPr>
-            <a:r>
-              <a:rPr kumimoji="1" lang="en-US" altLang="ko-KR" sz="1600" dirty="0"/>
-              <a:t>50% : Random sentence</a:t>
-            </a:r>
-          </a:p>
-          <a:p>
-            <a:pPr marL="285750" indent="-285750">
-              <a:lnSpc>
-                <a:spcPct val="150000"/>
-              </a:lnSpc>
-              <a:buFont typeface="Arial" panose="020B0604020202020204" pitchFamily="34" charset="0"/>
-              <a:buChar char="•"/>
-            </a:pPr>
-            <a:r>
-              <a:rPr kumimoji="1" lang="ko-KR" altLang="en-US" sz="1600" dirty="0" err="1"/>
-              <a:t>입력값으로</a:t>
-            </a:r>
-            <a:r>
-              <a:rPr kumimoji="1" lang="ko-KR" altLang="en-US" sz="1600" dirty="0"/>
-              <a:t> 들어간 두 문장이 이어진 문장인지 학습</a:t>
-            </a:r>
-            <a:endParaRPr kumimoji="1" lang="en-US" altLang="ko-KR" sz="1600" dirty="0"/>
-          </a:p>
-        </p:txBody>
-      </p:sp>
-      <p:pic>
-        <p:nvPicPr>
-          <p:cNvPr id="8" name="그림 7">
-            <a:extLst>
-              <a:ext uri="{FF2B5EF4-FFF2-40B4-BE49-F238E27FC236}">
-                <a16:creationId xmlns:a16="http://schemas.microsoft.com/office/drawing/2014/main" id="{F36005BF-85EE-0840-AEE9-A55C1B6268D8}"/>
-              </a:ext>
-            </a:extLst>
-          </p:cNvPr>
-          <p:cNvPicPr>
-            <a:picLocks noChangeAspect="1"/>
-          </p:cNvPicPr>
-          <p:nvPr/>
-        </p:nvPicPr>
-        <p:blipFill>
-          <a:blip r:embed="rId2"/>
-          <a:stretch>
-            <a:fillRect/>
-          </a:stretch>
-        </p:blipFill>
-        <p:spPr>
-          <a:xfrm>
-            <a:off x="8228579" y="1559961"/>
-            <a:ext cx="3302508" cy="3738075"/>
-          </a:xfrm>
-          <a:prstGeom prst="rect">
-            <a:avLst/>
-          </a:prstGeom>
-        </p:spPr>
-      </p:pic>
     </p:spTree>
     <p:extLst>
       <p:ext uri="{BB962C8B-B14F-4D97-AF65-F5344CB8AC3E}">
-        <p14:creationId xmlns:p14="http://schemas.microsoft.com/office/powerpoint/2010/main" val="2407096958"/>
+        <p14:creationId xmlns:p14="http://schemas.microsoft.com/office/powerpoint/2010/main" val="3615490655"/>
       </p:ext>
     </p:extLst>
   </p:cSld>
@@ -16191,10 +16122,40 @@
           </a:p>
         </p:txBody>
       </p:sp>
+      <p:pic>
+        <p:nvPicPr>
+          <p:cNvPr id="4" name="그림 3">
+            <a:extLst>
+              <a:ext uri="{FF2B5EF4-FFF2-40B4-BE49-F238E27FC236}">
+                <a16:creationId xmlns:a16="http://schemas.microsoft.com/office/drawing/2014/main" id="{14E725C2-EF82-714F-B791-C24525A5620F}"/>
+              </a:ext>
+            </a:extLst>
+          </p:cNvPr>
+          <p:cNvPicPr>
+            <a:picLocks noChangeAspect="1"/>
+          </p:cNvPicPr>
+          <p:nvPr/>
+        </p:nvPicPr>
+        <p:blipFill>
+          <a:blip r:embed="rId2"/>
+          <a:stretch>
+            <a:fillRect/>
+          </a:stretch>
+        </p:blipFill>
+        <p:spPr>
+          <a:xfrm>
+            <a:off x="1320800" y="2051348"/>
+            <a:ext cx="9550400" cy="3544383"/>
+          </a:xfrm>
+          <a:prstGeom prst="rect">
+            <a:avLst/>
+          </a:prstGeom>
+        </p:spPr>
+      </p:pic>
     </p:spTree>
     <p:extLst>
       <p:ext uri="{BB962C8B-B14F-4D97-AF65-F5344CB8AC3E}">
-        <p14:creationId xmlns:p14="http://schemas.microsoft.com/office/powerpoint/2010/main" val="3615490655"/>
+        <p14:creationId xmlns:p14="http://schemas.microsoft.com/office/powerpoint/2010/main" val="2952226320"/>
       </p:ext>
     </p:extLst>
   </p:cSld>
@@ -16307,150 +16268,6 @@
       </p:sp>
       <p:pic>
         <p:nvPicPr>
-          <p:cNvPr id="4" name="그림 3">
-            <a:extLst>
-              <a:ext uri="{FF2B5EF4-FFF2-40B4-BE49-F238E27FC236}">
-                <a16:creationId xmlns:a16="http://schemas.microsoft.com/office/drawing/2014/main" id="{14E725C2-EF82-714F-B791-C24525A5620F}"/>
-              </a:ext>
-            </a:extLst>
-          </p:cNvPr>
-          <p:cNvPicPr>
-            <a:picLocks noChangeAspect="1"/>
-          </p:cNvPicPr>
-          <p:nvPr/>
-        </p:nvPicPr>
-        <p:blipFill>
-          <a:blip r:embed="rId2"/>
-          <a:stretch>
-            <a:fillRect/>
-          </a:stretch>
-        </p:blipFill>
-        <p:spPr>
-          <a:xfrm>
-            <a:off x="1320800" y="2051348"/>
-            <a:ext cx="9550400" cy="3544383"/>
-          </a:xfrm>
-          <a:prstGeom prst="rect">
-            <a:avLst/>
-          </a:prstGeom>
-        </p:spPr>
-      </p:pic>
-    </p:spTree>
-    <p:extLst>
-      <p:ext uri="{BB962C8B-B14F-4D97-AF65-F5344CB8AC3E}">
-        <p14:creationId xmlns:p14="http://schemas.microsoft.com/office/powerpoint/2010/main" val="2952226320"/>
-      </p:ext>
-    </p:extLst>
-  </p:cSld>
-  <p:clrMapOvr>
-    <a:masterClrMapping/>
-  </p:clrMapOvr>
-</p:sld>
-</file>
-
-<file path=ppt/slides/slide57.xml><?xml version="1.0" encoding="utf-8"?>
-<p:sld xmlns:a="http://schemas.openxmlformats.org/drawingml/2006/main" xmlns:r="http://schemas.openxmlformats.org/officeDocument/2006/relationships" xmlns:p="http://schemas.openxmlformats.org/presentationml/2006/main">
-  <p:cSld>
-    <p:spTree>
-      <p:nvGrpSpPr>
-        <p:cNvPr id="1" name=""/>
-        <p:cNvGrpSpPr/>
-        <p:nvPr/>
-      </p:nvGrpSpPr>
-      <p:grpSpPr>
-        <a:xfrm>
-          <a:off x="0" y="0"/>
-          <a:ext cx="0" cy="0"/>
-          <a:chOff x="0" y="0"/>
-          <a:chExt cx="0" cy="0"/>
-        </a:xfrm>
-      </p:grpSpPr>
-      <p:sp>
-        <p:nvSpPr>
-          <p:cNvPr id="7" name="TextBox 6">
-            <a:extLst>
-              <a:ext uri="{FF2B5EF4-FFF2-40B4-BE49-F238E27FC236}">
-                <a16:creationId xmlns:a16="http://schemas.microsoft.com/office/drawing/2014/main" id="{186F099D-0B1A-C940-BC6D-83910F479E4F}"/>
-              </a:ext>
-            </a:extLst>
-          </p:cNvPr>
-          <p:cNvSpPr txBox="1"/>
-          <p:nvPr/>
-        </p:nvSpPr>
-        <p:spPr>
-          <a:xfrm>
-            <a:off x="269341" y="1262269"/>
-            <a:ext cx="1430969" cy="454292"/>
-          </a:xfrm>
-          <a:prstGeom prst="rect">
-            <a:avLst/>
-          </a:prstGeom>
-          <a:noFill/>
-        </p:spPr>
-        <p:txBody>
-          <a:bodyPr wrap="none" rtlCol="0">
-            <a:spAutoFit/>
-          </a:bodyPr>
-          <a:lstStyle/>
-          <a:p>
-            <a:pPr>
-              <a:lnSpc>
-                <a:spcPct val="150000"/>
-              </a:lnSpc>
-            </a:pPr>
-            <a:r>
-              <a:rPr kumimoji="1" lang="en-US" altLang="ko-KR" b="1" dirty="0">
-                <a:solidFill>
-                  <a:schemeClr val="accent1"/>
-                </a:solidFill>
-              </a:rPr>
-              <a:t>Experiment</a:t>
-            </a:r>
-            <a:endParaRPr kumimoji="1" lang="ko-KR" altLang="en-US" b="1" dirty="0">
-              <a:solidFill>
-                <a:schemeClr val="accent1"/>
-              </a:solidFill>
-            </a:endParaRPr>
-          </a:p>
-        </p:txBody>
-      </p:sp>
-      <p:sp>
-        <p:nvSpPr>
-          <p:cNvPr id="9" name="TextBox 8">
-            <a:extLst>
-              <a:ext uri="{FF2B5EF4-FFF2-40B4-BE49-F238E27FC236}">
-                <a16:creationId xmlns:a16="http://schemas.microsoft.com/office/drawing/2014/main" id="{66C3E04F-439D-0447-B8C6-9AA603D46DA9}"/>
-              </a:ext>
-            </a:extLst>
-          </p:cNvPr>
-          <p:cNvSpPr txBox="1"/>
-          <p:nvPr/>
-        </p:nvSpPr>
-        <p:spPr>
-          <a:xfrm>
-            <a:off x="269341" y="545812"/>
-            <a:ext cx="982577" cy="523220"/>
-          </a:xfrm>
-          <a:prstGeom prst="rect">
-            <a:avLst/>
-          </a:prstGeom>
-          <a:noFill/>
-        </p:spPr>
-        <p:txBody>
-          <a:bodyPr wrap="none" rtlCol="0">
-            <a:spAutoFit/>
-          </a:bodyPr>
-          <a:lstStyle/>
-          <a:p>
-            <a:r>
-              <a:rPr kumimoji="1" lang="en-US" altLang="ko-KR" sz="2800" dirty="0"/>
-              <a:t>BERT</a:t>
-            </a:r>
-          </a:p>
-        </p:txBody>
-      </p:sp>
-      <p:pic>
-        <p:nvPicPr>
           <p:cNvPr id="5" name="그림 4">
             <a:extLst>
               <a:ext uri="{FF2B5EF4-FFF2-40B4-BE49-F238E27FC236}">
@@ -16522,7 +16339,7 @@
 </p:sld>
 </file>
 
-<file path=ppt/slides/slide58.xml><?xml version="1.0" encoding="utf-8"?>
+<file path=ppt/slides/slide57.xml><?xml version="1.0" encoding="utf-8"?>
 <p:sld xmlns:a="http://schemas.openxmlformats.org/drawingml/2006/main" xmlns:r="http://schemas.openxmlformats.org/officeDocument/2006/relationships" xmlns:p="http://schemas.openxmlformats.org/presentationml/2006/main">
   <p:cSld>
     <p:spTree>
@@ -16826,11 +16643,7 @@
             </a:r>
             <a:r>
               <a:rPr kumimoji="1" lang="en-US" altLang="ko-KR" sz="1600" dirty="0"/>
-              <a:t>bidirectional </a:t>
-            </a:r>
-            <a:r>
-              <a:rPr kumimoji="1" lang="en-US" altLang="ko-KR" sz="1600" dirty="0" err="1"/>
-              <a:t>representatio</a:t>
+              <a:t>bidirectional representation</a:t>
             </a:r>
             <a:r>
               <a:rPr kumimoji="1" lang="ko-KR" altLang="en-US" sz="1600" dirty="0"/>
@@ -17086,11 +16899,7 @@
             </a:r>
             <a:r>
               <a:rPr kumimoji="1" lang="en-US" altLang="ko-KR" sz="1600" dirty="0"/>
-              <a:t>bidirectional </a:t>
-            </a:r>
-            <a:r>
-              <a:rPr kumimoji="1" lang="en-US" altLang="ko-KR" sz="1600" dirty="0" err="1"/>
-              <a:t>representatio</a:t>
+              <a:t>bidirectional representation</a:t>
             </a:r>
             <a:r>
               <a:rPr kumimoji="1" lang="ko-KR" altLang="en-US" sz="1600" dirty="0"/>
@@ -17394,11 +17203,7 @@
             </a:r>
             <a:r>
               <a:rPr kumimoji="1" lang="en-US" altLang="ko-KR" sz="1600" dirty="0"/>
-              <a:t>bidirectional </a:t>
-            </a:r>
-            <a:r>
-              <a:rPr kumimoji="1" lang="en-US" altLang="ko-KR" sz="1600" dirty="0" err="1"/>
-              <a:t>representatio</a:t>
+              <a:t>bidirectional representation</a:t>
             </a:r>
             <a:r>
               <a:rPr kumimoji="1" lang="ko-KR" altLang="en-US" sz="1600" dirty="0"/>
@@ -17627,7 +17432,7 @@
         <p:spPr>
           <a:xfrm>
             <a:off x="269341" y="1262269"/>
-            <a:ext cx="1103187" cy="454292"/>
+            <a:ext cx="3466013" cy="454292"/>
           </a:xfrm>
           <a:prstGeom prst="rect">
             <a:avLst/>
@@ -17651,7 +17456,7 @@
                   <a:schemeClr val="accent1"/>
                 </a:solidFill>
               </a:rPr>
-              <a:t>Abstract</a:t>
+              <a:t>Introduction &amp; Related works</a:t>
             </a:r>
             <a:endParaRPr kumimoji="1" lang="ko-KR" altLang="en-US" b="1" dirty="0">
               <a:solidFill>
@@ -17663,10 +17468,10 @@
       </p:sp>
       <p:sp>
         <p:nvSpPr>
-          <p:cNvPr id="8" name="TextBox 7">
-            <a:extLst>
-              <a:ext uri="{FF2B5EF4-FFF2-40B4-BE49-F238E27FC236}">
-                <a16:creationId xmlns:a16="http://schemas.microsoft.com/office/drawing/2014/main" id="{23A8A441-390F-5540-A633-D6AB35B78EA1}"/>
+          <p:cNvPr id="9" name="TextBox 8">
+            <a:extLst>
+              <a:ext uri="{FF2B5EF4-FFF2-40B4-BE49-F238E27FC236}">
+                <a16:creationId xmlns:a16="http://schemas.microsoft.com/office/drawing/2014/main" id="{66C3E04F-439D-0447-B8C6-9AA603D46DA9}"/>
               </a:ext>
             </a:extLst>
           </p:cNvPr>
@@ -17675,8 +17480,8 @@
         </p:nvSpPr>
         <p:spPr>
           <a:xfrm>
-            <a:off x="339557" y="1848678"/>
-            <a:ext cx="6486840" cy="1891415"/>
+            <a:off x="269341" y="545812"/>
+            <a:ext cx="982577" cy="523220"/>
           </a:xfrm>
           <a:prstGeom prst="rect">
             <a:avLst/>
@@ -17689,223 +17494,6 @@
           </a:bodyPr>
           <a:lstStyle/>
           <a:p>
-            <a:pPr marL="285750" indent="-285750">
-              <a:lnSpc>
-                <a:spcPct val="150000"/>
-              </a:lnSpc>
-              <a:buFont typeface="Arial" panose="020B0604020202020204" pitchFamily="34" charset="0"/>
-              <a:buChar char="•"/>
-            </a:pPr>
-            <a:r>
-              <a:rPr kumimoji="1" lang="en-US" altLang="ko-KR" sz="1600" b="1" dirty="0"/>
-              <a:t>BERT</a:t>
-            </a:r>
-            <a:r>
-              <a:rPr kumimoji="1" lang="en-US" altLang="ko-KR" sz="1600" dirty="0"/>
-              <a:t>: </a:t>
-            </a:r>
-            <a:r>
-              <a:rPr kumimoji="1" lang="en-US" altLang="ko-KR" sz="1600" b="1" dirty="0"/>
-              <a:t>B</a:t>
-            </a:r>
-            <a:r>
-              <a:rPr kumimoji="1" lang="en-US" altLang="ko-KR" sz="1600" dirty="0"/>
-              <a:t>idirectional </a:t>
-            </a:r>
-            <a:r>
-              <a:rPr kumimoji="1" lang="en-US" altLang="ko-KR" sz="1600" b="1" dirty="0"/>
-              <a:t>E</a:t>
-            </a:r>
-            <a:r>
-              <a:rPr kumimoji="1" lang="en-US" altLang="ko-KR" sz="1600" dirty="0"/>
-              <a:t>ncoder </a:t>
-            </a:r>
-            <a:r>
-              <a:rPr kumimoji="1" lang="en-US" altLang="ko-KR" sz="1600" b="1" dirty="0"/>
-              <a:t>R</a:t>
-            </a:r>
-            <a:r>
-              <a:rPr kumimoji="1" lang="en-US" altLang="ko-KR" sz="1600" dirty="0"/>
-              <a:t>epresentations from </a:t>
-            </a:r>
-            <a:r>
-              <a:rPr kumimoji="1" lang="en-US" altLang="ko-KR" sz="1600" b="1" dirty="0"/>
-              <a:t>T</a:t>
-            </a:r>
-            <a:r>
-              <a:rPr kumimoji="1" lang="en-US" altLang="ko-KR" sz="1600" dirty="0"/>
-              <a:t>ransformers.</a:t>
-            </a:r>
-          </a:p>
-          <a:p>
-            <a:pPr marL="285750" indent="-285750">
-              <a:lnSpc>
-                <a:spcPct val="150000"/>
-              </a:lnSpc>
-              <a:buFont typeface="Arial" panose="020B0604020202020204" pitchFamily="34" charset="0"/>
-              <a:buChar char="•"/>
-            </a:pPr>
-            <a:r>
-              <a:rPr kumimoji="1" lang="en-US" altLang="ko-KR" sz="1600" dirty="0"/>
-              <a:t>Unlabeled text</a:t>
-            </a:r>
-            <a:r>
-              <a:rPr kumimoji="1" lang="ko-KR" altLang="en-US" sz="1600" dirty="0"/>
-              <a:t>로부터 </a:t>
-            </a:r>
-            <a:r>
-              <a:rPr kumimoji="1" lang="en-US" altLang="ko-KR" sz="1600" dirty="0"/>
-              <a:t>bidirectional </a:t>
-            </a:r>
-            <a:r>
-              <a:rPr kumimoji="1" lang="en-US" altLang="ko-KR" sz="1600" dirty="0" err="1"/>
-              <a:t>representatio</a:t>
-            </a:r>
-            <a:r>
-              <a:rPr kumimoji="1" lang="ko-KR" altLang="en-US" sz="1600" dirty="0"/>
-              <a:t>을 </a:t>
-            </a:r>
-            <a:r>
-              <a:rPr kumimoji="1" lang="en-US" altLang="ko-KR" sz="1600" dirty="0"/>
-              <a:t>pre-train</a:t>
-            </a:r>
-            <a:r>
-              <a:rPr kumimoji="1" lang="ko-KR" altLang="en-US" sz="1600" dirty="0"/>
-              <a:t>함</a:t>
-            </a:r>
-            <a:endParaRPr kumimoji="1" lang="en-US" altLang="ko-KR" sz="1600" dirty="0"/>
-          </a:p>
-          <a:p>
-            <a:pPr marL="285750" indent="-285750">
-              <a:lnSpc>
-                <a:spcPct val="150000"/>
-              </a:lnSpc>
-              <a:buFont typeface="Arial" panose="020B0604020202020204" pitchFamily="34" charset="0"/>
-              <a:buChar char="•"/>
-            </a:pPr>
-            <a:r>
-              <a:rPr kumimoji="1" lang="en-US" altLang="ko-KR" sz="1600" dirty="0"/>
-              <a:t>Pre-trained BERT</a:t>
-            </a:r>
-            <a:r>
-              <a:rPr kumimoji="1" lang="ko-KR" altLang="en-US" sz="1600" dirty="0"/>
-              <a:t>는 단 하나의 레이어를 추가함으로써</a:t>
-            </a:r>
-            <a:br>
-              <a:rPr kumimoji="1" lang="en-US" altLang="ko-KR" sz="1600" dirty="0"/>
-            </a:br>
-            <a:r>
-              <a:rPr kumimoji="1" lang="en-US" altLang="ko-KR" sz="1600" dirty="0"/>
-              <a:t>fine-tune</a:t>
-            </a:r>
-            <a:r>
-              <a:rPr kumimoji="1" lang="ko-KR" altLang="en-US" sz="1600" dirty="0"/>
-              <a:t>할 수 있고</a:t>
-            </a:r>
-            <a:r>
-              <a:rPr kumimoji="1" lang="en-US" altLang="ko-KR" sz="1600" dirty="0"/>
-              <a:t>, </a:t>
-            </a:r>
-            <a:r>
-              <a:rPr kumimoji="1" lang="ko-KR" altLang="en-US" sz="1600" dirty="0"/>
-              <a:t>이의 결과는 </a:t>
-            </a:r>
-            <a:r>
-              <a:rPr kumimoji="1" lang="en-US" altLang="ko-KR" sz="1600" dirty="0"/>
-              <a:t>SOTA</a:t>
-            </a:r>
-            <a:r>
-              <a:rPr kumimoji="1" lang="ko-KR" altLang="en-US" sz="1600" dirty="0"/>
-              <a:t>다</a:t>
-            </a:r>
-            <a:r>
-              <a:rPr kumimoji="1" lang="en-US" altLang="ko-KR" sz="1600" dirty="0"/>
-              <a:t>.</a:t>
-            </a:r>
-          </a:p>
-          <a:p>
-            <a:pPr marL="285750" indent="-285750">
-              <a:lnSpc>
-                <a:spcPct val="150000"/>
-              </a:lnSpc>
-              <a:buFont typeface="Arial" panose="020B0604020202020204" pitchFamily="34" charset="0"/>
-              <a:buChar char="•"/>
-            </a:pPr>
-            <a:r>
-              <a:rPr kumimoji="1" lang="en-US" altLang="ko-KR" sz="1600" dirty="0"/>
-              <a:t>BERT</a:t>
-            </a:r>
-            <a:r>
-              <a:rPr kumimoji="1" lang="ko-KR" altLang="en-US" sz="1600" dirty="0"/>
-              <a:t>는 총 </a:t>
-            </a:r>
-            <a:r>
-              <a:rPr kumimoji="1" lang="en-US" altLang="ko-KR" sz="1600" dirty="0"/>
-              <a:t>11</a:t>
-            </a:r>
-            <a:r>
-              <a:rPr kumimoji="1" lang="ko-KR" altLang="en-US" sz="1600" dirty="0"/>
-              <a:t>개의 </a:t>
-            </a:r>
-            <a:r>
-              <a:rPr kumimoji="1" lang="en-US" altLang="ko-KR" sz="1600" dirty="0"/>
-              <a:t>NLP</a:t>
-            </a:r>
-            <a:r>
-              <a:rPr kumimoji="1" lang="ko-KR" altLang="en-US" sz="1600" dirty="0"/>
-              <a:t> </a:t>
-            </a:r>
-            <a:r>
-              <a:rPr kumimoji="1" lang="en-US" altLang="ko-KR" sz="1600" dirty="0"/>
-              <a:t>task</a:t>
-            </a:r>
-            <a:r>
-              <a:rPr kumimoji="1" lang="ko-KR" altLang="en-US" sz="1600" dirty="0"/>
-              <a:t>에서 </a:t>
-            </a:r>
-            <a:r>
-              <a:rPr kumimoji="1" lang="en-US" altLang="ko-KR" sz="1600" dirty="0"/>
-              <a:t>SOTA</a:t>
-            </a:r>
-            <a:r>
-              <a:rPr kumimoji="1" lang="ko-KR" altLang="en-US" sz="1600" dirty="0"/>
-              <a:t>의 결과를 보였다</a:t>
-            </a:r>
-            <a:r>
-              <a:rPr kumimoji="1" lang="en-US" altLang="ko-KR" sz="1600" dirty="0"/>
-              <a:t>.</a:t>
-            </a:r>
-          </a:p>
-        </p:txBody>
-      </p:sp>
-      <p:sp>
-        <p:nvSpPr>
-          <p:cNvPr id="9" name="TextBox 8">
-            <a:extLst>
-              <a:ext uri="{FF2B5EF4-FFF2-40B4-BE49-F238E27FC236}">
-                <a16:creationId xmlns:a16="http://schemas.microsoft.com/office/drawing/2014/main" id="{66C3E04F-439D-0447-B8C6-9AA603D46DA9}"/>
-              </a:ext>
-            </a:extLst>
-          </p:cNvPr>
-          <p:cNvSpPr txBox="1"/>
-          <p:nvPr/>
-        </p:nvSpPr>
-        <p:spPr>
-          <a:xfrm>
-            <a:off x="269341" y="545812"/>
-            <a:ext cx="982577" cy="523220"/>
-          </a:xfrm>
-          <a:prstGeom prst="rect">
-            <a:avLst/>
-          </a:prstGeom>
-          <a:noFill/>
-        </p:spPr>
-        <p:txBody>
-          <a:bodyPr wrap="none" rtlCol="0">
-            <a:spAutoFit/>
-          </a:bodyPr>
-          <a:lstStyle/>
-          <a:p>
             <a:r>
               <a:rPr kumimoji="1" lang="en-US" altLang="ko-KR" sz="2800" dirty="0"/>
               <a:t>BERT</a:t>
@@ -17915,10 +17503,10 @@
       </p:sp>
       <p:pic>
         <p:nvPicPr>
-          <p:cNvPr id="4" name="그림 3">
-            <a:extLst>
-              <a:ext uri="{FF2B5EF4-FFF2-40B4-BE49-F238E27FC236}">
-                <a16:creationId xmlns:a16="http://schemas.microsoft.com/office/drawing/2014/main" id="{F8F3F715-E1BC-E94E-8C7A-18FBCDD01C2C}"/>
+          <p:cNvPr id="2" name="그림 1">
+            <a:extLst>
+              <a:ext uri="{FF2B5EF4-FFF2-40B4-BE49-F238E27FC236}">
+                <a16:creationId xmlns:a16="http://schemas.microsoft.com/office/drawing/2014/main" id="{ADACDE66-EAB0-CC48-B7C7-916CC4361C0A}"/>
               </a:ext>
             </a:extLst>
           </p:cNvPr>
@@ -17935,8 +17523,38 @@
         </p:blipFill>
         <p:spPr>
           <a:xfrm>
-            <a:off x="7343916" y="307571"/>
-            <a:ext cx="3940837" cy="6550429"/>
+            <a:off x="7927741" y="214730"/>
+            <a:ext cx="2972203" cy="2783865"/>
+          </a:xfrm>
+          <a:prstGeom prst="rect">
+            <a:avLst/>
+          </a:prstGeom>
+        </p:spPr>
+      </p:pic>
+      <p:pic>
+        <p:nvPicPr>
+          <p:cNvPr id="3" name="그림 2">
+            <a:extLst>
+              <a:ext uri="{FF2B5EF4-FFF2-40B4-BE49-F238E27FC236}">
+                <a16:creationId xmlns:a16="http://schemas.microsoft.com/office/drawing/2014/main" id="{B075280A-6C0A-5743-93F2-626D9712019A}"/>
+              </a:ext>
+            </a:extLst>
+          </p:cNvPr>
+          <p:cNvPicPr>
+            <a:picLocks noChangeAspect="1"/>
+          </p:cNvPicPr>
+          <p:nvPr/>
+        </p:nvPicPr>
+        <p:blipFill>
+          <a:blip r:embed="rId3"/>
+          <a:stretch>
+            <a:fillRect/>
+          </a:stretch>
+        </p:blipFill>
+        <p:spPr>
+          <a:xfrm>
+            <a:off x="7927741" y="3171036"/>
+            <a:ext cx="2968331" cy="3591098"/>
           </a:xfrm>
           <a:prstGeom prst="rect">
             <a:avLst/>
@@ -17946,7 +17564,7 @@
     </p:spTree>
     <p:extLst>
       <p:ext uri="{BB962C8B-B14F-4D97-AF65-F5344CB8AC3E}">
-        <p14:creationId xmlns:p14="http://schemas.microsoft.com/office/powerpoint/2010/main" val="1678673454"/>
+        <p14:creationId xmlns:p14="http://schemas.microsoft.com/office/powerpoint/2010/main" val="324258613"/>
       </p:ext>
     </p:extLst>
   </p:cSld>
